--- a/reports/Analisis_de_datos_anime_Exposicion.pptx
+++ b/reports/Analisis_de_datos_anime_Exposicion.pptx
@@ -5,21 +5,24 @@
     <p:sldMasterId id="2147483648" r:id="rId1"/>
   </p:sldMasterIdLst>
   <p:notesMasterIdLst>
-    <p:notesMasterId r:id="rId14"/>
+    <p:notesMasterId r:id="rId17"/>
   </p:notesMasterIdLst>
   <p:sldIdLst>
     <p:sldId id="256" r:id="rId2"/>
-    <p:sldId id="257" r:id="rId3"/>
-    <p:sldId id="258" r:id="rId4"/>
-    <p:sldId id="259" r:id="rId5"/>
-    <p:sldId id="260" r:id="rId6"/>
-    <p:sldId id="261" r:id="rId7"/>
-    <p:sldId id="262" r:id="rId8"/>
-    <p:sldId id="263" r:id="rId9"/>
-    <p:sldId id="264" r:id="rId10"/>
-    <p:sldId id="265" r:id="rId11"/>
-    <p:sldId id="267" r:id="rId12"/>
-    <p:sldId id="266" r:id="rId13"/>
+    <p:sldId id="268" r:id="rId3"/>
+    <p:sldId id="257" r:id="rId4"/>
+    <p:sldId id="258" r:id="rId5"/>
+    <p:sldId id="259" r:id="rId6"/>
+    <p:sldId id="263" r:id="rId7"/>
+    <p:sldId id="260" r:id="rId8"/>
+    <p:sldId id="269" r:id="rId9"/>
+    <p:sldId id="270" r:id="rId10"/>
+    <p:sldId id="261" r:id="rId11"/>
+    <p:sldId id="262" r:id="rId12"/>
+    <p:sldId id="264" r:id="rId13"/>
+    <p:sldId id="265" r:id="rId14"/>
+    <p:sldId id="267" r:id="rId15"/>
+    <p:sldId id="266" r:id="rId16"/>
   </p:sldIdLst>
   <p:sldSz cx="12192000" cy="6858000"/>
   <p:notesSz cx="6858000" cy="9144000"/>
@@ -118,6 +121,11 @@
       </a:defRPr>
     </a:lvl9pPr>
   </p:defaultTextStyle>
+  <p:extLst>
+    <p:ext uri="{EFAFB233-063F-42B5-8137-9DF3F51BA10A}">
+      <p15:sldGuideLst xmlns:p15="http://schemas.microsoft.com/office/powerpoint/2012/main"/>
+    </p:ext>
+  </p:extLst>
 </p:presentation>
 </file>
 
@@ -4061,13 +4069,13 @@
         </p:spPr>
         <p:txBody>
           <a:bodyPr>
-            <a:normAutofit fontScale="92500" lnSpcReduction="20000"/>
+            <a:normAutofit fontScale="85000" lnSpcReduction="20000"/>
           </a:bodyPr>
           <a:lstStyle/>
           <a:p>
             <a:pPr algn="l"/>
             <a:r>
-              <a:rPr lang="es-ES" sz="1400" dirty="0">
+              <a:rPr lang="es-ES" sz="1700" dirty="0">
                 <a:solidFill>
                   <a:schemeClr val="bg1"/>
                 </a:solidFill>
@@ -4311,6 +4319,1218 @@
 </file>
 
 <file path=ppt/slides/slide10.xml><?xml version="1.0" encoding="utf-8"?>
+<p:sld xmlns:a="http://schemas.openxmlformats.org/drawingml/2006/main" xmlns:r="http://schemas.openxmlformats.org/officeDocument/2006/relationships" xmlns:p="http://schemas.openxmlformats.org/presentationml/2006/main">
+  <p:cSld>
+    <p:bg>
+      <p:bgPr>
+        <a:solidFill>
+          <a:schemeClr val="bg1"/>
+        </a:solidFill>
+        <a:effectLst/>
+      </p:bgPr>
+    </p:bg>
+    <p:spTree>
+      <p:nvGrpSpPr>
+        <p:cNvPr id="1" name=""/>
+        <p:cNvGrpSpPr/>
+        <p:nvPr/>
+      </p:nvGrpSpPr>
+      <p:grpSpPr>
+        <a:xfrm>
+          <a:off x="0" y="0"/>
+          <a:ext cx="0" cy="0"/>
+          <a:chOff x="0" y="0"/>
+          <a:chExt cx="0" cy="0"/>
+        </a:xfrm>
+      </p:grpSpPr>
+      <p:pic>
+        <p:nvPicPr>
+          <p:cNvPr id="5" name="Marcador de contenido 4" descr="Interfaz de usuario gráfica, Gráfico&#10;&#10;Descripción generada automáticamente">
+            <a:extLst>
+              <a:ext uri="{FF2B5EF4-FFF2-40B4-BE49-F238E27FC236}">
+                <a16:creationId xmlns:a16="http://schemas.microsoft.com/office/drawing/2014/main" id="{DC4EEB2B-B128-573D-55A1-C4158B5926F5}"/>
+              </a:ext>
+            </a:extLst>
+          </p:cNvPr>
+          <p:cNvPicPr>
+            <a:picLocks noGrp="1" noChangeAspect="1"/>
+          </p:cNvPicPr>
+          <p:nvPr>
+            <p:ph idx="1"/>
+          </p:nvPr>
+        </p:nvPicPr>
+        <p:blipFill>
+          <a:blip r:embed="rId2">
+            <a:extLst>
+              <a:ext uri="{28A0092B-C50C-407E-A947-70E740481C1C}">
+                <a14:useLocalDpi xmlns:a14="http://schemas.microsoft.com/office/drawing/2010/main" val="0"/>
+              </a:ext>
+            </a:extLst>
+          </a:blip>
+          <a:srcRect r="33690" b="1811"/>
+          <a:stretch/>
+        </p:blipFill>
+        <p:spPr>
+          <a:xfrm>
+            <a:off x="-6588" y="10"/>
+            <a:ext cx="8088954" cy="6790028"/>
+          </a:xfrm>
+          <a:prstGeom prst="rect">
+            <a:avLst/>
+          </a:prstGeom>
+        </p:spPr>
+      </p:pic>
+      <p:sp>
+        <p:nvSpPr>
+          <p:cNvPr id="6" name="CuadroTexto 5">
+            <a:extLst>
+              <a:ext uri="{FF2B5EF4-FFF2-40B4-BE49-F238E27FC236}">
+                <a16:creationId xmlns:a16="http://schemas.microsoft.com/office/drawing/2014/main" id="{BDB7F169-2977-D4C1-9C0B-AF74E4EA0460}"/>
+              </a:ext>
+            </a:extLst>
+          </p:cNvPr>
+          <p:cNvSpPr txBox="1"/>
+          <p:nvPr/>
+        </p:nvSpPr>
+        <p:spPr>
+          <a:xfrm>
+            <a:off x="8245098" y="550190"/>
+            <a:ext cx="3649851" cy="4801314"/>
+          </a:xfrm>
+          <a:prstGeom prst="rect">
+            <a:avLst/>
+          </a:prstGeom>
+          <a:noFill/>
+        </p:spPr>
+        <p:txBody>
+          <a:bodyPr wrap="square" rtlCol="0">
+            <a:spAutoFit/>
+          </a:bodyPr>
+          <a:lstStyle/>
+          <a:p>
+            <a:r>
+              <a:rPr lang="es-ES" b="1" dirty="0"/>
+              <a:t>Distribución de episodios : </a:t>
+            </a:r>
+          </a:p>
+          <a:p>
+            <a:endParaRPr lang="es-ES" b="1" dirty="0"/>
+          </a:p>
+          <a:p>
+            <a:r>
+              <a:rPr lang="es-ES" dirty="0"/>
+              <a:t>Los animes del tipo </a:t>
+            </a:r>
+            <a:r>
+              <a:rPr lang="es-ES" b="1" dirty="0"/>
+              <a:t>TV</a:t>
+            </a:r>
+            <a:r>
+              <a:rPr lang="es-ES" dirty="0"/>
+              <a:t> tienen mayor cantidad de episodios en promedio.</a:t>
+            </a:r>
+          </a:p>
+          <a:p>
+            <a:endParaRPr lang="es-ES" dirty="0"/>
+          </a:p>
+          <a:p>
+            <a:pPr>
+              <a:buFont typeface="Arial" panose="020B0604020202020204" pitchFamily="34" charset="0"/>
+              <a:buChar char="•"/>
+            </a:pPr>
+            <a:r>
+              <a:rPr lang="es-ES" b="1" dirty="0"/>
+              <a:t>Evolución histórica :</a:t>
+            </a:r>
+          </a:p>
+          <a:p>
+            <a:pPr>
+              <a:buFont typeface="Arial" panose="020B0604020202020204" pitchFamily="34" charset="0"/>
+              <a:buChar char="•"/>
+            </a:pPr>
+            <a:endParaRPr lang="es-ES" b="1" dirty="0"/>
+          </a:p>
+          <a:p>
+            <a:pPr>
+              <a:buFont typeface="Arial" panose="020B0604020202020204" pitchFamily="34" charset="0"/>
+              <a:buChar char="•"/>
+            </a:pPr>
+            <a:r>
+              <a:rPr lang="es-ES" dirty="0"/>
+              <a:t>Las </a:t>
+            </a:r>
+            <a:r>
+              <a:rPr lang="es-ES" b="1" dirty="0" err="1"/>
+              <a:t>Movies</a:t>
+            </a:r>
+            <a:r>
+              <a:rPr lang="es-ES" dirty="0"/>
+              <a:t> han sido populares desde los años 60.</a:t>
+            </a:r>
+          </a:p>
+          <a:p>
+            <a:pPr>
+              <a:buFont typeface="Arial" panose="020B0604020202020204" pitchFamily="34" charset="0"/>
+              <a:buChar char="•"/>
+            </a:pPr>
+            <a:r>
+              <a:rPr lang="es-ES" dirty="0"/>
+              <a:t>Incremento de </a:t>
+            </a:r>
+            <a:r>
+              <a:rPr lang="es-ES" b="1" dirty="0"/>
+              <a:t>OVA</a:t>
+            </a:r>
+            <a:r>
+              <a:rPr lang="es-ES" dirty="0"/>
+              <a:t> en los años 80.</a:t>
+            </a:r>
+          </a:p>
+          <a:p>
+            <a:pPr>
+              <a:buFont typeface="Arial" panose="020B0604020202020204" pitchFamily="34" charset="0"/>
+              <a:buChar char="•"/>
+            </a:pPr>
+            <a:r>
+              <a:rPr lang="es-ES" dirty="0"/>
+              <a:t>Crecimiento significativo de </a:t>
+            </a:r>
+            <a:r>
+              <a:rPr lang="es-ES" b="1" dirty="0"/>
+              <a:t>ONA</a:t>
+            </a:r>
+            <a:r>
+              <a:rPr lang="es-ES" dirty="0"/>
+              <a:t> a partir de 2020.</a:t>
+            </a:r>
+          </a:p>
+          <a:p>
+            <a:pPr>
+              <a:buFont typeface="Arial" panose="020B0604020202020204" pitchFamily="34" charset="0"/>
+              <a:buChar char="•"/>
+            </a:pPr>
+            <a:endParaRPr lang="es-ES" dirty="0"/>
+          </a:p>
+          <a:p>
+            <a:pPr>
+              <a:buFont typeface="Arial" panose="020B0604020202020204" pitchFamily="34" charset="0"/>
+              <a:buChar char="•"/>
+            </a:pPr>
+            <a:endParaRPr lang="es-ES" dirty="0"/>
+          </a:p>
+          <a:p>
+            <a:endParaRPr lang="es-ES" dirty="0"/>
+          </a:p>
+        </p:txBody>
+      </p:sp>
+    </p:spTree>
+    <p:extLst>
+      <p:ext uri="{BB962C8B-B14F-4D97-AF65-F5344CB8AC3E}">
+        <p14:creationId xmlns:p14="http://schemas.microsoft.com/office/powerpoint/2010/main" val="1161120949"/>
+      </p:ext>
+    </p:extLst>
+  </p:cSld>
+  <p:clrMapOvr>
+    <a:masterClrMapping/>
+  </p:clrMapOvr>
+</p:sld>
+</file>
+
+<file path=ppt/slides/slide11.xml><?xml version="1.0" encoding="utf-8"?>
+<p:sld xmlns:a="http://schemas.openxmlformats.org/drawingml/2006/main" xmlns:r="http://schemas.openxmlformats.org/officeDocument/2006/relationships" xmlns:p="http://schemas.openxmlformats.org/presentationml/2006/main">
+  <p:cSld>
+    <p:spTree>
+      <p:nvGrpSpPr>
+        <p:cNvPr id="1" name=""/>
+        <p:cNvGrpSpPr/>
+        <p:nvPr/>
+      </p:nvGrpSpPr>
+      <p:grpSpPr>
+        <a:xfrm>
+          <a:off x="0" y="0"/>
+          <a:ext cx="0" cy="0"/>
+          <a:chOff x="0" y="0"/>
+          <a:chExt cx="0" cy="0"/>
+        </a:xfrm>
+      </p:grpSpPr>
+      <p:sp>
+        <p:nvSpPr>
+          <p:cNvPr id="2" name="Título 1">
+            <a:extLst>
+              <a:ext uri="{FF2B5EF4-FFF2-40B4-BE49-F238E27FC236}">
+                <a16:creationId xmlns:a16="http://schemas.microsoft.com/office/drawing/2014/main" id="{658A8B55-EEB5-3040-050A-B8FB7C004719}"/>
+              </a:ext>
+            </a:extLst>
+          </p:cNvPr>
+          <p:cNvSpPr>
+            <a:spLocks noGrp="1"/>
+          </p:cNvSpPr>
+          <p:nvPr>
+            <p:ph type="title"/>
+          </p:nvPr>
+        </p:nvSpPr>
+        <p:spPr>
+          <a:xfrm>
+            <a:off x="1118286" y="365125"/>
+            <a:ext cx="10235514" cy="1325563"/>
+          </a:xfrm>
+        </p:spPr>
+        <p:txBody>
+          <a:bodyPr>
+            <a:normAutofit/>
+          </a:bodyPr>
+          <a:lstStyle/>
+          <a:p>
+            <a:pPr>
+              <a:lnSpc>
+                <a:spcPct val="100000"/>
+              </a:lnSpc>
+            </a:pPr>
+            <a:r>
+              <a:rPr lang="es-ES" sz="1600" dirty="0"/>
+              <a:t>Este contexto histórico es útil para interpretar los picos y valles en la producción de animes a lo largo </a:t>
+            </a:r>
+            <a:br>
+              <a:rPr lang="es-ES" sz="1600" dirty="0"/>
+            </a:br>
+            <a:r>
+              <a:rPr lang="es-ES" sz="1600" dirty="0"/>
+              <a:t>del tiempo, coincidiendo con la expansión del anime en mercados internacionales. </a:t>
+            </a:r>
+          </a:p>
+        </p:txBody>
+      </p:sp>
+      <p:pic>
+        <p:nvPicPr>
+          <p:cNvPr id="5" name="Marcador de contenido 4" descr="Imagen de la pantalla de un celular con letras&#10;&#10;Descripción generada automáticamente con confianza baja">
+            <a:extLst>
+              <a:ext uri="{FF2B5EF4-FFF2-40B4-BE49-F238E27FC236}">
+                <a16:creationId xmlns:a16="http://schemas.microsoft.com/office/drawing/2014/main" id="{7425AEED-39C6-9F0B-31A8-E7E849614CD0}"/>
+              </a:ext>
+            </a:extLst>
+          </p:cNvPr>
+          <p:cNvPicPr>
+            <a:picLocks noGrp="1" noChangeAspect="1"/>
+          </p:cNvPicPr>
+          <p:nvPr>
+            <p:ph idx="1"/>
+          </p:nvPr>
+        </p:nvPicPr>
+        <p:blipFill>
+          <a:blip r:embed="rId2">
+            <a:extLst>
+              <a:ext uri="{28A0092B-C50C-407E-A947-70E740481C1C}">
+                <a14:useLocalDpi xmlns:a14="http://schemas.microsoft.com/office/drawing/2010/main" val="0"/>
+              </a:ext>
+            </a:extLst>
+          </a:blip>
+          <a:stretch>
+            <a:fillRect/>
+          </a:stretch>
+        </p:blipFill>
+        <p:spPr>
+          <a:xfrm>
+            <a:off x="838200" y="1914027"/>
+            <a:ext cx="10515600" cy="4174534"/>
+          </a:xfrm>
+        </p:spPr>
+      </p:pic>
+    </p:spTree>
+    <p:extLst>
+      <p:ext uri="{BB962C8B-B14F-4D97-AF65-F5344CB8AC3E}">
+        <p14:creationId xmlns:p14="http://schemas.microsoft.com/office/powerpoint/2010/main" val="3840492153"/>
+      </p:ext>
+    </p:extLst>
+  </p:cSld>
+  <p:clrMapOvr>
+    <a:masterClrMapping/>
+  </p:clrMapOvr>
+</p:sld>
+</file>
+
+<file path=ppt/slides/slide12.xml><?xml version="1.0" encoding="utf-8"?>
+<p:sld xmlns:a="http://schemas.openxmlformats.org/drawingml/2006/main" xmlns:r="http://schemas.openxmlformats.org/officeDocument/2006/relationships" xmlns:p="http://schemas.openxmlformats.org/presentationml/2006/main">
+  <p:cSld>
+    <p:bg>
+      <p:bgPr>
+        <a:solidFill>
+          <a:schemeClr val="bg1"/>
+        </a:solidFill>
+        <a:effectLst/>
+      </p:bgPr>
+    </p:bg>
+    <p:spTree>
+      <p:nvGrpSpPr>
+        <p:cNvPr id="1" name=""/>
+        <p:cNvGrpSpPr/>
+        <p:nvPr/>
+      </p:nvGrpSpPr>
+      <p:grpSpPr>
+        <a:xfrm>
+          <a:off x="0" y="0"/>
+          <a:ext cx="0" cy="0"/>
+          <a:chOff x="0" y="0"/>
+          <a:chExt cx="0" cy="0"/>
+        </a:xfrm>
+      </p:grpSpPr>
+      <p:sp useBgFill="1">
+        <p:nvSpPr>
+          <p:cNvPr id="37" name="Rectangle 31">
+            <a:extLst>
+              <a:ext uri="{FF2B5EF4-FFF2-40B4-BE49-F238E27FC236}">
+                <a16:creationId xmlns:a16="http://schemas.microsoft.com/office/drawing/2014/main" id="{0D7B6173-1D58-48E2-83CF-37350F315F75}"/>
+              </a:ext>
+              <a:ext uri="{C183D7F6-B498-43B3-948B-1728B52AA6E4}">
+                <adec:decorative xmlns:adec="http://schemas.microsoft.com/office/drawing/2017/decorative" val="1"/>
+              </a:ext>
+            </a:extLst>
+          </p:cNvPr>
+          <p:cNvSpPr>
+            <a:spLocks noGrp="1" noRot="1" noChangeAspect="1" noMove="1" noResize="1" noEditPoints="1" noAdjustHandles="1" noChangeArrowheads="1" noChangeShapeType="1" noTextEdit="1"/>
+          </p:cNvSpPr>
+          <p:nvPr>
+            <p:extLst>
+              <p:ext uri="{386F3935-93C4-4BCD-93E2-E3B085C9AB24}">
+                <p16:designElem xmlns:p16="http://schemas.microsoft.com/office/powerpoint/2015/main" val="1"/>
+              </p:ext>
+            </p:extLst>
+          </p:nvPr>
+        </p:nvSpPr>
+        <p:spPr>
+          <a:xfrm>
+            <a:off x="0" y="-1"/>
+            <a:ext cx="12188952" cy="6858000"/>
+          </a:xfrm>
+          <a:prstGeom prst="rect">
+            <a:avLst/>
+          </a:prstGeom>
+          <a:ln>
+            <a:noFill/>
+          </a:ln>
+        </p:spPr>
+        <p:style>
+          <a:lnRef idx="2">
+            <a:schemeClr val="accent1">
+              <a:shade val="50000"/>
+            </a:schemeClr>
+          </a:lnRef>
+          <a:fillRef idx="1">
+            <a:schemeClr val="accent1"/>
+          </a:fillRef>
+          <a:effectRef idx="0">
+            <a:schemeClr val="accent1"/>
+          </a:effectRef>
+          <a:fontRef idx="minor">
+            <a:schemeClr val="lt1"/>
+          </a:fontRef>
+        </p:style>
+        <p:txBody>
+          <a:bodyPr rtlCol="0" anchor="ctr"/>
+          <a:lstStyle/>
+          <a:p>
+            <a:pPr algn="ctr"/>
+            <a:endParaRPr lang="en-US"/>
+          </a:p>
+        </p:txBody>
+      </p:sp>
+      <p:sp>
+        <p:nvSpPr>
+          <p:cNvPr id="39" name="Rectangle 33">
+            <a:extLst>
+              <a:ext uri="{FF2B5EF4-FFF2-40B4-BE49-F238E27FC236}">
+                <a16:creationId xmlns:a16="http://schemas.microsoft.com/office/drawing/2014/main" id="{2F36CA75-CFBF-4844-B719-8FE9EBADA9AF}"/>
+              </a:ext>
+              <a:ext uri="{C183D7F6-B498-43B3-948B-1728B52AA6E4}">
+                <adec:decorative xmlns:adec="http://schemas.microsoft.com/office/drawing/2017/decorative" val="1"/>
+              </a:ext>
+            </a:extLst>
+          </p:cNvPr>
+          <p:cNvSpPr>
+            <a:spLocks noGrp="1" noRot="1" noChangeAspect="1" noMove="1" noResize="1" noEditPoints="1" noAdjustHandles="1" noChangeArrowheads="1" noChangeShapeType="1" noTextEdit="1"/>
+          </p:cNvSpPr>
+          <p:nvPr>
+            <p:extLst>
+              <p:ext uri="{386F3935-93C4-4BCD-93E2-E3B085C9AB24}">
+                <p16:designElem xmlns:p16="http://schemas.microsoft.com/office/powerpoint/2015/main" val="1"/>
+              </p:ext>
+            </p:extLst>
+          </p:nvPr>
+        </p:nvSpPr>
+        <p:spPr>
+          <a:xfrm>
+            <a:off x="0" y="0"/>
+            <a:ext cx="12188952" cy="6858000"/>
+          </a:xfrm>
+          <a:prstGeom prst="rect">
+            <a:avLst/>
+          </a:prstGeom>
+          <a:solidFill>
+            <a:schemeClr val="bg2">
+              <a:alpha val="50000"/>
+            </a:schemeClr>
+          </a:solidFill>
+          <a:ln>
+            <a:noFill/>
+          </a:ln>
+        </p:spPr>
+        <p:style>
+          <a:lnRef idx="2">
+            <a:schemeClr val="accent1">
+              <a:shade val="50000"/>
+            </a:schemeClr>
+          </a:lnRef>
+          <a:fillRef idx="1">
+            <a:schemeClr val="accent1"/>
+          </a:fillRef>
+          <a:effectRef idx="0">
+            <a:schemeClr val="accent1"/>
+          </a:effectRef>
+          <a:fontRef idx="minor">
+            <a:schemeClr val="lt1"/>
+          </a:fontRef>
+        </p:style>
+        <p:txBody>
+          <a:bodyPr rtlCol="0" anchor="ctr"/>
+          <a:lstStyle/>
+          <a:p>
+            <a:pPr algn="ctr"/>
+            <a:endParaRPr lang="en-US" dirty="0"/>
+          </a:p>
+        </p:txBody>
+      </p:sp>
+      <p:sp>
+        <p:nvSpPr>
+          <p:cNvPr id="36" name="Rectangle 35">
+            <a:extLst>
+              <a:ext uri="{FF2B5EF4-FFF2-40B4-BE49-F238E27FC236}">
+                <a16:creationId xmlns:a16="http://schemas.microsoft.com/office/drawing/2014/main" id="{3D4A84B9-E564-4DD0-97F8-DBF1C460C28A}"/>
+              </a:ext>
+              <a:ext uri="{C183D7F6-B498-43B3-948B-1728B52AA6E4}">
+                <adec:decorative xmlns:adec="http://schemas.microsoft.com/office/drawing/2017/decorative" val="1"/>
+              </a:ext>
+            </a:extLst>
+          </p:cNvPr>
+          <p:cNvSpPr>
+            <a:spLocks noGrp="1" noRot="1" noChangeAspect="1" noMove="1" noResize="1" noEditPoints="1" noAdjustHandles="1" noChangeArrowheads="1" noChangeShapeType="1" noTextEdit="1"/>
+          </p:cNvSpPr>
+          <p:nvPr>
+            <p:extLst>
+              <p:ext uri="{386F3935-93C4-4BCD-93E2-E3B085C9AB24}">
+                <p16:designElem xmlns:p16="http://schemas.microsoft.com/office/powerpoint/2015/main" val="1"/>
+              </p:ext>
+            </p:extLst>
+          </p:nvPr>
+        </p:nvSpPr>
+        <p:spPr>
+          <a:xfrm>
+            <a:off x="0" y="0"/>
+            <a:ext cx="12188952" cy="6858000"/>
+          </a:xfrm>
+          <a:prstGeom prst="rect">
+            <a:avLst/>
+          </a:prstGeom>
+          <a:solidFill>
+            <a:srgbClr val="000000"/>
+          </a:solidFill>
+          <a:ln>
+            <a:noFill/>
+          </a:ln>
+        </p:spPr>
+        <p:style>
+          <a:lnRef idx="2">
+            <a:schemeClr val="accent1">
+              <a:shade val="50000"/>
+            </a:schemeClr>
+          </a:lnRef>
+          <a:fillRef idx="1">
+            <a:schemeClr val="accent1"/>
+          </a:fillRef>
+          <a:effectRef idx="0">
+            <a:schemeClr val="accent1"/>
+          </a:effectRef>
+          <a:fontRef idx="minor">
+            <a:schemeClr val="lt1"/>
+          </a:fontRef>
+        </p:style>
+        <p:txBody>
+          <a:bodyPr rtlCol="0" anchor="ctr"/>
+          <a:lstStyle/>
+          <a:p>
+            <a:pPr algn="ctr"/>
+            <a:endParaRPr lang="en-US"/>
+          </a:p>
+        </p:txBody>
+      </p:sp>
+      <p:pic>
+        <p:nvPicPr>
+          <p:cNvPr id="38" name="Picture 37">
+            <a:extLst>
+              <a:ext uri="{FF2B5EF4-FFF2-40B4-BE49-F238E27FC236}">
+                <a16:creationId xmlns:a16="http://schemas.microsoft.com/office/drawing/2014/main" id="{4A599609-F5C2-4A0B-A992-913F814A631A}"/>
+              </a:ext>
+              <a:ext uri="{C183D7F6-B498-43B3-948B-1728B52AA6E4}">
+                <adec:decorative xmlns:adec="http://schemas.microsoft.com/office/drawing/2017/decorative" val="1"/>
+              </a:ext>
+            </a:extLst>
+          </p:cNvPr>
+          <p:cNvPicPr>
+            <a:picLocks noGrp="1" noRot="1" noChangeAspect="1" noMove="1" noResize="1" noEditPoints="1" noAdjustHandles="1" noChangeArrowheads="1" noChangeShapeType="1" noCrop="1"/>
+          </p:cNvPicPr>
+          <p:nvPr>
+            <p:extLst>
+              <p:ext uri="{386F3935-93C4-4BCD-93E2-E3B085C9AB24}">
+                <p16:designElem xmlns:p16="http://schemas.microsoft.com/office/powerpoint/2015/main" val="1"/>
+              </p:ext>
+            </p:extLst>
+          </p:nvPr>
+        </p:nvPicPr>
+        <p:blipFill>
+          <a:blip r:embed="rId2">
+            <a:alphaModFix amt="40000"/>
+            <a:extLst>
+              <a:ext uri="{28A0092B-C50C-407E-A947-70E740481C1C}">
+                <a14:useLocalDpi xmlns:a14="http://schemas.microsoft.com/office/drawing/2010/main" val="0"/>
+              </a:ext>
+            </a:extLst>
+          </a:blip>
+          <a:stretch>
+            <a:fillRect/>
+          </a:stretch>
+        </p:blipFill>
+        <p:spPr>
+          <a:xfrm>
+            <a:off x="5414" y="0"/>
+            <a:ext cx="12181172" cy="6858000"/>
+          </a:xfrm>
+          <a:prstGeom prst="rect">
+            <a:avLst/>
+          </a:prstGeom>
+        </p:spPr>
+      </p:pic>
+      <p:sp>
+        <p:nvSpPr>
+          <p:cNvPr id="40" name="Rectangle 39">
+            <a:extLst>
+              <a:ext uri="{FF2B5EF4-FFF2-40B4-BE49-F238E27FC236}">
+                <a16:creationId xmlns:a16="http://schemas.microsoft.com/office/drawing/2014/main" id="{102382E0-0A09-46AE-B955-B911CAFE7F00}"/>
+              </a:ext>
+              <a:ext uri="{C183D7F6-B498-43B3-948B-1728B52AA6E4}">
+                <adec:decorative xmlns:adec="http://schemas.microsoft.com/office/drawing/2017/decorative" val="1"/>
+              </a:ext>
+            </a:extLst>
+          </p:cNvPr>
+          <p:cNvSpPr>
+            <a:spLocks noGrp="1" noRot="1" noChangeAspect="1" noMove="1" noResize="1" noEditPoints="1" noAdjustHandles="1" noChangeArrowheads="1" noChangeShapeType="1" noTextEdit="1"/>
+          </p:cNvSpPr>
+          <p:nvPr>
+            <p:extLst>
+              <p:ext uri="{386F3935-93C4-4BCD-93E2-E3B085C9AB24}">
+                <p16:designElem xmlns:p16="http://schemas.microsoft.com/office/powerpoint/2015/main" val="1"/>
+              </p:ext>
+            </p:extLst>
+          </p:nvPr>
+        </p:nvSpPr>
+        <p:spPr>
+          <a:xfrm>
+            <a:off x="0" y="0"/>
+            <a:ext cx="12188952" cy="6858000"/>
+          </a:xfrm>
+          <a:prstGeom prst="rect">
+            <a:avLst/>
+          </a:prstGeom>
+          <a:solidFill>
+            <a:schemeClr val="accent1">
+              <a:alpha val="20000"/>
+            </a:schemeClr>
+          </a:solidFill>
+          <a:ln>
+            <a:noFill/>
+          </a:ln>
+        </p:spPr>
+        <p:style>
+          <a:lnRef idx="2">
+            <a:schemeClr val="accent1">
+              <a:shade val="50000"/>
+            </a:schemeClr>
+          </a:lnRef>
+          <a:fillRef idx="1">
+            <a:schemeClr val="accent1"/>
+          </a:fillRef>
+          <a:effectRef idx="0">
+            <a:schemeClr val="accent1"/>
+          </a:effectRef>
+          <a:fontRef idx="minor">
+            <a:schemeClr val="lt1"/>
+          </a:fontRef>
+        </p:style>
+        <p:txBody>
+          <a:bodyPr rtlCol="0" anchor="ctr"/>
+          <a:lstStyle/>
+          <a:p>
+            <a:pPr algn="ctr"/>
+            <a:endParaRPr lang="en-US" dirty="0"/>
+          </a:p>
+        </p:txBody>
+      </p:sp>
+      <p:sp>
+        <p:nvSpPr>
+          <p:cNvPr id="42" name="Rectangle 41">
+            <a:extLst>
+              <a:ext uri="{FF2B5EF4-FFF2-40B4-BE49-F238E27FC236}">
+                <a16:creationId xmlns:a16="http://schemas.microsoft.com/office/drawing/2014/main" id="{7DE75D4A-0965-4973-BE75-DECCAC9A9614}"/>
+              </a:ext>
+              <a:ext uri="{C183D7F6-B498-43B3-948B-1728B52AA6E4}">
+                <adec:decorative xmlns:adec="http://schemas.microsoft.com/office/drawing/2017/decorative" val="1"/>
+              </a:ext>
+            </a:extLst>
+          </p:cNvPr>
+          <p:cNvSpPr>
+            <a:spLocks noGrp="1" noRot="1" noChangeAspect="1" noMove="1" noResize="1" noEditPoints="1" noAdjustHandles="1" noChangeArrowheads="1" noChangeShapeType="1" noTextEdit="1"/>
+          </p:cNvSpPr>
+          <p:nvPr>
+            <p:extLst>
+              <p:ext uri="{386F3935-93C4-4BCD-93E2-E3B085C9AB24}">
+                <p16:designElem xmlns:p16="http://schemas.microsoft.com/office/powerpoint/2015/main" val="1"/>
+              </p:ext>
+            </p:extLst>
+          </p:nvPr>
+        </p:nvSpPr>
+        <p:spPr bwMode="white">
+          <a:xfrm>
+            <a:off x="1524" y="0"/>
+            <a:ext cx="12188952" cy="6858000"/>
+          </a:xfrm>
+          <a:prstGeom prst="rect">
+            <a:avLst/>
+          </a:prstGeom>
+          <a:noFill/>
+          <a:ln>
+            <a:noFill/>
+          </a:ln>
+        </p:spPr>
+        <p:style>
+          <a:lnRef idx="2">
+            <a:schemeClr val="accent1">
+              <a:shade val="50000"/>
+            </a:schemeClr>
+          </a:lnRef>
+          <a:fillRef idx="1">
+            <a:schemeClr val="accent1"/>
+          </a:fillRef>
+          <a:effectRef idx="0">
+            <a:schemeClr val="accent1"/>
+          </a:effectRef>
+          <a:fontRef idx="minor">
+            <a:schemeClr val="lt1"/>
+          </a:fontRef>
+        </p:style>
+        <p:txBody>
+          <a:bodyPr rtlCol="0" anchor="ctr"/>
+          <a:lstStyle>
+            <a:defPPr>
+              <a:defRPr lang="en-US"/>
+            </a:defPPr>
+            <a:lvl1pPr marL="0" algn="l" defTabSz="914400" rtl="0" eaLnBrk="1" latinLnBrk="0" hangingPunct="1">
+              <a:defRPr sz="1800" kern="1200">
+                <a:solidFill>
+                  <a:schemeClr val="lt1"/>
+                </a:solidFill>
+                <a:latin typeface="+mn-lt"/>
+                <a:ea typeface="+mn-ea"/>
+                <a:cs typeface="+mn-cs"/>
+              </a:defRPr>
+            </a:lvl1pPr>
+            <a:lvl2pPr marL="457200" algn="l" defTabSz="914400" rtl="0" eaLnBrk="1" latinLnBrk="0" hangingPunct="1">
+              <a:defRPr sz="1800" kern="1200">
+                <a:solidFill>
+                  <a:schemeClr val="lt1"/>
+                </a:solidFill>
+                <a:latin typeface="+mn-lt"/>
+                <a:ea typeface="+mn-ea"/>
+                <a:cs typeface="+mn-cs"/>
+              </a:defRPr>
+            </a:lvl2pPr>
+            <a:lvl3pPr marL="914400" algn="l" defTabSz="914400" rtl="0" eaLnBrk="1" latinLnBrk="0" hangingPunct="1">
+              <a:defRPr sz="1800" kern="1200">
+                <a:solidFill>
+                  <a:schemeClr val="lt1"/>
+                </a:solidFill>
+                <a:latin typeface="+mn-lt"/>
+                <a:ea typeface="+mn-ea"/>
+                <a:cs typeface="+mn-cs"/>
+              </a:defRPr>
+            </a:lvl3pPr>
+            <a:lvl4pPr marL="1371600" algn="l" defTabSz="914400" rtl="0" eaLnBrk="1" latinLnBrk="0" hangingPunct="1">
+              <a:defRPr sz="1800" kern="1200">
+                <a:solidFill>
+                  <a:schemeClr val="lt1"/>
+                </a:solidFill>
+                <a:latin typeface="+mn-lt"/>
+                <a:ea typeface="+mn-ea"/>
+                <a:cs typeface="+mn-cs"/>
+              </a:defRPr>
+            </a:lvl4pPr>
+            <a:lvl5pPr marL="1828800" algn="l" defTabSz="914400" rtl="0" eaLnBrk="1" latinLnBrk="0" hangingPunct="1">
+              <a:defRPr sz="1800" kern="1200">
+                <a:solidFill>
+                  <a:schemeClr val="lt1"/>
+                </a:solidFill>
+                <a:latin typeface="+mn-lt"/>
+                <a:ea typeface="+mn-ea"/>
+                <a:cs typeface="+mn-cs"/>
+              </a:defRPr>
+            </a:lvl5pPr>
+            <a:lvl6pPr marL="2286000" algn="l" defTabSz="914400" rtl="0" eaLnBrk="1" latinLnBrk="0" hangingPunct="1">
+              <a:defRPr sz="1800" kern="1200">
+                <a:solidFill>
+                  <a:schemeClr val="lt1"/>
+                </a:solidFill>
+                <a:latin typeface="+mn-lt"/>
+                <a:ea typeface="+mn-ea"/>
+                <a:cs typeface="+mn-cs"/>
+              </a:defRPr>
+            </a:lvl6pPr>
+            <a:lvl7pPr marL="2743200" algn="l" defTabSz="914400" rtl="0" eaLnBrk="1" latinLnBrk="0" hangingPunct="1">
+              <a:defRPr sz="1800" kern="1200">
+                <a:solidFill>
+                  <a:schemeClr val="lt1"/>
+                </a:solidFill>
+                <a:latin typeface="+mn-lt"/>
+                <a:ea typeface="+mn-ea"/>
+                <a:cs typeface="+mn-cs"/>
+              </a:defRPr>
+            </a:lvl7pPr>
+            <a:lvl8pPr marL="3200400" algn="l" defTabSz="914400" rtl="0" eaLnBrk="1" latinLnBrk="0" hangingPunct="1">
+              <a:defRPr sz="1800" kern="1200">
+                <a:solidFill>
+                  <a:schemeClr val="lt1"/>
+                </a:solidFill>
+                <a:latin typeface="+mn-lt"/>
+                <a:ea typeface="+mn-ea"/>
+                <a:cs typeface="+mn-cs"/>
+              </a:defRPr>
+            </a:lvl8pPr>
+            <a:lvl9pPr marL="3657600" algn="l" defTabSz="914400" rtl="0" eaLnBrk="1" latinLnBrk="0" hangingPunct="1">
+              <a:defRPr sz="1800" kern="1200">
+                <a:solidFill>
+                  <a:schemeClr val="lt1"/>
+                </a:solidFill>
+                <a:latin typeface="+mn-lt"/>
+                <a:ea typeface="+mn-ea"/>
+                <a:cs typeface="+mn-cs"/>
+              </a:defRPr>
+            </a:lvl9pPr>
+          </a:lstStyle>
+          <a:p>
+            <a:pPr algn="ctr"/>
+            <a:endParaRPr lang="en-US"/>
+          </a:p>
+        </p:txBody>
+      </p:sp>
+      <p:pic>
+        <p:nvPicPr>
+          <p:cNvPr id="6" name="Imagen 5" descr="Forma, Cuadrado&#10;&#10;Descripción generada automáticamente">
+            <a:extLst>
+              <a:ext uri="{FF2B5EF4-FFF2-40B4-BE49-F238E27FC236}">
+                <a16:creationId xmlns:a16="http://schemas.microsoft.com/office/drawing/2014/main" id="{5A604D94-7901-A93C-F702-616567ED5D51}"/>
+              </a:ext>
+            </a:extLst>
+          </p:cNvPr>
+          <p:cNvPicPr>
+            <a:picLocks noChangeAspect="1"/>
+          </p:cNvPicPr>
+          <p:nvPr/>
+        </p:nvPicPr>
+        <p:blipFill>
+          <a:blip r:embed="rId3">
+            <a:alphaModFix amt="60000"/>
+            <a:extLst>
+              <a:ext uri="{28A0092B-C50C-407E-A947-70E740481C1C}">
+                <a14:useLocalDpi xmlns:a14="http://schemas.microsoft.com/office/drawing/2010/main" val="0"/>
+              </a:ext>
+            </a:extLst>
+          </a:blip>
+          <a:srcRect r="50000"/>
+          <a:stretch/>
+        </p:blipFill>
+        <p:spPr>
+          <a:xfrm>
+            <a:off x="20" y="10"/>
+            <a:ext cx="6095980" cy="6857990"/>
+          </a:xfrm>
+          <a:prstGeom prst="rect">
+            <a:avLst/>
+          </a:prstGeom>
+        </p:spPr>
+      </p:pic>
+      <p:pic>
+        <p:nvPicPr>
+          <p:cNvPr id="8" name="Imagen 7" descr="Interfaz de usuario gráfica&#10;&#10;Descripción generada automáticamente">
+            <a:extLst>
+              <a:ext uri="{FF2B5EF4-FFF2-40B4-BE49-F238E27FC236}">
+                <a16:creationId xmlns:a16="http://schemas.microsoft.com/office/drawing/2014/main" id="{A0EF4E03-1DFD-8238-2108-14AA6F3DFE72}"/>
+              </a:ext>
+            </a:extLst>
+          </p:cNvPr>
+          <p:cNvPicPr>
+            <a:picLocks noChangeAspect="1"/>
+          </p:cNvPicPr>
+          <p:nvPr/>
+        </p:nvPicPr>
+        <p:blipFill>
+          <a:blip r:embed="rId4">
+            <a:alphaModFix amt="60000"/>
+            <a:extLst>
+              <a:ext uri="{28A0092B-C50C-407E-A947-70E740481C1C}">
+                <a14:useLocalDpi xmlns:a14="http://schemas.microsoft.com/office/drawing/2010/main" val="0"/>
+              </a:ext>
+            </a:extLst>
+          </a:blip>
+          <a:srcRect l="39427" r="10573"/>
+          <a:stretch/>
+        </p:blipFill>
+        <p:spPr>
+          <a:xfrm>
+            <a:off x="6096000" y="10"/>
+            <a:ext cx="6096000" cy="6857990"/>
+          </a:xfrm>
+          <a:prstGeom prst="rect">
+            <a:avLst/>
+          </a:prstGeom>
+        </p:spPr>
+      </p:pic>
+      <p:sp>
+        <p:nvSpPr>
+          <p:cNvPr id="2" name="Título 1">
+            <a:extLst>
+              <a:ext uri="{FF2B5EF4-FFF2-40B4-BE49-F238E27FC236}">
+                <a16:creationId xmlns:a16="http://schemas.microsoft.com/office/drawing/2014/main" id="{50F9927C-AB51-1BE6-19F9-E892B62F2BC7}"/>
+              </a:ext>
+            </a:extLst>
+          </p:cNvPr>
+          <p:cNvSpPr>
+            <a:spLocks noGrp="1"/>
+          </p:cNvSpPr>
+          <p:nvPr>
+            <p:ph type="title"/>
+          </p:nvPr>
+        </p:nvSpPr>
+        <p:spPr>
+          <a:xfrm>
+            <a:off x="1191965" y="552807"/>
+            <a:ext cx="9801854" cy="2790331"/>
+          </a:xfrm>
+        </p:spPr>
+        <p:txBody>
+          <a:bodyPr anchor="b">
+            <a:normAutofit/>
+          </a:bodyPr>
+          <a:lstStyle/>
+          <a:p>
+            <a:pPr algn="ctr"/>
+            <a:r>
+              <a:rPr lang="es-ES" sz="4800">
+                <a:solidFill>
+                  <a:srgbClr val="FFFFFF"/>
+                </a:solidFill>
+              </a:rPr>
+              <a:t>Conclusiones principales</a:t>
+            </a:r>
+          </a:p>
+        </p:txBody>
+      </p:sp>
+      <p:sp>
+        <p:nvSpPr>
+          <p:cNvPr id="4" name="Rectangle 1">
+            <a:extLst>
+              <a:ext uri="{FF2B5EF4-FFF2-40B4-BE49-F238E27FC236}">
+                <a16:creationId xmlns:a16="http://schemas.microsoft.com/office/drawing/2014/main" id="{14C60FAE-7E3E-992A-6F82-4198ED0FB865}"/>
+              </a:ext>
+            </a:extLst>
+          </p:cNvPr>
+          <p:cNvSpPr>
+            <a:spLocks noGrp="1" noChangeArrowheads="1"/>
+          </p:cNvSpPr>
+          <p:nvPr>
+            <p:ph idx="1"/>
+          </p:nvPr>
+        </p:nvSpPr>
+        <p:spPr bwMode="auto">
+          <a:xfrm>
+            <a:off x="1191966" y="3510476"/>
+            <a:ext cx="9801854" cy="2614231"/>
+          </a:xfrm>
+          <a:prstGeom prst="rect">
+            <a:avLst/>
+          </a:prstGeom>
+          <a:extLst>
+            <a:ext uri="{909E8E84-426E-40DD-AFC4-6F175D3DCCD1}">
+              <a14:hiddenFill xmlns:a14="http://schemas.microsoft.com/office/drawing/2010/main">
+                <a:solidFill>
+                  <a:schemeClr val="accent1"/>
+                </a:solidFill>
+              </a14:hiddenFill>
+            </a:ext>
+            <a:ext uri="{91240B29-F687-4F45-9708-019B960494DF}">
+              <a14:hiddenLine xmlns:a14="http://schemas.microsoft.com/office/drawing/2010/main" w="9525">
+                <a:solidFill>
+                  <a:schemeClr val="tx1"/>
+                </a:solidFill>
+                <a:miter lim="800000"/>
+                <a:headEnd/>
+                <a:tailEnd/>
+              </a14:hiddenLine>
+            </a:ext>
+            <a:ext uri="{AF507438-7753-43E0-B8FC-AC1667EBCBE1}">
+              <a14:hiddenEffects xmlns:a14="http://schemas.microsoft.com/office/drawing/2010/main">
+                <a:effectLst>
+                  <a:outerShdw dist="35921" dir="2700000" algn="ctr" rotWithShape="0">
+                    <a:schemeClr val="bg2"/>
+                  </a:outerShdw>
+                </a:effectLst>
+              </a14:hiddenEffects>
+            </a:ext>
+          </a:extLst>
+        </p:spPr>
+        <p:txBody>
+          <a:bodyPr vert="horz" lIns="91440" tIns="45720" rIns="91440" bIns="45720" numCol="1" anchor="t" anchorCtr="0" compatLnSpc="1">
+            <a:prstTxWarp prst="textNoShape">
+              <a:avLst/>
+            </a:prstTxWarp>
+            <a:normAutofit/>
+          </a:bodyPr>
+          <a:lstStyle/>
+          <a:p>
+            <a:pPr marL="0" marR="0" lvl="0" indent="0" algn="ctr" defTabSz="914400" rtl="0" eaLnBrk="0" fontAlgn="base" latinLnBrk="0" hangingPunct="0">
+              <a:spcBef>
+                <a:spcPct val="0"/>
+              </a:spcBef>
+              <a:spcAft>
+                <a:spcPts val="600"/>
+              </a:spcAft>
+              <a:buClrTx/>
+              <a:buSzTx/>
+              <a:buFontTx/>
+              <a:buNone/>
+              <a:tabLst/>
+            </a:pPr>
+            <a:endParaRPr kumimoji="0" lang="es-ES" altLang="es-ES" sz="1800" b="0" i="0" u="none" strike="noStrike" cap="none" normalizeH="0" baseline="0">
+              <a:ln>
+                <a:noFill/>
+              </a:ln>
+              <a:solidFill>
+                <a:srgbClr val="FFFFFF"/>
+              </a:solidFill>
+              <a:effectLst/>
+              <a:latin typeface="+mj-lt"/>
+            </a:endParaRPr>
+          </a:p>
+          <a:p>
+            <a:pPr marL="0" marR="0" lvl="0" indent="0" algn="ctr" defTabSz="914400" rtl="0" eaLnBrk="0" fontAlgn="base" latinLnBrk="0" hangingPunct="0">
+              <a:spcBef>
+                <a:spcPct val="0"/>
+              </a:spcBef>
+              <a:spcAft>
+                <a:spcPts val="600"/>
+              </a:spcAft>
+              <a:buClrTx/>
+              <a:buSzTx/>
+              <a:buFontTx/>
+              <a:buChar char="•"/>
+              <a:tabLst/>
+            </a:pPr>
+            <a:r>
+              <a:rPr kumimoji="0" lang="es-ES" altLang="es-ES" sz="1800" b="0" i="0" u="none" strike="noStrike" cap="none" normalizeH="0" baseline="0">
+                <a:ln>
+                  <a:noFill/>
+                </a:ln>
+                <a:solidFill>
+                  <a:srgbClr val="FFFFFF"/>
+                </a:solidFill>
+                <a:effectLst/>
+                <a:latin typeface="+mj-lt"/>
+              </a:rPr>
+              <a:t>Los animes del tipo </a:t>
+            </a:r>
+            <a:r>
+              <a:rPr kumimoji="0" lang="es-ES" altLang="es-ES" sz="1800" b="1" i="0" u="none" strike="noStrike" cap="none" normalizeH="0" baseline="0">
+                <a:ln>
+                  <a:noFill/>
+                </a:ln>
+                <a:solidFill>
+                  <a:srgbClr val="FFFFFF"/>
+                </a:solidFill>
+                <a:effectLst/>
+                <a:latin typeface="+mj-lt"/>
+              </a:rPr>
+              <a:t>TV</a:t>
+            </a:r>
+            <a:r>
+              <a:rPr kumimoji="0" lang="es-ES" altLang="es-ES" sz="1800" b="0" i="0" u="none" strike="noStrike" cap="none" normalizeH="0" baseline="0">
+                <a:ln>
+                  <a:noFill/>
+                </a:ln>
+                <a:solidFill>
+                  <a:srgbClr val="FFFFFF"/>
+                </a:solidFill>
+                <a:effectLst/>
+                <a:latin typeface="+mj-lt"/>
+              </a:rPr>
+              <a:t> dominan en número de episodios, siendo el formato más visto.</a:t>
+            </a:r>
+          </a:p>
+          <a:p>
+            <a:pPr marL="0" marR="0" lvl="0" indent="0" algn="ctr" defTabSz="914400" rtl="0" eaLnBrk="0" fontAlgn="base" latinLnBrk="0" hangingPunct="0">
+              <a:spcBef>
+                <a:spcPct val="0"/>
+              </a:spcBef>
+              <a:spcAft>
+                <a:spcPts val="600"/>
+              </a:spcAft>
+              <a:buClrTx/>
+              <a:buSzTx/>
+              <a:buFontTx/>
+              <a:buChar char="•"/>
+              <a:tabLst/>
+            </a:pPr>
+            <a:r>
+              <a:rPr kumimoji="0" lang="es-ES" altLang="es-ES" sz="1800" b="0" i="0" u="none" strike="noStrike" cap="none" normalizeH="0" baseline="0">
+                <a:ln>
+                  <a:noFill/>
+                </a:ln>
+                <a:solidFill>
+                  <a:srgbClr val="FFFFFF"/>
+                </a:solidFill>
+                <a:effectLst/>
+                <a:latin typeface="+mj-lt"/>
+              </a:rPr>
+              <a:t>Las </a:t>
+            </a:r>
+            <a:r>
+              <a:rPr kumimoji="0" lang="es-ES" altLang="es-ES" sz="1800" b="1" i="0" u="none" strike="noStrike" cap="none" normalizeH="0" baseline="0">
+                <a:ln>
+                  <a:noFill/>
+                </a:ln>
+                <a:solidFill>
+                  <a:srgbClr val="FFFFFF"/>
+                </a:solidFill>
+                <a:effectLst/>
+                <a:latin typeface="+mj-lt"/>
+              </a:rPr>
+              <a:t>Movies</a:t>
+            </a:r>
+            <a:r>
+              <a:rPr kumimoji="0" lang="es-ES" altLang="es-ES" sz="1800" b="0" i="0" u="none" strike="noStrike" cap="none" normalizeH="0" baseline="0">
+                <a:ln>
+                  <a:noFill/>
+                </a:ln>
+                <a:solidFill>
+                  <a:srgbClr val="FFFFFF"/>
+                </a:solidFill>
+                <a:effectLst/>
+                <a:latin typeface="+mj-lt"/>
+              </a:rPr>
+              <a:t> son populares de manera consistente en todos los periodos analizados.</a:t>
+            </a:r>
+          </a:p>
+          <a:p>
+            <a:pPr marL="0" marR="0" lvl="0" indent="0" algn="ctr" defTabSz="914400" rtl="0" eaLnBrk="0" fontAlgn="base" latinLnBrk="0" hangingPunct="0">
+              <a:spcBef>
+                <a:spcPct val="0"/>
+              </a:spcBef>
+              <a:spcAft>
+                <a:spcPts val="600"/>
+              </a:spcAft>
+              <a:buClrTx/>
+              <a:buSzTx/>
+              <a:buFontTx/>
+              <a:buChar char="•"/>
+              <a:tabLst/>
+            </a:pPr>
+            <a:r>
+              <a:rPr kumimoji="0" lang="es-ES" altLang="es-ES" sz="1800" b="0" i="0" u="none" strike="noStrike" cap="none" normalizeH="0" baseline="0">
+                <a:ln>
+                  <a:noFill/>
+                </a:ln>
+                <a:solidFill>
+                  <a:srgbClr val="FFFFFF"/>
+                </a:solidFill>
+                <a:effectLst/>
+                <a:latin typeface="+mj-lt"/>
+              </a:rPr>
+              <a:t>La relación positiva entre rating y members sugiere que la calidad percibida por los usuarios impacta directamente en la popularidad.</a:t>
+            </a:r>
+          </a:p>
+          <a:p>
+            <a:pPr marL="0" marR="0" lvl="0" indent="0" algn="ctr" defTabSz="914400" rtl="0" eaLnBrk="0" fontAlgn="base" latinLnBrk="0" hangingPunct="0">
+              <a:spcBef>
+                <a:spcPct val="0"/>
+              </a:spcBef>
+              <a:spcAft>
+                <a:spcPts val="600"/>
+              </a:spcAft>
+              <a:buClrTx/>
+              <a:buSzTx/>
+              <a:buFontTx/>
+              <a:buChar char="•"/>
+              <a:tabLst/>
+            </a:pPr>
+            <a:r>
+              <a:rPr kumimoji="0" lang="es-ES" altLang="es-ES" sz="1800" b="0" i="0" u="none" strike="noStrike" cap="none" normalizeH="0" baseline="0">
+                <a:ln>
+                  <a:noFill/>
+                </a:ln>
+                <a:solidFill>
+                  <a:srgbClr val="FFFFFF"/>
+                </a:solidFill>
+                <a:effectLst/>
+                <a:latin typeface="+mj-lt"/>
+              </a:rPr>
+              <a:t>Los cambios en la industria han dado lugar a formatos más modernos como los </a:t>
+            </a:r>
+            <a:r>
+              <a:rPr kumimoji="0" lang="es-ES" altLang="es-ES" sz="1800" b="1" i="0" u="none" strike="noStrike" cap="none" normalizeH="0" baseline="0">
+                <a:ln>
+                  <a:noFill/>
+                </a:ln>
+                <a:solidFill>
+                  <a:srgbClr val="FFFFFF"/>
+                </a:solidFill>
+                <a:effectLst/>
+                <a:latin typeface="+mj-lt"/>
+              </a:rPr>
+              <a:t>ONA</a:t>
+            </a:r>
+            <a:r>
+              <a:rPr kumimoji="0" lang="es-ES" altLang="es-ES" sz="1800" b="0" i="0" u="none" strike="noStrike" cap="none" normalizeH="0" baseline="0">
+                <a:ln>
+                  <a:noFill/>
+                </a:ln>
+                <a:solidFill>
+                  <a:srgbClr val="FFFFFF"/>
+                </a:solidFill>
+                <a:effectLst/>
+                <a:latin typeface="+mj-lt"/>
+              </a:rPr>
+              <a:t>, que muestran un crecimiento significativo en la última década. </a:t>
+            </a:r>
+          </a:p>
+        </p:txBody>
+      </p:sp>
+    </p:spTree>
+    <p:extLst>
+      <p:ext uri="{BB962C8B-B14F-4D97-AF65-F5344CB8AC3E}">
+        <p14:creationId xmlns:p14="http://schemas.microsoft.com/office/powerpoint/2010/main" val="3127890402"/>
+      </p:ext>
+    </p:extLst>
+  </p:cSld>
+  <p:clrMapOvr>
+    <a:masterClrMapping/>
+  </p:clrMapOvr>
+</p:sld>
+</file>
+
+<file path=ppt/slides/slide13.xml><?xml version="1.0" encoding="utf-8"?>
 <p:sld xmlns:a="http://schemas.openxmlformats.org/drawingml/2006/main" xmlns:r="http://schemas.openxmlformats.org/officeDocument/2006/relationships" xmlns:p="http://schemas.openxmlformats.org/presentationml/2006/main">
   <p:cSld>
     <p:bg>
@@ -4834,7 +6054,7 @@
 </p:sld>
 </file>
 
-<file path=ppt/slides/slide11.xml><?xml version="1.0" encoding="utf-8"?>
+<file path=ppt/slides/slide14.xml><?xml version="1.0" encoding="utf-8"?>
 <p:sld xmlns:a="http://schemas.openxmlformats.org/drawingml/2006/main" xmlns:r="http://schemas.openxmlformats.org/officeDocument/2006/relationships" xmlns:p="http://schemas.openxmlformats.org/presentationml/2006/main">
   <p:cSld>
     <p:bg>
@@ -5340,7 +6560,7 @@
 </p:sld>
 </file>
 
-<file path=ppt/slides/slide12.xml><?xml version="1.0" encoding="utf-8"?>
+<file path=ppt/slides/slide15.xml><?xml version="1.0" encoding="utf-8"?>
 <p:sld xmlns:a="http://schemas.openxmlformats.org/drawingml/2006/main" xmlns:r="http://schemas.openxmlformats.org/officeDocument/2006/relationships" xmlns:p="http://schemas.openxmlformats.org/presentationml/2006/main">
   <p:cSld>
     <p:bg>
@@ -5755,6 +6975,742 @@
       </p:grpSpPr>
       <p:sp useBgFill="1">
         <p:nvSpPr>
+          <p:cNvPr id="25" name="Rectangle 15">
+            <a:extLst>
+              <a:ext uri="{FF2B5EF4-FFF2-40B4-BE49-F238E27FC236}">
+                <a16:creationId xmlns:a16="http://schemas.microsoft.com/office/drawing/2014/main" id="{7E734232-46A8-4884-9A59-B7E3BA4BC313}"/>
+              </a:ext>
+              <a:ext uri="{C183D7F6-B498-43B3-948B-1728B52AA6E4}">
+                <adec:decorative xmlns:adec="http://schemas.microsoft.com/office/drawing/2017/decorative" val="1"/>
+              </a:ext>
+            </a:extLst>
+          </p:cNvPr>
+          <p:cNvSpPr>
+            <a:spLocks noGrp="1" noRot="1" noChangeAspect="1" noMove="1" noResize="1" noEditPoints="1" noAdjustHandles="1" noChangeArrowheads="1" noChangeShapeType="1" noTextEdit="1"/>
+          </p:cNvSpPr>
+          <p:nvPr>
+            <p:extLst>
+              <p:ext uri="{386F3935-93C4-4BCD-93E2-E3B085C9AB24}">
+                <p16:designElem xmlns:p16="http://schemas.microsoft.com/office/powerpoint/2015/main" val="1"/>
+              </p:ext>
+            </p:extLst>
+          </p:nvPr>
+        </p:nvSpPr>
+        <p:spPr>
+          <a:xfrm>
+            <a:off x="0" y="0"/>
+            <a:ext cx="12192000" cy="6858000"/>
+          </a:xfrm>
+          <a:prstGeom prst="rect">
+            <a:avLst/>
+          </a:prstGeom>
+          <a:ln w="12700" cap="flat" cmpd="sng" algn="ctr">
+            <a:noFill/>
+            <a:prstDash val="solid"/>
+            <a:miter lim="800000"/>
+          </a:ln>
+          <a:effectLst/>
+          <a:extLst>
+            <a:ext uri="{91240B29-F687-4F45-9708-019B960494DF}">
+              <a14:hiddenLine xmlns:a14="http://schemas.microsoft.com/office/drawing/2010/main" w="12700" cap="flat" cmpd="sng" algn="ctr">
+                <a:solidFill>
+                  <a:schemeClr val="accent1">
+                    <a:shade val="50000"/>
+                  </a:schemeClr>
+                </a:solidFill>
+                <a:prstDash val="solid"/>
+                <a:miter lim="800000"/>
+              </a14:hiddenLine>
+            </a:ext>
+          </a:extLst>
+        </p:spPr>
+        <p:style>
+          <a:lnRef idx="2">
+            <a:schemeClr val="accent1">
+              <a:shade val="50000"/>
+            </a:schemeClr>
+          </a:lnRef>
+          <a:fillRef idx="1">
+            <a:schemeClr val="accent1"/>
+          </a:fillRef>
+          <a:effectRef idx="0">
+            <a:schemeClr val="accent1"/>
+          </a:effectRef>
+          <a:fontRef idx="minor">
+            <a:schemeClr val="lt1"/>
+          </a:fontRef>
+        </p:style>
+        <p:txBody>
+          <a:bodyPr rtlCol="0" anchor="ctr"/>
+          <a:lstStyle/>
+          <a:p>
+            <a:pPr algn="ctr"/>
+            <a:endParaRPr lang="en-US"/>
+          </a:p>
+        </p:txBody>
+      </p:sp>
+      <p:pic>
+        <p:nvPicPr>
+          <p:cNvPr id="5" name="Marcador de contenido 4" descr="Diagrama&#10;&#10;Descripción generada automáticamente">
+            <a:extLst>
+              <a:ext uri="{FF2B5EF4-FFF2-40B4-BE49-F238E27FC236}">
+                <a16:creationId xmlns:a16="http://schemas.microsoft.com/office/drawing/2014/main" id="{A59DF336-C300-F77C-7AEF-962403D2AF02}"/>
+              </a:ext>
+            </a:extLst>
+          </p:cNvPr>
+          <p:cNvPicPr>
+            <a:picLocks noGrp="1" noChangeAspect="1"/>
+          </p:cNvPicPr>
+          <p:nvPr>
+            <p:ph idx="1"/>
+          </p:nvPr>
+        </p:nvPicPr>
+        <p:blipFill>
+          <a:blip r:embed="rId2">
+            <a:extLst>
+              <a:ext uri="{28A0092B-C50C-407E-A947-70E740481C1C}">
+                <a14:useLocalDpi xmlns:a14="http://schemas.microsoft.com/office/drawing/2010/main" val="0"/>
+              </a:ext>
+            </a:extLst>
+          </a:blip>
+          <a:srcRect t="4304" r="3" b="3"/>
+          <a:stretch/>
+        </p:blipFill>
+        <p:spPr>
+          <a:xfrm>
+            <a:off x="7814" y="-23741"/>
+            <a:ext cx="4076700" cy="5271924"/>
+          </a:xfrm>
+          <a:prstGeom prst="rect">
+            <a:avLst/>
+          </a:prstGeom>
+        </p:spPr>
+      </p:pic>
+      <p:pic>
+        <p:nvPicPr>
+          <p:cNvPr id="7" name="Imagen 6" descr="Un dibujo de una persona&#10;&#10;Descripción generada automáticamente con confianza media">
+            <a:extLst>
+              <a:ext uri="{FF2B5EF4-FFF2-40B4-BE49-F238E27FC236}">
+                <a16:creationId xmlns:a16="http://schemas.microsoft.com/office/drawing/2014/main" id="{F1215562-873F-2C1E-FEF2-6F0501922A43}"/>
+              </a:ext>
+            </a:extLst>
+          </p:cNvPr>
+          <p:cNvPicPr>
+            <a:picLocks noChangeAspect="1"/>
+          </p:cNvPicPr>
+          <p:nvPr/>
+        </p:nvPicPr>
+        <p:blipFill>
+          <a:blip r:embed="rId3">
+            <a:extLst>
+              <a:ext uri="{28A0092B-C50C-407E-A947-70E740481C1C}">
+                <a14:useLocalDpi xmlns:a14="http://schemas.microsoft.com/office/drawing/2010/main" val="0"/>
+              </a:ext>
+            </a:extLst>
+          </a:blip>
+          <a:srcRect r="-3" b="11414"/>
+          <a:stretch/>
+        </p:blipFill>
+        <p:spPr>
+          <a:xfrm>
+            <a:off x="4065464" y="-33731"/>
+            <a:ext cx="4076700" cy="5271924"/>
+          </a:xfrm>
+          <a:prstGeom prst="rect">
+            <a:avLst/>
+          </a:prstGeom>
+        </p:spPr>
+      </p:pic>
+      <p:sp>
+        <p:nvSpPr>
+          <p:cNvPr id="27" name="Rectangle 17">
+            <a:extLst>
+              <a:ext uri="{FF2B5EF4-FFF2-40B4-BE49-F238E27FC236}">
+                <a16:creationId xmlns:a16="http://schemas.microsoft.com/office/drawing/2014/main" id="{D346B8D2-3218-41A5-B817-9ABFB108C6DA}"/>
+              </a:ext>
+              <a:ext uri="{C183D7F6-B498-43B3-948B-1728B52AA6E4}">
+                <adec:decorative xmlns:adec="http://schemas.microsoft.com/office/drawing/2017/decorative" val="1"/>
+              </a:ext>
+            </a:extLst>
+          </p:cNvPr>
+          <p:cNvSpPr>
+            <a:spLocks noGrp="1" noRot="1" noChangeAspect="1" noMove="1" noResize="1" noEditPoints="1" noAdjustHandles="1" noChangeArrowheads="1" noChangeShapeType="1" noTextEdit="1"/>
+          </p:cNvSpPr>
+          <p:nvPr>
+            <p:extLst>
+              <p:ext uri="{386F3935-93C4-4BCD-93E2-E3B085C9AB24}">
+                <p16:designElem xmlns:p16="http://schemas.microsoft.com/office/powerpoint/2015/main" val="1"/>
+              </p:ext>
+            </p:extLst>
+          </p:nvPr>
+        </p:nvSpPr>
+        <p:spPr>
+          <a:xfrm flipH="1">
+            <a:off x="2" y="5260724"/>
+            <a:ext cx="12191998" cy="1595775"/>
+          </a:xfrm>
+          <a:prstGeom prst="rect">
+            <a:avLst/>
+          </a:prstGeom>
+          <a:gradFill>
+            <a:gsLst>
+              <a:gs pos="34000">
+                <a:srgbClr val="000000">
+                  <a:alpha val="96000"/>
+                </a:srgbClr>
+              </a:gs>
+              <a:gs pos="100000">
+                <a:schemeClr val="accent1"/>
+              </a:gs>
+            </a:gsLst>
+            <a:lin ang="8400000" scaled="0"/>
+          </a:gradFill>
+          <a:ln>
+            <a:noFill/>
+          </a:ln>
+        </p:spPr>
+        <p:style>
+          <a:lnRef idx="2">
+            <a:schemeClr val="accent1">
+              <a:shade val="50000"/>
+            </a:schemeClr>
+          </a:lnRef>
+          <a:fillRef idx="1">
+            <a:schemeClr val="accent1"/>
+          </a:fillRef>
+          <a:effectRef idx="0">
+            <a:schemeClr val="accent1"/>
+          </a:effectRef>
+          <a:fontRef idx="minor">
+            <a:schemeClr val="lt1"/>
+          </a:fontRef>
+        </p:style>
+        <p:txBody>
+          <a:bodyPr rtlCol="0" anchor="ctr"/>
+          <a:lstStyle/>
+          <a:p>
+            <a:pPr algn="ctr"/>
+            <a:endParaRPr lang="en-US"/>
+          </a:p>
+        </p:txBody>
+      </p:sp>
+      <p:sp>
+        <p:nvSpPr>
+          <p:cNvPr id="29" name="Rectangle 19">
+            <a:extLst>
+              <a:ext uri="{FF2B5EF4-FFF2-40B4-BE49-F238E27FC236}">
+                <a16:creationId xmlns:a16="http://schemas.microsoft.com/office/drawing/2014/main" id="{51E014CA-4279-4E70-AC56-0BBEBF92C298}"/>
+              </a:ext>
+              <a:ext uri="{C183D7F6-B498-43B3-948B-1728B52AA6E4}">
+                <adec:decorative xmlns:adec="http://schemas.microsoft.com/office/drawing/2017/decorative" val="1"/>
+              </a:ext>
+            </a:extLst>
+          </p:cNvPr>
+          <p:cNvSpPr>
+            <a:spLocks noGrp="1" noRot="1" noChangeAspect="1" noMove="1" noResize="1" noEditPoints="1" noAdjustHandles="1" noChangeArrowheads="1" noChangeShapeType="1" noTextEdit="1"/>
+          </p:cNvSpPr>
+          <p:nvPr>
+            <p:extLst>
+              <p:ext uri="{386F3935-93C4-4BCD-93E2-E3B085C9AB24}">
+                <p16:designElem xmlns:p16="http://schemas.microsoft.com/office/powerpoint/2015/main" val="1"/>
+              </p:ext>
+            </p:extLst>
+          </p:nvPr>
+        </p:nvSpPr>
+        <p:spPr>
+          <a:xfrm flipH="1">
+            <a:off x="-1" y="5262225"/>
+            <a:ext cx="8115300" cy="1594275"/>
+          </a:xfrm>
+          <a:prstGeom prst="rect">
+            <a:avLst/>
+          </a:prstGeom>
+          <a:gradFill>
+            <a:gsLst>
+              <a:gs pos="28000">
+                <a:schemeClr val="accent1">
+                  <a:lumMod val="75000"/>
+                  <a:alpha val="59000"/>
+                </a:schemeClr>
+              </a:gs>
+              <a:gs pos="100000">
+                <a:srgbClr val="000000">
+                  <a:alpha val="70000"/>
+                </a:srgbClr>
+              </a:gs>
+            </a:gsLst>
+            <a:lin ang="11400000" scaled="0"/>
+          </a:gradFill>
+          <a:ln>
+            <a:noFill/>
+          </a:ln>
+        </p:spPr>
+        <p:style>
+          <a:lnRef idx="2">
+            <a:schemeClr val="accent1">
+              <a:shade val="50000"/>
+            </a:schemeClr>
+          </a:lnRef>
+          <a:fillRef idx="1">
+            <a:schemeClr val="accent1"/>
+          </a:fillRef>
+          <a:effectRef idx="0">
+            <a:schemeClr val="accent1"/>
+          </a:effectRef>
+          <a:fontRef idx="minor">
+            <a:schemeClr val="lt1"/>
+          </a:fontRef>
+        </p:style>
+        <p:txBody>
+          <a:bodyPr rtlCol="0" anchor="ctr"/>
+          <a:lstStyle/>
+          <a:p>
+            <a:pPr algn="ctr"/>
+            <a:endParaRPr lang="en-US"/>
+          </a:p>
+        </p:txBody>
+      </p:sp>
+      <p:sp>
+        <p:nvSpPr>
+          <p:cNvPr id="30" name="Rectangle 21">
+            <a:extLst>
+              <a:ext uri="{FF2B5EF4-FFF2-40B4-BE49-F238E27FC236}">
+                <a16:creationId xmlns:a16="http://schemas.microsoft.com/office/drawing/2014/main" id="{28B3DCF8-9D1E-4907-B1EC-98D11BC16F55}"/>
+              </a:ext>
+              <a:ext uri="{C183D7F6-B498-43B3-948B-1728B52AA6E4}">
+                <adec:decorative xmlns:adec="http://schemas.microsoft.com/office/drawing/2017/decorative" val="1"/>
+              </a:ext>
+            </a:extLst>
+          </p:cNvPr>
+          <p:cNvSpPr>
+            <a:spLocks noGrp="1" noRot="1" noChangeAspect="1" noMove="1" noResize="1" noEditPoints="1" noAdjustHandles="1" noChangeArrowheads="1" noChangeShapeType="1" noTextEdit="1"/>
+          </p:cNvSpPr>
+          <p:nvPr>
+            <p:extLst>
+              <p:ext uri="{386F3935-93C4-4BCD-93E2-E3B085C9AB24}">
+                <p16:designElem xmlns:p16="http://schemas.microsoft.com/office/powerpoint/2015/main" val="1"/>
+              </p:ext>
+            </p:extLst>
+          </p:nvPr>
+        </p:nvSpPr>
+        <p:spPr>
+          <a:xfrm flipH="1">
+            <a:off x="-4636" y="5262226"/>
+            <a:ext cx="12196636" cy="1594274"/>
+          </a:xfrm>
+          <a:prstGeom prst="rect">
+            <a:avLst/>
+          </a:prstGeom>
+          <a:gradFill>
+            <a:gsLst>
+              <a:gs pos="0">
+                <a:srgbClr val="000000">
+                  <a:alpha val="71765"/>
+                </a:srgbClr>
+              </a:gs>
+              <a:gs pos="100000">
+                <a:schemeClr val="accent1">
+                  <a:alpha val="24000"/>
+                </a:schemeClr>
+              </a:gs>
+            </a:gsLst>
+            <a:lin ang="15600000" scaled="0"/>
+          </a:gradFill>
+          <a:ln>
+            <a:noFill/>
+          </a:ln>
+        </p:spPr>
+        <p:style>
+          <a:lnRef idx="2">
+            <a:schemeClr val="accent1">
+              <a:shade val="50000"/>
+            </a:schemeClr>
+          </a:lnRef>
+          <a:fillRef idx="1">
+            <a:schemeClr val="accent1"/>
+          </a:fillRef>
+          <a:effectRef idx="0">
+            <a:schemeClr val="accent1"/>
+          </a:effectRef>
+          <a:fontRef idx="minor">
+            <a:schemeClr val="lt1"/>
+          </a:fontRef>
+        </p:style>
+        <p:txBody>
+          <a:bodyPr rtlCol="0" anchor="ctr"/>
+          <a:lstStyle/>
+          <a:p>
+            <a:pPr algn="ctr"/>
+            <a:endParaRPr lang="en-US"/>
+          </a:p>
+        </p:txBody>
+      </p:sp>
+      <p:sp>
+        <p:nvSpPr>
+          <p:cNvPr id="24" name="Rectangle 23">
+            <a:extLst>
+              <a:ext uri="{FF2B5EF4-FFF2-40B4-BE49-F238E27FC236}">
+                <a16:creationId xmlns:a16="http://schemas.microsoft.com/office/drawing/2014/main" id="{88D6B9EF-FF47-487C-8B82-F9F2B9A54AD6}"/>
+              </a:ext>
+              <a:ext uri="{C183D7F6-B498-43B3-948B-1728B52AA6E4}">
+                <adec:decorative xmlns:adec="http://schemas.microsoft.com/office/drawing/2017/decorative" val="1"/>
+              </a:ext>
+            </a:extLst>
+          </p:cNvPr>
+          <p:cNvSpPr>
+            <a:spLocks noGrp="1" noRot="1" noChangeAspect="1" noMove="1" noResize="1" noEditPoints="1" noAdjustHandles="1" noChangeArrowheads="1" noChangeShapeType="1" noTextEdit="1"/>
+          </p:cNvSpPr>
+          <p:nvPr>
+            <p:extLst>
+              <p:ext uri="{386F3935-93C4-4BCD-93E2-E3B085C9AB24}">
+                <p16:designElem xmlns:p16="http://schemas.microsoft.com/office/powerpoint/2015/main" val="1"/>
+              </p:ext>
+            </p:extLst>
+          </p:nvPr>
+        </p:nvSpPr>
+        <p:spPr>
+          <a:xfrm flipH="1">
+            <a:off x="8115296" y="5262224"/>
+            <a:ext cx="4076697" cy="1594275"/>
+          </a:xfrm>
+          <a:prstGeom prst="rect">
+            <a:avLst/>
+          </a:prstGeom>
+          <a:gradFill>
+            <a:gsLst>
+              <a:gs pos="19000">
+                <a:srgbClr val="000000">
+                  <a:alpha val="62000"/>
+                </a:srgbClr>
+              </a:gs>
+              <a:gs pos="100000">
+                <a:schemeClr val="accent1">
+                  <a:lumMod val="75000"/>
+                  <a:alpha val="44000"/>
+                </a:schemeClr>
+              </a:gs>
+            </a:gsLst>
+            <a:lin ang="19200000" scaled="0"/>
+          </a:gradFill>
+          <a:ln>
+            <a:noFill/>
+          </a:ln>
+        </p:spPr>
+        <p:style>
+          <a:lnRef idx="2">
+            <a:schemeClr val="accent1">
+              <a:shade val="50000"/>
+            </a:schemeClr>
+          </a:lnRef>
+          <a:fillRef idx="1">
+            <a:schemeClr val="accent1"/>
+          </a:fillRef>
+          <a:effectRef idx="0">
+            <a:schemeClr val="accent1"/>
+          </a:effectRef>
+          <a:fontRef idx="minor">
+            <a:schemeClr val="lt1"/>
+          </a:fontRef>
+        </p:style>
+        <p:txBody>
+          <a:bodyPr rtlCol="0" anchor="ctr"/>
+          <a:lstStyle/>
+          <a:p>
+            <a:pPr algn="ctr"/>
+            <a:endParaRPr lang="en-US"/>
+          </a:p>
+        </p:txBody>
+      </p:sp>
+      <p:sp>
+        <p:nvSpPr>
+          <p:cNvPr id="26" name="Rectangle 25">
+            <a:extLst>
+              <a:ext uri="{FF2B5EF4-FFF2-40B4-BE49-F238E27FC236}">
+                <a16:creationId xmlns:a16="http://schemas.microsoft.com/office/drawing/2014/main" id="{5717D090-7948-433A-AED2-EA1A98E6F0B3}"/>
+              </a:ext>
+              <a:ext uri="{C183D7F6-B498-43B3-948B-1728B52AA6E4}">
+                <adec:decorative xmlns:adec="http://schemas.microsoft.com/office/drawing/2017/decorative" val="1"/>
+              </a:ext>
+            </a:extLst>
+          </p:cNvPr>
+          <p:cNvSpPr>
+            <a:spLocks noGrp="1" noRot="1" noChangeAspect="1" noMove="1" noResize="1" noEditPoints="1" noAdjustHandles="1" noChangeArrowheads="1" noChangeShapeType="1" noTextEdit="1"/>
+          </p:cNvSpPr>
+          <p:nvPr>
+            <p:extLst>
+              <p:ext uri="{386F3935-93C4-4BCD-93E2-E3B085C9AB24}">
+                <p16:designElem xmlns:p16="http://schemas.microsoft.com/office/powerpoint/2015/main" val="1"/>
+              </p:ext>
+            </p:extLst>
+          </p:nvPr>
+        </p:nvSpPr>
+        <p:spPr>
+          <a:xfrm rot="16200000">
+            <a:off x="5291050" y="-40689"/>
+            <a:ext cx="1594274" cy="12192000"/>
+          </a:xfrm>
+          <a:prstGeom prst="rect">
+            <a:avLst/>
+          </a:prstGeom>
+          <a:gradFill>
+            <a:gsLst>
+              <a:gs pos="16000">
+                <a:schemeClr val="accent1">
+                  <a:alpha val="0"/>
+                </a:schemeClr>
+              </a:gs>
+              <a:gs pos="99000">
+                <a:srgbClr val="000000">
+                  <a:alpha val="70000"/>
+                </a:srgbClr>
+              </a:gs>
+            </a:gsLst>
+            <a:lin ang="10200000" scaled="0"/>
+          </a:gradFill>
+          <a:ln>
+            <a:noFill/>
+          </a:ln>
+        </p:spPr>
+        <p:style>
+          <a:lnRef idx="2">
+            <a:schemeClr val="accent1">
+              <a:shade val="50000"/>
+            </a:schemeClr>
+          </a:lnRef>
+          <a:fillRef idx="1">
+            <a:schemeClr val="accent1"/>
+          </a:fillRef>
+          <a:effectRef idx="0">
+            <a:schemeClr val="accent1"/>
+          </a:effectRef>
+          <a:fontRef idx="minor">
+            <a:schemeClr val="lt1"/>
+          </a:fontRef>
+        </p:style>
+        <p:txBody>
+          <a:bodyPr rtlCol="0" anchor="ctr"/>
+          <a:lstStyle/>
+          <a:p>
+            <a:pPr algn="ctr"/>
+            <a:endParaRPr lang="en-US" dirty="0"/>
+          </a:p>
+        </p:txBody>
+      </p:sp>
+      <p:sp>
+        <p:nvSpPr>
+          <p:cNvPr id="28" name="Rectangle 27">
+            <a:extLst>
+              <a:ext uri="{FF2B5EF4-FFF2-40B4-BE49-F238E27FC236}">
+                <a16:creationId xmlns:a16="http://schemas.microsoft.com/office/drawing/2014/main" id="{D618C3E8-8260-4E23-8BA1-C2C3E80BEF9F}"/>
+              </a:ext>
+              <a:ext uri="{C183D7F6-B498-43B3-948B-1728B52AA6E4}">
+                <adec:decorative xmlns:adec="http://schemas.microsoft.com/office/drawing/2017/decorative" val="1"/>
+              </a:ext>
+            </a:extLst>
+          </p:cNvPr>
+          <p:cNvSpPr>
+            <a:spLocks noGrp="1" noRot="1" noChangeAspect="1" noMove="1" noResize="1" noEditPoints="1" noAdjustHandles="1" noChangeArrowheads="1" noChangeShapeType="1" noTextEdit="1"/>
+          </p:cNvSpPr>
+          <p:nvPr>
+            <p:extLst>
+              <p:ext uri="{386F3935-93C4-4BCD-93E2-E3B085C9AB24}">
+                <p16:designElem xmlns:p16="http://schemas.microsoft.com/office/powerpoint/2015/main" val="1"/>
+              </p:ext>
+            </p:extLst>
+          </p:nvPr>
+        </p:nvSpPr>
+        <p:spPr>
+          <a:xfrm flipH="1">
+            <a:off x="-264" y="5282206"/>
+            <a:ext cx="12192264" cy="1153314"/>
+          </a:xfrm>
+          <a:prstGeom prst="rect">
+            <a:avLst/>
+          </a:prstGeom>
+          <a:gradFill>
+            <a:gsLst>
+              <a:gs pos="28000">
+                <a:schemeClr val="accent1">
+                  <a:lumMod val="75000"/>
+                  <a:alpha val="11000"/>
+                </a:schemeClr>
+              </a:gs>
+              <a:gs pos="100000">
+                <a:schemeClr val="accent1">
+                  <a:alpha val="26000"/>
+                </a:schemeClr>
+              </a:gs>
+            </a:gsLst>
+            <a:lin ang="12600000" scaled="0"/>
+          </a:gradFill>
+          <a:ln>
+            <a:noFill/>
+          </a:ln>
+        </p:spPr>
+        <p:style>
+          <a:lnRef idx="2">
+            <a:schemeClr val="accent1">
+              <a:shade val="50000"/>
+            </a:schemeClr>
+          </a:lnRef>
+          <a:fillRef idx="1">
+            <a:schemeClr val="accent1"/>
+          </a:fillRef>
+          <a:effectRef idx="0">
+            <a:schemeClr val="accent1"/>
+          </a:effectRef>
+          <a:fontRef idx="minor">
+            <a:schemeClr val="lt1"/>
+          </a:fontRef>
+        </p:style>
+        <p:txBody>
+          <a:bodyPr rtlCol="0" anchor="ctr"/>
+          <a:lstStyle/>
+          <a:p>
+            <a:pPr algn="ctr"/>
+            <a:endParaRPr lang="en-US" dirty="0"/>
+          </a:p>
+        </p:txBody>
+      </p:sp>
+      <p:sp>
+        <p:nvSpPr>
+          <p:cNvPr id="2" name="Título 1">
+            <a:extLst>
+              <a:ext uri="{FF2B5EF4-FFF2-40B4-BE49-F238E27FC236}">
+                <a16:creationId xmlns:a16="http://schemas.microsoft.com/office/drawing/2014/main" id="{96B82B3F-09F6-2E9C-F6F4-7A91F5FFA2C0}"/>
+              </a:ext>
+            </a:extLst>
+          </p:cNvPr>
+          <p:cNvSpPr>
+            <a:spLocks noGrp="1"/>
+          </p:cNvSpPr>
+          <p:nvPr>
+            <p:ph type="title"/>
+          </p:nvPr>
+        </p:nvSpPr>
+        <p:spPr>
+          <a:xfrm>
+            <a:off x="7814" y="5595015"/>
+            <a:ext cx="11980126" cy="920590"/>
+          </a:xfrm>
+        </p:spPr>
+        <p:txBody>
+          <a:bodyPr vert="horz" lIns="91440" tIns="45720" rIns="91440" bIns="45720" rtlCol="0" anchor="ctr">
+            <a:normAutofit/>
+          </a:bodyPr>
+          <a:lstStyle/>
+          <a:p>
+            <a:r>
+              <a:rPr lang="en-US" sz="4000" kern="1200" dirty="0">
+                <a:solidFill>
+                  <a:srgbClr val="FFFFFF"/>
+                </a:solidFill>
+                <a:latin typeface="+mj-lt"/>
+                <a:ea typeface="+mj-ea"/>
+                <a:cs typeface="+mj-cs"/>
+              </a:rPr>
+              <a:t>	 </a:t>
+            </a:r>
+            <a:r>
+              <a:rPr lang="en-US" sz="4000" kern="1200" dirty="0" err="1">
+                <a:solidFill>
+                  <a:srgbClr val="FFFFFF"/>
+                </a:solidFill>
+                <a:latin typeface="+mj-lt"/>
+                <a:ea typeface="+mj-ea"/>
+                <a:cs typeface="+mj-cs"/>
+              </a:rPr>
+              <a:t>Novela</a:t>
+            </a:r>
+            <a:r>
+              <a:rPr lang="en-US" sz="4000" kern="1200" dirty="0">
+                <a:solidFill>
+                  <a:srgbClr val="FFFFFF"/>
+                </a:solidFill>
+                <a:latin typeface="+mj-lt"/>
+                <a:ea typeface="+mj-ea"/>
+                <a:cs typeface="+mj-cs"/>
+              </a:rPr>
+              <a:t> 			       Manga		             Anime</a:t>
+            </a:r>
+          </a:p>
+        </p:txBody>
+      </p:sp>
+      <p:pic>
+        <p:nvPicPr>
+          <p:cNvPr id="13" name="Imagen 12" descr="Una caricatura de una persona&#10;&#10;Descripción generada automáticamente con confianza baja">
+            <a:extLst>
+              <a:ext uri="{FF2B5EF4-FFF2-40B4-BE49-F238E27FC236}">
+                <a16:creationId xmlns:a16="http://schemas.microsoft.com/office/drawing/2014/main" id="{AF577972-0611-9121-8328-483FED98218E}"/>
+              </a:ext>
+            </a:extLst>
+          </p:cNvPr>
+          <p:cNvPicPr>
+            <a:picLocks noChangeAspect="1"/>
+          </p:cNvPicPr>
+          <p:nvPr/>
+        </p:nvPicPr>
+        <p:blipFill>
+          <a:blip r:embed="rId4">
+            <a:extLst>
+              <a:ext uri="{28A0092B-C50C-407E-A947-70E740481C1C}">
+                <a14:useLocalDpi xmlns:a14="http://schemas.microsoft.com/office/drawing/2010/main" val="0"/>
+              </a:ext>
+            </a:extLst>
+          </a:blip>
+          <a:srcRect l="22419" r="13593" b="6175"/>
+          <a:stretch/>
+        </p:blipFill>
+        <p:spPr>
+          <a:xfrm>
+            <a:off x="8142164" y="0"/>
+            <a:ext cx="4030785" cy="5256673"/>
+          </a:xfrm>
+          <a:prstGeom prst="rect">
+            <a:avLst/>
+          </a:prstGeom>
+        </p:spPr>
+      </p:pic>
+    </p:spTree>
+    <p:extLst>
+      <p:ext uri="{BB962C8B-B14F-4D97-AF65-F5344CB8AC3E}">
+        <p14:creationId xmlns:p14="http://schemas.microsoft.com/office/powerpoint/2010/main" val="1297452406"/>
+      </p:ext>
+    </p:extLst>
+  </p:cSld>
+  <p:clrMapOvr>
+    <a:masterClrMapping/>
+  </p:clrMapOvr>
+</p:sld>
+</file>
+
+<file path=ppt/slides/slide3.xml><?xml version="1.0" encoding="utf-8"?>
+<p:sld xmlns:a="http://schemas.openxmlformats.org/drawingml/2006/main" xmlns:r="http://schemas.openxmlformats.org/officeDocument/2006/relationships" xmlns:p="http://schemas.openxmlformats.org/presentationml/2006/main">
+  <p:cSld>
+    <p:bg>
+      <p:bgPr>
+        <a:solidFill>
+          <a:schemeClr val="bg1"/>
+        </a:solidFill>
+        <a:effectLst/>
+      </p:bgPr>
+    </p:bg>
+    <p:spTree>
+      <p:nvGrpSpPr>
+        <p:cNvPr id="1" name=""/>
+        <p:cNvGrpSpPr/>
+        <p:nvPr/>
+      </p:nvGrpSpPr>
+      <p:grpSpPr>
+        <a:xfrm>
+          <a:off x="0" y="0"/>
+          <a:ext cx="0" cy="0"/>
+          <a:chOff x="0" y="0"/>
+          <a:chExt cx="0" cy="0"/>
+        </a:xfrm>
+      </p:grpSpPr>
+      <p:sp useBgFill="1">
+        <p:nvSpPr>
           <p:cNvPr id="12" name="Rectangle 9">
             <a:extLst>
               <a:ext uri="{FF2B5EF4-FFF2-40B4-BE49-F238E27FC236}">
@@ -5842,10 +7798,9 @@
           <a:lstStyle/>
           <a:p>
             <a:r>
-              <a:rPr lang="es-ES"/>
-              <a:t>Introducción: Objetivo del análisis</a:t>
-            </a:r>
-            <a:endParaRPr lang="es-ES" dirty="0"/>
+              <a:rPr lang="es-ES" dirty="0"/>
+              <a:t> Objetivo del análisis</a:t>
+            </a:r>
           </a:p>
         </p:txBody>
       </p:sp>
@@ -6435,7 +8390,7 @@
 </p:sld>
 </file>
 
-<file path=ppt/slides/slide3.xml><?xml version="1.0" encoding="utf-8"?>
+<file path=ppt/slides/slide4.xml><?xml version="1.0" encoding="utf-8"?>
 <p:sld xmlns:a="http://schemas.openxmlformats.org/drawingml/2006/main" xmlns:r="http://schemas.openxmlformats.org/officeDocument/2006/relationships" xmlns:p="http://schemas.openxmlformats.org/presentationml/2006/main">
   <p:cSld>
     <p:bg>
@@ -6712,7 +8667,7 @@
             </a:pPr>
             <a:r>
               <a:rPr lang="es-ES" sz="1800" b="1" dirty="0"/>
-              <a:t>Contenido : Herramientas:</a:t>
+              <a:t>Herramientas:</a:t>
             </a:r>
             <a:endParaRPr lang="es-ES" sz="1800" dirty="0"/>
           </a:p>
@@ -6751,7 +8706,7 @@
               <a:rPr lang="es-ES" sz="1800" b="1" dirty="0"/>
               <a:t>Procesos realizados:</a:t>
             </a:r>
-            <a:endParaRPr lang="es-ES" sz="1800" dirty="0"/>
+            <a:endParaRPr lang="es-ES" sz="1400" dirty="0"/>
           </a:p>
           <a:p>
             <a:pPr marL="742950" lvl="1" indent="-285750">
@@ -6774,6 +8729,13 @@
             </a:r>
           </a:p>
           <a:p>
+            <a:pPr marL="742950" lvl="1" indent="-285750"/>
+            <a:r>
+              <a:rPr lang="es-ES" sz="1800" dirty="0"/>
+              <a:t>Análisis de correlaciones: Identificación de relaciones clave entre variables.</a:t>
+            </a:r>
+          </a:p>
+          <a:p>
             <a:pPr marL="742950" lvl="1" indent="-285750">
               <a:buFont typeface="Arial" panose="020B0604020202020204" pitchFamily="34" charset="0"/>
               <a:buChar char="•"/>
@@ -6781,16 +8743,6 @@
             <a:r>
               <a:rPr lang="es-ES" sz="1800" dirty="0"/>
               <a:t>Visualización de tendencias: Uso de gráficos.</a:t>
-            </a:r>
-          </a:p>
-          <a:p>
-            <a:pPr marL="742950" lvl="1" indent="-285750">
-              <a:buFont typeface="Arial" panose="020B0604020202020204" pitchFamily="34" charset="0"/>
-              <a:buChar char="•"/>
-            </a:pPr>
-            <a:r>
-              <a:rPr lang="es-ES" sz="1800" dirty="0"/>
-              <a:t>Análisis de correlaciones: Identificación de relaciones clave entre variables.</a:t>
             </a:r>
           </a:p>
           <a:p>
@@ -6811,7 +8763,7 @@
 </p:sld>
 </file>
 
-<file path=ppt/slides/slide4.xml><?xml version="1.0" encoding="utf-8"?>
+<file path=ppt/slides/slide5.xml><?xml version="1.0" encoding="utf-8"?>
 <p:sld xmlns:a="http://schemas.openxmlformats.org/drawingml/2006/main" xmlns:r="http://schemas.openxmlformats.org/officeDocument/2006/relationships" xmlns:p="http://schemas.openxmlformats.org/presentationml/2006/main">
   <p:cSld>
     <p:bg>
@@ -7372,7 +9324,7 @@
             <a:prstTxWarp prst="textNoShape">
               <a:avLst/>
             </a:prstTxWarp>
-            <a:normAutofit lnSpcReduction="10000"/>
+            <a:normAutofit/>
           </a:bodyPr>
           <a:lstStyle/>
           <a:p>
@@ -7423,6 +9375,316 @@
             </a:r>
           </a:p>
           <a:p>
+            <a:pPr marL="457200" marR="0" lvl="1" indent="0" defTabSz="914400" rtl="0" eaLnBrk="0" fontAlgn="base" latinLnBrk="0" hangingPunct="0">
+              <a:spcBef>
+                <a:spcPct val="0"/>
+              </a:spcBef>
+              <a:spcAft>
+                <a:spcPts val="600"/>
+              </a:spcAft>
+              <a:buClrTx/>
+              <a:buSzTx/>
+              <a:buNone/>
+              <a:tabLst/>
+            </a:pPr>
+            <a:endParaRPr kumimoji="0" lang="es-ES" altLang="es-ES" sz="1400" b="0" i="0" u="none" strike="noStrike" cap="none" normalizeH="0" baseline="0" dirty="0">
+              <a:ln>
+                <a:noFill/>
+              </a:ln>
+              <a:effectLst/>
+              <a:latin typeface="+mj-lt"/>
+            </a:endParaRPr>
+          </a:p>
+          <a:p>
+            <a:pPr marL="457200" marR="0" lvl="1" indent="0" defTabSz="914400" rtl="0" eaLnBrk="0" fontAlgn="base" latinLnBrk="0" hangingPunct="0">
+              <a:spcBef>
+                <a:spcPct val="0"/>
+              </a:spcBef>
+              <a:spcAft>
+                <a:spcPts val="600"/>
+              </a:spcAft>
+              <a:buClrTx/>
+              <a:buSzTx/>
+              <a:buFontTx/>
+              <a:buChar char="•"/>
+              <a:tabLst/>
+            </a:pPr>
+            <a:r>
+              <a:rPr kumimoji="0" lang="es-ES" altLang="es-ES" sz="1400" b="0" i="0" u="none" strike="noStrike" cap="none" normalizeH="0" baseline="0" dirty="0">
+                <a:ln>
+                  <a:noFill/>
+                </a:ln>
+                <a:effectLst/>
+                <a:latin typeface="+mj-lt"/>
+              </a:rPr>
+              <a:t>Score/</a:t>
+            </a:r>
+            <a:r>
+              <a:rPr lang="es-ES" altLang="es-ES" sz="1400" dirty="0">
+                <a:latin typeface="+mj-lt"/>
+              </a:rPr>
+              <a:t> r</a:t>
+            </a:r>
+            <a:r>
+              <a:rPr kumimoji="0" lang="es-ES" altLang="es-ES" sz="1400" b="0" i="0" u="none" strike="noStrike" cap="none" normalizeH="0" baseline="0" dirty="0">
+                <a:ln>
+                  <a:noFill/>
+                </a:ln>
+                <a:effectLst/>
+                <a:latin typeface="+mj-lt"/>
+              </a:rPr>
+              <a:t>ating : Puntuación promedio de los usuarios.</a:t>
+            </a:r>
+          </a:p>
+          <a:p>
+            <a:pPr marL="457200" marR="0" lvl="1" indent="0" defTabSz="914400" rtl="0" eaLnBrk="0" fontAlgn="base" latinLnBrk="0" hangingPunct="0">
+              <a:spcBef>
+                <a:spcPct val="0"/>
+              </a:spcBef>
+              <a:spcAft>
+                <a:spcPts val="600"/>
+              </a:spcAft>
+              <a:buClrTx/>
+              <a:buSzTx/>
+              <a:buFontTx/>
+              <a:buChar char="•"/>
+              <a:tabLst/>
+            </a:pPr>
+            <a:r>
+              <a:rPr kumimoji="0" lang="es-ES" altLang="es-ES" sz="1400" b="0" i="0" u="none" strike="noStrike" cap="none" normalizeH="0" baseline="0" dirty="0" err="1">
+                <a:ln>
+                  <a:noFill/>
+                </a:ln>
+                <a:effectLst/>
+                <a:latin typeface="+mj-lt"/>
+              </a:rPr>
+              <a:t>Episodes</a:t>
+            </a:r>
+            <a:r>
+              <a:rPr kumimoji="0" lang="es-ES" altLang="es-ES" sz="1400" b="0" i="0" u="none" strike="noStrike" cap="none" normalizeH="0" baseline="0" dirty="0">
+                <a:ln>
+                  <a:noFill/>
+                </a:ln>
+                <a:effectLst/>
+                <a:latin typeface="+mj-lt"/>
+              </a:rPr>
+              <a:t> : Número de episodios.</a:t>
+            </a:r>
+          </a:p>
+          <a:p>
+            <a:pPr marL="457200" marR="0" lvl="1" indent="0" defTabSz="914400" rtl="0" eaLnBrk="0" fontAlgn="base" latinLnBrk="0" hangingPunct="0">
+              <a:spcBef>
+                <a:spcPct val="0"/>
+              </a:spcBef>
+              <a:spcAft>
+                <a:spcPts val="600"/>
+              </a:spcAft>
+              <a:buClrTx/>
+              <a:buSzTx/>
+              <a:buFontTx/>
+              <a:buChar char="•"/>
+              <a:tabLst/>
+            </a:pPr>
+            <a:r>
+              <a:rPr kumimoji="0" lang="es-ES" altLang="es-ES" sz="1400" b="0" i="0" u="none" strike="noStrike" cap="none" normalizeH="0" baseline="0" dirty="0" err="1">
+                <a:ln>
+                  <a:noFill/>
+                </a:ln>
+                <a:effectLst/>
+                <a:latin typeface="+mj-lt"/>
+              </a:rPr>
+              <a:t>Type</a:t>
+            </a:r>
+            <a:r>
+              <a:rPr kumimoji="0" lang="es-ES" altLang="es-ES" sz="1400" b="0" i="0" u="none" strike="noStrike" cap="none" normalizeH="0" baseline="0" dirty="0">
+                <a:ln>
+                  <a:noFill/>
+                </a:ln>
+                <a:effectLst/>
+                <a:latin typeface="+mj-lt"/>
+              </a:rPr>
+              <a:t> : Formato del anime (TV, </a:t>
+            </a:r>
+            <a:r>
+              <a:rPr kumimoji="0" lang="es-ES" altLang="es-ES" sz="1400" b="0" i="0" u="none" strike="noStrike" cap="none" normalizeH="0" baseline="0" dirty="0" err="1">
+                <a:ln>
+                  <a:noFill/>
+                </a:ln>
+                <a:effectLst/>
+                <a:latin typeface="+mj-lt"/>
+              </a:rPr>
+              <a:t>Movie</a:t>
+            </a:r>
+            <a:r>
+              <a:rPr kumimoji="0" lang="es-ES" altLang="es-ES" sz="1400" b="0" i="0" u="none" strike="noStrike" cap="none" normalizeH="0" baseline="0" dirty="0">
+                <a:ln>
+                  <a:noFill/>
+                </a:ln>
+                <a:effectLst/>
+                <a:latin typeface="+mj-lt"/>
+              </a:rPr>
+              <a:t>, OVA, etc.).</a:t>
+            </a:r>
+          </a:p>
+          <a:p>
+            <a:pPr marL="457200" marR="0" lvl="1" indent="0" defTabSz="914400" rtl="0" eaLnBrk="0" fontAlgn="base" latinLnBrk="0" hangingPunct="0">
+              <a:spcBef>
+                <a:spcPct val="0"/>
+              </a:spcBef>
+              <a:spcAft>
+                <a:spcPts val="600"/>
+              </a:spcAft>
+              <a:buClrTx/>
+              <a:buSzTx/>
+              <a:buFontTx/>
+              <a:buChar char="•"/>
+              <a:tabLst/>
+            </a:pPr>
+            <a:r>
+              <a:rPr lang="es-ES" altLang="es-ES" sz="1400" dirty="0" err="1">
+                <a:latin typeface="+mj-lt"/>
+              </a:rPr>
+              <a:t>M</a:t>
+            </a:r>
+            <a:r>
+              <a:rPr kumimoji="0" lang="es-ES" altLang="es-ES" sz="1400" b="0" i="0" u="none" strike="noStrike" cap="none" normalizeH="0" baseline="0" dirty="0" err="1">
+                <a:ln>
+                  <a:noFill/>
+                </a:ln>
+                <a:effectLst/>
+                <a:latin typeface="+mj-lt"/>
+              </a:rPr>
+              <a:t>embers</a:t>
+            </a:r>
+            <a:r>
+              <a:rPr kumimoji="0" lang="es-ES" altLang="es-ES" sz="1400" b="0" i="0" u="none" strike="noStrike" cap="none" normalizeH="0" baseline="0" dirty="0">
+                <a:ln>
+                  <a:noFill/>
+                </a:ln>
+                <a:effectLst/>
+                <a:latin typeface="+mj-lt"/>
+              </a:rPr>
+              <a:t>/</a:t>
+            </a:r>
+            <a:r>
+              <a:rPr kumimoji="0" lang="es-ES" altLang="es-ES" sz="1400" b="0" i="0" u="none" strike="noStrike" cap="none" normalizeH="0" baseline="0" dirty="0" err="1">
+                <a:ln>
+                  <a:noFill/>
+                </a:ln>
+                <a:effectLst/>
+                <a:latin typeface="+mj-lt"/>
+              </a:rPr>
+              <a:t>members</a:t>
+            </a:r>
+            <a:r>
+              <a:rPr kumimoji="0" lang="es-ES" altLang="es-ES" sz="1400" b="0" i="0" u="none" strike="noStrike" cap="none" normalizeH="0" baseline="0" dirty="0">
+                <a:ln>
+                  <a:noFill/>
+                </a:ln>
+                <a:effectLst/>
+                <a:latin typeface="+mj-lt"/>
+              </a:rPr>
+              <a:t> : Cantidad de miembros en la base de datos de </a:t>
+            </a:r>
+            <a:r>
+              <a:rPr kumimoji="0" lang="es-ES" altLang="es-ES" sz="1400" b="0" i="0" u="none" strike="noStrike" cap="none" normalizeH="0" baseline="0" dirty="0" err="1">
+                <a:ln>
+                  <a:noFill/>
+                </a:ln>
+                <a:effectLst/>
+                <a:latin typeface="+mj-lt"/>
+              </a:rPr>
+              <a:t>MyAnimeList</a:t>
+            </a:r>
+            <a:r>
+              <a:rPr kumimoji="0" lang="es-ES" altLang="es-ES" sz="1400" b="0" i="0" u="none" strike="noStrike" cap="none" normalizeH="0" baseline="0" dirty="0">
+                <a:ln>
+                  <a:noFill/>
+                </a:ln>
+                <a:effectLst/>
+                <a:latin typeface="+mj-lt"/>
+              </a:rPr>
+              <a:t>.</a:t>
+            </a:r>
+          </a:p>
+          <a:p>
+            <a:pPr marL="457200" marR="0" lvl="1" indent="0" defTabSz="914400" rtl="0" eaLnBrk="0" fontAlgn="base" latinLnBrk="0" hangingPunct="0">
+              <a:spcBef>
+                <a:spcPct val="0"/>
+              </a:spcBef>
+              <a:spcAft>
+                <a:spcPts val="600"/>
+              </a:spcAft>
+              <a:buClrTx/>
+              <a:buSzTx/>
+              <a:buFontTx/>
+              <a:buChar char="•"/>
+              <a:tabLst/>
+            </a:pPr>
+            <a:endParaRPr kumimoji="0" lang="es-ES" altLang="es-ES" sz="1400" b="0" i="0" u="none" strike="noStrike" cap="none" normalizeH="0" baseline="0" dirty="0">
+              <a:ln>
+                <a:noFill/>
+              </a:ln>
+              <a:effectLst/>
+              <a:latin typeface="+mj-lt"/>
+            </a:endParaRPr>
+          </a:p>
+          <a:p>
+            <a:pPr marL="0" marR="0" lvl="0" indent="0" defTabSz="914400" rtl="0" eaLnBrk="0" fontAlgn="base" latinLnBrk="0" hangingPunct="0">
+              <a:spcBef>
+                <a:spcPct val="0"/>
+              </a:spcBef>
+              <a:spcAft>
+                <a:spcPts val="600"/>
+              </a:spcAft>
+              <a:buClrTx/>
+              <a:buSzTx/>
+              <a:buFontTx/>
+              <a:buChar char="•"/>
+              <a:tabLst/>
+            </a:pPr>
+            <a:r>
+              <a:rPr kumimoji="0" lang="es-ES" altLang="es-ES" sz="1400" b="1" i="0" u="none" strike="noStrike" cap="none" normalizeH="0" baseline="0" dirty="0">
+                <a:ln>
+                  <a:noFill/>
+                </a:ln>
+                <a:effectLst/>
+                <a:latin typeface="+mj-lt"/>
+              </a:rPr>
+              <a:t>Tamaño del </a:t>
+            </a:r>
+            <a:r>
+              <a:rPr kumimoji="0" lang="es-ES" altLang="es-ES" sz="1400" b="1" i="0" u="none" strike="noStrike" cap="none" normalizeH="0" baseline="0" dirty="0" err="1">
+                <a:ln>
+                  <a:noFill/>
+                </a:ln>
+                <a:effectLst/>
+                <a:latin typeface="+mj-lt"/>
+              </a:rPr>
+              <a:t>dataset</a:t>
+            </a:r>
+            <a:r>
+              <a:rPr kumimoji="0" lang="es-ES" altLang="es-ES" sz="1400" b="1" i="0" u="none" strike="noStrike" cap="none" normalizeH="0" baseline="0" dirty="0">
+                <a:ln>
+                  <a:noFill/>
+                </a:ln>
+                <a:effectLst/>
+                <a:latin typeface="+mj-lt"/>
+              </a:rPr>
+              <a:t>:</a:t>
+            </a:r>
+            <a:r>
+              <a:rPr kumimoji="0" lang="es-ES" altLang="es-ES" sz="1400" b="0" i="0" u="none" strike="noStrike" cap="none" normalizeH="0" baseline="0" dirty="0">
+                <a:ln>
+                  <a:noFill/>
+                </a:ln>
+                <a:effectLst/>
+                <a:latin typeface="+mj-lt"/>
+              </a:rPr>
+              <a:t> Más de 8000 registros.</a:t>
+            </a:r>
+          </a:p>
+          <a:p>
             <a:pPr marL="0" marR="0" lvl="0" indent="0" defTabSz="914400" rtl="0" eaLnBrk="0" fontAlgn="base" latinLnBrk="0" hangingPunct="0">
               <a:spcBef>
                 <a:spcPct val="0"/>
@@ -7445,312 +9707,6 @@
             </a:endParaRPr>
           </a:p>
           <a:p>
-            <a:pPr marL="457200" marR="0" lvl="1" indent="0" defTabSz="914400" rtl="0" eaLnBrk="0" fontAlgn="base" latinLnBrk="0" hangingPunct="0">
-              <a:spcBef>
-                <a:spcPct val="0"/>
-              </a:spcBef>
-              <a:spcAft>
-                <a:spcPts val="600"/>
-              </a:spcAft>
-              <a:buClrTx/>
-              <a:buSzTx/>
-              <a:buFontTx/>
-              <a:buChar char="•"/>
-              <a:tabLst/>
-            </a:pPr>
-            <a:r>
-              <a:rPr lang="es-ES" altLang="es-ES" sz="1400" dirty="0">
-                <a:latin typeface="+mj-lt"/>
-              </a:rPr>
-              <a:t>r</a:t>
-            </a:r>
-            <a:r>
-              <a:rPr kumimoji="0" lang="es-ES" altLang="es-ES" sz="1400" b="0" i="0" u="none" strike="noStrike" cap="none" normalizeH="0" baseline="0" dirty="0">
-                <a:ln>
-                  <a:noFill/>
-                </a:ln>
-                <a:effectLst/>
-                <a:latin typeface="+mj-lt"/>
-              </a:rPr>
-              <a:t>ating : Clasificación de audiencia.</a:t>
-            </a:r>
-          </a:p>
-          <a:p>
-            <a:pPr marL="457200" marR="0" lvl="1" indent="0" defTabSz="914400" rtl="0" eaLnBrk="0" fontAlgn="base" latinLnBrk="0" hangingPunct="0">
-              <a:spcBef>
-                <a:spcPct val="0"/>
-              </a:spcBef>
-              <a:spcAft>
-                <a:spcPts val="600"/>
-              </a:spcAft>
-              <a:buClrTx/>
-              <a:buSzTx/>
-              <a:buFontTx/>
-              <a:buChar char="•"/>
-              <a:tabLst/>
-            </a:pPr>
-            <a:r>
-              <a:rPr kumimoji="0" lang="es-ES" altLang="es-ES" sz="1400" b="0" i="0" u="none" strike="noStrike" cap="none" normalizeH="0" baseline="0" dirty="0">
-                <a:ln>
-                  <a:noFill/>
-                </a:ln>
-                <a:effectLst/>
-                <a:latin typeface="+mj-lt"/>
-              </a:rPr>
-              <a:t>Score : Puntuación promedio de los usuarios.</a:t>
-            </a:r>
-          </a:p>
-          <a:p>
-            <a:pPr marL="457200" marR="0" lvl="1" indent="0" defTabSz="914400" rtl="0" eaLnBrk="0" fontAlgn="base" latinLnBrk="0" hangingPunct="0">
-              <a:spcBef>
-                <a:spcPct val="0"/>
-              </a:spcBef>
-              <a:spcAft>
-                <a:spcPts val="600"/>
-              </a:spcAft>
-              <a:buClrTx/>
-              <a:buSzTx/>
-              <a:buFontTx/>
-              <a:buChar char="•"/>
-              <a:tabLst/>
-            </a:pPr>
-            <a:r>
-              <a:rPr kumimoji="0" lang="es-ES" altLang="es-ES" sz="1400" b="0" i="0" u="none" strike="noStrike" cap="none" normalizeH="0" baseline="0" dirty="0" err="1">
-                <a:ln>
-                  <a:noFill/>
-                </a:ln>
-                <a:effectLst/>
-                <a:latin typeface="+mj-lt"/>
-              </a:rPr>
-              <a:t>Episodes</a:t>
-            </a:r>
-            <a:r>
-              <a:rPr kumimoji="0" lang="es-ES" altLang="es-ES" sz="1400" b="0" i="0" u="none" strike="noStrike" cap="none" normalizeH="0" baseline="0" dirty="0">
-                <a:ln>
-                  <a:noFill/>
-                </a:ln>
-                <a:effectLst/>
-                <a:latin typeface="+mj-lt"/>
-              </a:rPr>
-              <a:t> : Número de episodios.</a:t>
-            </a:r>
-          </a:p>
-          <a:p>
-            <a:pPr marL="457200" marR="0" lvl="1" indent="0" defTabSz="914400" rtl="0" eaLnBrk="0" fontAlgn="base" latinLnBrk="0" hangingPunct="0">
-              <a:spcBef>
-                <a:spcPct val="0"/>
-              </a:spcBef>
-              <a:spcAft>
-                <a:spcPts val="600"/>
-              </a:spcAft>
-              <a:buClrTx/>
-              <a:buSzTx/>
-              <a:buFontTx/>
-              <a:buChar char="•"/>
-              <a:tabLst/>
-            </a:pPr>
-            <a:r>
-              <a:rPr kumimoji="0" lang="es-ES" altLang="es-ES" sz="1400" b="0" i="0" u="none" strike="noStrike" cap="none" normalizeH="0" baseline="0" dirty="0" err="1">
-                <a:ln>
-                  <a:noFill/>
-                </a:ln>
-                <a:effectLst/>
-                <a:latin typeface="+mj-lt"/>
-              </a:rPr>
-              <a:t>Type</a:t>
-            </a:r>
-            <a:r>
-              <a:rPr kumimoji="0" lang="es-ES" altLang="es-ES" sz="1400" b="0" i="0" u="none" strike="noStrike" cap="none" normalizeH="0" baseline="0" dirty="0">
-                <a:ln>
-                  <a:noFill/>
-                </a:ln>
-                <a:effectLst/>
-                <a:latin typeface="+mj-lt"/>
-              </a:rPr>
-              <a:t> : Formato del anime (TV, </a:t>
-            </a:r>
-            <a:r>
-              <a:rPr kumimoji="0" lang="es-ES" altLang="es-ES" sz="1400" b="0" i="0" u="none" strike="noStrike" cap="none" normalizeH="0" baseline="0" dirty="0" err="1">
-                <a:ln>
-                  <a:noFill/>
-                </a:ln>
-                <a:effectLst/>
-                <a:latin typeface="+mj-lt"/>
-              </a:rPr>
-              <a:t>Movie</a:t>
-            </a:r>
-            <a:r>
-              <a:rPr kumimoji="0" lang="es-ES" altLang="es-ES" sz="1400" b="0" i="0" u="none" strike="noStrike" cap="none" normalizeH="0" baseline="0" dirty="0">
-                <a:ln>
-                  <a:noFill/>
-                </a:ln>
-                <a:effectLst/>
-                <a:latin typeface="+mj-lt"/>
-              </a:rPr>
-              <a:t>, OVA, etc.).</a:t>
-            </a:r>
-          </a:p>
-          <a:p>
-            <a:pPr marL="457200" marR="0" lvl="1" indent="0" defTabSz="914400" rtl="0" eaLnBrk="0" fontAlgn="base" latinLnBrk="0" hangingPunct="0">
-              <a:spcBef>
-                <a:spcPct val="0"/>
-              </a:spcBef>
-              <a:spcAft>
-                <a:spcPts val="600"/>
-              </a:spcAft>
-              <a:buClrTx/>
-              <a:buSzTx/>
-              <a:buFontTx/>
-              <a:buChar char="•"/>
-              <a:tabLst/>
-            </a:pPr>
-            <a:r>
-              <a:rPr lang="es-ES" altLang="es-ES" sz="1400" dirty="0" err="1">
-                <a:latin typeface="+mj-lt"/>
-              </a:rPr>
-              <a:t>m</a:t>
-            </a:r>
-            <a:r>
-              <a:rPr kumimoji="0" lang="es-ES" altLang="es-ES" sz="1400" b="0" i="0" u="none" strike="noStrike" cap="none" normalizeH="0" baseline="0" dirty="0" err="1">
-                <a:ln>
-                  <a:noFill/>
-                </a:ln>
-                <a:effectLst/>
-                <a:latin typeface="+mj-lt"/>
-              </a:rPr>
-              <a:t>embers</a:t>
-            </a:r>
-            <a:r>
-              <a:rPr kumimoji="0" lang="es-ES" altLang="es-ES" sz="1400" b="0" i="0" u="none" strike="noStrike" cap="none" normalizeH="0" baseline="0" dirty="0">
-                <a:ln>
-                  <a:noFill/>
-                </a:ln>
-                <a:effectLst/>
-                <a:latin typeface="+mj-lt"/>
-              </a:rPr>
-              <a:t> : Cantidad de miembros en la base de datos de </a:t>
-            </a:r>
-            <a:r>
-              <a:rPr kumimoji="0" lang="es-ES" altLang="es-ES" sz="1400" b="0" i="0" u="none" strike="noStrike" cap="none" normalizeH="0" baseline="0" dirty="0" err="1">
-                <a:ln>
-                  <a:noFill/>
-                </a:ln>
-                <a:effectLst/>
-                <a:latin typeface="+mj-lt"/>
-              </a:rPr>
-              <a:t>MyAnimeList</a:t>
-            </a:r>
-            <a:r>
-              <a:rPr kumimoji="0" lang="es-ES" altLang="es-ES" sz="1400" b="0" i="0" u="none" strike="noStrike" cap="none" normalizeH="0" baseline="0" dirty="0">
-                <a:ln>
-                  <a:noFill/>
-                </a:ln>
-                <a:effectLst/>
-                <a:latin typeface="+mj-lt"/>
-              </a:rPr>
-              <a:t>.</a:t>
-            </a:r>
-          </a:p>
-          <a:p>
-            <a:pPr marL="457200" marR="0" lvl="1" indent="0" defTabSz="914400" rtl="0" eaLnBrk="0" fontAlgn="base" latinLnBrk="0" hangingPunct="0">
-              <a:spcBef>
-                <a:spcPct val="0"/>
-              </a:spcBef>
-              <a:spcAft>
-                <a:spcPts val="600"/>
-              </a:spcAft>
-              <a:buClrTx/>
-              <a:buSzTx/>
-              <a:buFontTx/>
-              <a:buChar char="•"/>
-              <a:tabLst/>
-            </a:pPr>
-            <a:endParaRPr kumimoji="0" lang="es-ES" altLang="es-ES" sz="1400" b="0" i="0" u="none" strike="noStrike" cap="none" normalizeH="0" baseline="0" dirty="0">
-              <a:ln>
-                <a:noFill/>
-              </a:ln>
-              <a:effectLst/>
-              <a:latin typeface="+mj-lt"/>
-            </a:endParaRPr>
-          </a:p>
-          <a:p>
-            <a:pPr marL="0" marR="0" lvl="0" indent="0" defTabSz="914400" rtl="0" eaLnBrk="0" fontAlgn="base" latinLnBrk="0" hangingPunct="0">
-              <a:spcBef>
-                <a:spcPct val="0"/>
-              </a:spcBef>
-              <a:spcAft>
-                <a:spcPts val="600"/>
-              </a:spcAft>
-              <a:buClrTx/>
-              <a:buSzTx/>
-              <a:buFontTx/>
-              <a:buChar char="•"/>
-              <a:tabLst/>
-            </a:pPr>
-            <a:r>
-              <a:rPr kumimoji="0" lang="es-ES" altLang="es-ES" sz="1400" b="1" i="0" u="none" strike="noStrike" cap="none" normalizeH="0" baseline="0" dirty="0">
-                <a:ln>
-                  <a:noFill/>
-                </a:ln>
-                <a:effectLst/>
-                <a:latin typeface="+mj-lt"/>
-              </a:rPr>
-              <a:t>Tamaño del </a:t>
-            </a:r>
-            <a:r>
-              <a:rPr kumimoji="0" lang="es-ES" altLang="es-ES" sz="1400" b="1" i="0" u="none" strike="noStrike" cap="none" normalizeH="0" baseline="0" dirty="0" err="1">
-                <a:ln>
-                  <a:noFill/>
-                </a:ln>
-                <a:effectLst/>
-                <a:latin typeface="+mj-lt"/>
-              </a:rPr>
-              <a:t>dataset</a:t>
-            </a:r>
-            <a:r>
-              <a:rPr kumimoji="0" lang="es-ES" altLang="es-ES" sz="1400" b="1" i="0" u="none" strike="noStrike" cap="none" normalizeH="0" baseline="0" dirty="0">
-                <a:ln>
-                  <a:noFill/>
-                </a:ln>
-                <a:effectLst/>
-                <a:latin typeface="+mj-lt"/>
-              </a:rPr>
-              <a:t>:</a:t>
-            </a:r>
-            <a:r>
-              <a:rPr kumimoji="0" lang="es-ES" altLang="es-ES" sz="1400" b="0" i="0" u="none" strike="noStrike" cap="none" normalizeH="0" baseline="0" dirty="0">
-                <a:ln>
-                  <a:noFill/>
-                </a:ln>
-                <a:effectLst/>
-                <a:latin typeface="+mj-lt"/>
-              </a:rPr>
-              <a:t> Más de 8000 registros.</a:t>
-            </a:r>
-          </a:p>
-          <a:p>
-            <a:pPr marL="0" marR="0" lvl="0" indent="0" defTabSz="914400" rtl="0" eaLnBrk="0" fontAlgn="base" latinLnBrk="0" hangingPunct="0">
-              <a:spcBef>
-                <a:spcPct val="0"/>
-              </a:spcBef>
-              <a:spcAft>
-                <a:spcPts val="600"/>
-              </a:spcAft>
-              <a:buClrTx/>
-              <a:buSzTx/>
-              <a:buFontTx/>
-              <a:buChar char="•"/>
-              <a:tabLst/>
-            </a:pPr>
-            <a:endParaRPr kumimoji="0" lang="es-ES" altLang="es-ES" sz="1400" b="0" i="0" u="none" strike="noStrike" cap="none" normalizeH="0" baseline="0" dirty="0">
-              <a:ln>
-                <a:noFill/>
-              </a:ln>
-              <a:effectLst/>
-              <a:latin typeface="+mj-lt"/>
-            </a:endParaRPr>
-          </a:p>
-          <a:p>
             <a:pPr marL="0" marR="0" lvl="0" indent="0" defTabSz="914400" rtl="0" eaLnBrk="0" fontAlgn="base" latinLnBrk="0" hangingPunct="0">
               <a:spcBef>
                 <a:spcPct val="0"/>
@@ -7944,7 +9900,645 @@
 </p:sld>
 </file>
 
-<file path=ppt/slides/slide5.xml><?xml version="1.0" encoding="utf-8"?>
+<file path=ppt/slides/slide6.xml><?xml version="1.0" encoding="utf-8"?>
+<p:sld xmlns:a="http://schemas.openxmlformats.org/drawingml/2006/main" xmlns:r="http://schemas.openxmlformats.org/officeDocument/2006/relationships" xmlns:p="http://schemas.openxmlformats.org/presentationml/2006/main">
+  <p:cSld>
+    <p:bg>
+      <p:bgPr>
+        <a:solidFill>
+          <a:schemeClr val="bg1"/>
+        </a:solidFill>
+        <a:effectLst/>
+      </p:bgPr>
+    </p:bg>
+    <p:spTree>
+      <p:nvGrpSpPr>
+        <p:cNvPr id="1" name=""/>
+        <p:cNvGrpSpPr/>
+        <p:nvPr/>
+      </p:nvGrpSpPr>
+      <p:grpSpPr>
+        <a:xfrm>
+          <a:off x="0" y="0"/>
+          <a:ext cx="0" cy="0"/>
+          <a:chOff x="0" y="0"/>
+          <a:chExt cx="0" cy="0"/>
+        </a:xfrm>
+      </p:grpSpPr>
+      <p:sp>
+        <p:nvSpPr>
+          <p:cNvPr id="2" name="Título 1">
+            <a:extLst>
+              <a:ext uri="{FF2B5EF4-FFF2-40B4-BE49-F238E27FC236}">
+                <a16:creationId xmlns:a16="http://schemas.microsoft.com/office/drawing/2014/main" id="{F0AD2A95-FC5A-E232-0ECA-D19A648A368F}"/>
+              </a:ext>
+            </a:extLst>
+          </p:cNvPr>
+          <p:cNvSpPr>
+            <a:spLocks noGrp="1"/>
+          </p:cNvSpPr>
+          <p:nvPr>
+            <p:ph type="title"/>
+          </p:nvPr>
+        </p:nvSpPr>
+        <p:spPr>
+          <a:xfrm>
+            <a:off x="6417733" y="490537"/>
+            <a:ext cx="5291663" cy="1628775"/>
+          </a:xfrm>
+        </p:spPr>
+        <p:txBody>
+          <a:bodyPr anchor="b">
+            <a:normAutofit/>
+          </a:bodyPr>
+          <a:lstStyle/>
+          <a:p>
+            <a:r>
+              <a:rPr lang="es-ES" sz="3700" dirty="0"/>
+              <a:t>Correlaciones :  </a:t>
+            </a:r>
+            <a:r>
+              <a:rPr lang="es-ES" sz="3700" i="1" dirty="0"/>
+              <a:t>Relaciones entre variables</a:t>
+            </a:r>
+            <a:endParaRPr lang="es-ES" sz="3700" dirty="0"/>
+          </a:p>
+        </p:txBody>
+      </p:sp>
+      <p:pic>
+        <p:nvPicPr>
+          <p:cNvPr id="5" name="Marcador de contenido 4" descr="Gráfico&#10;&#10;Descripción generada automáticamente con confianza media">
+            <a:extLst>
+              <a:ext uri="{FF2B5EF4-FFF2-40B4-BE49-F238E27FC236}">
+                <a16:creationId xmlns:a16="http://schemas.microsoft.com/office/drawing/2014/main" id="{3DBF2EB2-F1C1-8E68-89AA-4FD589935A51}"/>
+              </a:ext>
+            </a:extLst>
+          </p:cNvPr>
+          <p:cNvPicPr>
+            <a:picLocks noChangeAspect="1"/>
+          </p:cNvPicPr>
+          <p:nvPr/>
+        </p:nvPicPr>
+        <p:blipFill>
+          <a:blip r:embed="rId2">
+            <a:extLst>
+              <a:ext uri="{28A0092B-C50C-407E-A947-70E740481C1C}">
+                <a14:useLocalDpi xmlns:a14="http://schemas.microsoft.com/office/drawing/2010/main" val="0"/>
+              </a:ext>
+            </a:extLst>
+          </a:blip>
+          <a:srcRect l="469" r="4694"/>
+          <a:stretch/>
+        </p:blipFill>
+        <p:spPr>
+          <a:xfrm>
+            <a:off x="2" y="1587"/>
+            <a:ext cx="6095999" cy="6856413"/>
+          </a:xfrm>
+          <a:custGeom>
+            <a:avLst/>
+            <a:gdLst/>
+            <a:ahLst/>
+            <a:cxnLst/>
+            <a:rect l="l" t="t" r="r" b="b"/>
+            <a:pathLst>
+              <a:path w="6649908" h="6856413">
+                <a:moveTo>
+                  <a:pt x="0" y="0"/>
+                </a:moveTo>
+                <a:lnTo>
+                  <a:pt x="6559859" y="0"/>
+                </a:lnTo>
+                <a:lnTo>
+                  <a:pt x="6572145" y="79394"/>
+                </a:lnTo>
+                <a:cubicBezTo>
+                  <a:pt x="6857782" y="2230562"/>
+                  <a:pt x="6243159" y="4473353"/>
+                  <a:pt x="6528796" y="6624522"/>
+                </a:cubicBezTo>
+                <a:lnTo>
+                  <a:pt x="6564680" y="6856413"/>
+                </a:lnTo>
+                <a:lnTo>
+                  <a:pt x="0" y="6856413"/>
+                </a:lnTo>
+                <a:close/>
+              </a:path>
+            </a:pathLst>
+          </a:custGeom>
+        </p:spPr>
+      </p:pic>
+      <p:sp>
+        <p:nvSpPr>
+          <p:cNvPr id="6" name="Rectangle 1">
+            <a:extLst>
+              <a:ext uri="{FF2B5EF4-FFF2-40B4-BE49-F238E27FC236}">
+                <a16:creationId xmlns:a16="http://schemas.microsoft.com/office/drawing/2014/main" id="{4C4EA64A-E9BA-1B9B-61C9-333F0A092752}"/>
+              </a:ext>
+            </a:extLst>
+          </p:cNvPr>
+          <p:cNvSpPr>
+            <a:spLocks noGrp="1" noChangeArrowheads="1"/>
+          </p:cNvSpPr>
+          <p:nvPr>
+            <p:ph idx="1"/>
+          </p:nvPr>
+        </p:nvSpPr>
+        <p:spPr bwMode="auto">
+          <a:xfrm>
+            <a:off x="6246722" y="2253999"/>
+            <a:ext cx="5462674" cy="3077766"/>
+          </a:xfrm>
+          <a:prstGeom prst="rect">
+            <a:avLst/>
+          </a:prstGeom>
+          <a:noFill/>
+          <a:ln>
+            <a:noFill/>
+          </a:ln>
+          <a:effectLst/>
+          <a:extLst>
+            <a:ext uri="{909E8E84-426E-40DD-AFC4-6F175D3DCCD1}">
+              <a14:hiddenFill xmlns:a14="http://schemas.microsoft.com/office/drawing/2010/main">
+                <a:solidFill>
+                  <a:schemeClr val="accent1"/>
+                </a:solidFill>
+              </a14:hiddenFill>
+            </a:ext>
+            <a:ext uri="{91240B29-F687-4F45-9708-019B960494DF}">
+              <a14:hiddenLine xmlns:a14="http://schemas.microsoft.com/office/drawing/2010/main" w="9525">
+                <a:solidFill>
+                  <a:schemeClr val="tx1"/>
+                </a:solidFill>
+                <a:miter lim="800000"/>
+                <a:headEnd/>
+                <a:tailEnd/>
+              </a14:hiddenLine>
+            </a:ext>
+            <a:ext uri="{AF507438-7753-43E0-B8FC-AC1667EBCBE1}">
+              <a14:hiddenEffects xmlns:a14="http://schemas.microsoft.com/office/drawing/2010/main">
+                <a:effectLst>
+                  <a:outerShdw dist="35921" dir="2700000" algn="ctr" rotWithShape="0">
+                    <a:schemeClr val="bg2"/>
+                  </a:outerShdw>
+                </a:effectLst>
+              </a14:hiddenEffects>
+            </a:ext>
+          </a:extLst>
+        </p:spPr>
+        <p:txBody>
+          <a:bodyPr vert="horz" wrap="square" lIns="91440" tIns="45720" rIns="91440" bIns="45720" numCol="1" anchor="ctr" anchorCtr="0" compatLnSpc="1">
+            <a:prstTxWarp prst="textNoShape">
+              <a:avLst/>
+            </a:prstTxWarp>
+            <a:spAutoFit/>
+          </a:bodyPr>
+          <a:lstStyle/>
+          <a:p>
+            <a:pPr marL="0" marR="0" lvl="0" indent="0" algn="l" defTabSz="914400" rtl="0" eaLnBrk="0" fontAlgn="base" latinLnBrk="0" hangingPunct="0">
+              <a:lnSpc>
+                <a:spcPct val="100000"/>
+              </a:lnSpc>
+              <a:spcBef>
+                <a:spcPct val="0"/>
+              </a:spcBef>
+              <a:spcAft>
+                <a:spcPct val="0"/>
+              </a:spcAft>
+              <a:buClrTx/>
+              <a:buSzTx/>
+              <a:buFontTx/>
+              <a:buChar char="•"/>
+              <a:tabLst/>
+            </a:pPr>
+            <a:r>
+              <a:rPr kumimoji="0" lang="es-ES" altLang="es-ES" sz="1600" b="1" i="0" u="none" strike="noStrike" cap="none" normalizeH="0" baseline="0" dirty="0">
+                <a:ln>
+                  <a:noFill/>
+                </a:ln>
+                <a:solidFill>
+                  <a:schemeClr val="tx1"/>
+                </a:solidFill>
+                <a:effectLst/>
+                <a:latin typeface="+mj-lt"/>
+              </a:rPr>
+              <a:t>Tabla de correlación:</a:t>
+            </a:r>
+          </a:p>
+          <a:p>
+            <a:pPr marL="0" marR="0" lvl="0" indent="0" algn="l" defTabSz="914400" rtl="0" eaLnBrk="0" fontAlgn="base" latinLnBrk="0" hangingPunct="0">
+              <a:lnSpc>
+                <a:spcPct val="100000"/>
+              </a:lnSpc>
+              <a:spcBef>
+                <a:spcPct val="0"/>
+              </a:spcBef>
+              <a:spcAft>
+                <a:spcPct val="0"/>
+              </a:spcAft>
+              <a:buClrTx/>
+              <a:buSzTx/>
+              <a:buFontTx/>
+              <a:buChar char="•"/>
+              <a:tabLst/>
+            </a:pPr>
+            <a:endParaRPr kumimoji="0" lang="es-ES" altLang="es-ES" sz="1600" b="0" i="0" u="none" strike="noStrike" cap="none" normalizeH="0" baseline="0" dirty="0">
+              <a:ln>
+                <a:noFill/>
+              </a:ln>
+              <a:solidFill>
+                <a:schemeClr val="tx1"/>
+              </a:solidFill>
+              <a:effectLst/>
+              <a:latin typeface="+mj-lt"/>
+            </a:endParaRPr>
+          </a:p>
+          <a:p>
+            <a:pPr marL="0" marR="0" lvl="0" indent="0" algn="l" defTabSz="914400" rtl="0" eaLnBrk="0" fontAlgn="base" latinLnBrk="0" hangingPunct="0">
+              <a:lnSpc>
+                <a:spcPct val="100000"/>
+              </a:lnSpc>
+              <a:spcBef>
+                <a:spcPct val="0"/>
+              </a:spcBef>
+              <a:spcAft>
+                <a:spcPct val="0"/>
+              </a:spcAft>
+              <a:buClrTx/>
+              <a:buSzTx/>
+              <a:buFontTx/>
+              <a:buChar char="•"/>
+              <a:tabLst/>
+            </a:pPr>
+            <a:r>
+              <a:rPr kumimoji="0" lang="es-ES" altLang="es-ES" sz="1600" b="0" i="0" u="none" strike="noStrike" cap="none" normalizeH="0" baseline="0" dirty="0">
+                <a:ln>
+                  <a:noFill/>
+                </a:ln>
+                <a:solidFill>
+                  <a:schemeClr val="tx1"/>
+                </a:solidFill>
+                <a:effectLst/>
+                <a:latin typeface="+mj-lt"/>
+              </a:rPr>
+              <a:t>Correlación entre Score y </a:t>
+            </a:r>
+            <a:r>
+              <a:rPr kumimoji="0" lang="es-ES" altLang="es-ES" sz="1600" b="0" i="0" u="none" strike="noStrike" cap="none" normalizeH="0" baseline="0" dirty="0" err="1">
+                <a:ln>
+                  <a:noFill/>
+                </a:ln>
+                <a:solidFill>
+                  <a:schemeClr val="tx1"/>
+                </a:solidFill>
+                <a:effectLst/>
+                <a:latin typeface="+mj-lt"/>
+              </a:rPr>
+              <a:t>members</a:t>
+            </a:r>
+            <a:r>
+              <a:rPr kumimoji="0" lang="es-ES" altLang="es-ES" sz="1600" b="0" i="0" u="none" strike="noStrike" cap="none" normalizeH="0" baseline="0" dirty="0">
+                <a:ln>
+                  <a:noFill/>
+                </a:ln>
+                <a:solidFill>
+                  <a:schemeClr val="tx1"/>
+                </a:solidFill>
+                <a:effectLst/>
+                <a:latin typeface="+mj-lt"/>
+              </a:rPr>
+              <a:t>: </a:t>
+            </a:r>
+            <a:r>
+              <a:rPr kumimoji="0" lang="es-ES" altLang="es-ES" sz="1600" b="1" i="0" u="none" strike="noStrike" cap="none" normalizeH="0" baseline="0" dirty="0">
+                <a:ln>
+                  <a:noFill/>
+                </a:ln>
+                <a:solidFill>
+                  <a:schemeClr val="tx1"/>
+                </a:solidFill>
+                <a:effectLst/>
+                <a:latin typeface="+mj-lt"/>
+              </a:rPr>
+              <a:t>0.41</a:t>
+            </a:r>
+            <a:r>
+              <a:rPr kumimoji="0" lang="es-ES" altLang="es-ES" sz="1600" b="0" i="0" u="none" strike="noStrike" cap="none" normalizeH="0" baseline="0" dirty="0">
+                <a:ln>
+                  <a:noFill/>
+                </a:ln>
+                <a:solidFill>
+                  <a:schemeClr val="tx1"/>
+                </a:solidFill>
+                <a:effectLst/>
+                <a:latin typeface="+mj-lt"/>
+              </a:rPr>
+              <a:t> (relación positiva).</a:t>
+            </a:r>
+          </a:p>
+          <a:p>
+            <a:pPr marL="0" marR="0" lvl="0" indent="0" algn="l" defTabSz="914400" rtl="0" eaLnBrk="0" fontAlgn="base" latinLnBrk="0" hangingPunct="0">
+              <a:lnSpc>
+                <a:spcPct val="100000"/>
+              </a:lnSpc>
+              <a:spcBef>
+                <a:spcPct val="0"/>
+              </a:spcBef>
+              <a:spcAft>
+                <a:spcPct val="0"/>
+              </a:spcAft>
+              <a:buClrTx/>
+              <a:buSzTx/>
+              <a:buFontTx/>
+              <a:buChar char="•"/>
+              <a:tabLst/>
+            </a:pPr>
+            <a:r>
+              <a:rPr kumimoji="0" lang="es-ES" altLang="es-ES" sz="1600" b="0" i="0" u="none" strike="noStrike" cap="none" normalizeH="0" baseline="0" dirty="0">
+                <a:ln>
+                  <a:noFill/>
+                </a:ln>
+                <a:solidFill>
+                  <a:schemeClr val="tx1"/>
+                </a:solidFill>
+                <a:effectLst/>
+                <a:latin typeface="+mj-lt"/>
+              </a:rPr>
+              <a:t>Correlación negativa alta entre Rank y Score: </a:t>
+            </a:r>
+            <a:r>
+              <a:rPr kumimoji="0" lang="es-ES" altLang="es-ES" sz="1600" b="1" i="0" u="none" strike="noStrike" cap="none" normalizeH="0" baseline="0" dirty="0">
+                <a:ln>
+                  <a:noFill/>
+                </a:ln>
+                <a:solidFill>
+                  <a:schemeClr val="tx1"/>
+                </a:solidFill>
+                <a:effectLst/>
+                <a:latin typeface="+mj-lt"/>
+              </a:rPr>
+              <a:t>-0.97</a:t>
+            </a:r>
+            <a:r>
+              <a:rPr kumimoji="0" lang="es-ES" altLang="es-ES" sz="1600" b="0" i="0" u="none" strike="noStrike" cap="none" normalizeH="0" baseline="0" dirty="0">
+                <a:ln>
+                  <a:noFill/>
+                </a:ln>
+                <a:solidFill>
+                  <a:schemeClr val="tx1"/>
+                </a:solidFill>
+                <a:effectLst/>
+                <a:latin typeface="+mj-lt"/>
+              </a:rPr>
+              <a:t> (mejor puntuación, mejor ranking).</a:t>
+            </a:r>
+          </a:p>
+          <a:p>
+            <a:pPr marL="0" marR="0" lvl="0" indent="0" algn="l" defTabSz="914400" rtl="0" eaLnBrk="0" fontAlgn="base" latinLnBrk="0" hangingPunct="0">
+              <a:lnSpc>
+                <a:spcPct val="100000"/>
+              </a:lnSpc>
+              <a:spcBef>
+                <a:spcPct val="0"/>
+              </a:spcBef>
+              <a:spcAft>
+                <a:spcPct val="0"/>
+              </a:spcAft>
+              <a:buClrTx/>
+              <a:buSzTx/>
+              <a:buFontTx/>
+              <a:buChar char="•"/>
+              <a:tabLst/>
+            </a:pPr>
+            <a:r>
+              <a:rPr kumimoji="0" lang="es-ES" altLang="es-ES" sz="1600" b="0" i="0" u="none" strike="noStrike" cap="none" normalizeH="0" baseline="0" dirty="0">
+                <a:ln>
+                  <a:noFill/>
+                </a:ln>
+                <a:solidFill>
+                  <a:schemeClr val="tx1"/>
+                </a:solidFill>
+                <a:effectLst/>
+                <a:latin typeface="+mj-lt"/>
+              </a:rPr>
+              <a:t>Relación moderada entre rating y </a:t>
+            </a:r>
+            <a:r>
+              <a:rPr kumimoji="0" lang="es-ES" altLang="es-ES" sz="1600" b="0" i="0" u="none" strike="noStrike" cap="none" normalizeH="0" baseline="0" dirty="0" err="1">
+                <a:ln>
+                  <a:noFill/>
+                </a:ln>
+                <a:solidFill>
+                  <a:schemeClr val="tx1"/>
+                </a:solidFill>
+                <a:effectLst/>
+                <a:latin typeface="+mj-lt"/>
+              </a:rPr>
+              <a:t>members</a:t>
+            </a:r>
+            <a:r>
+              <a:rPr kumimoji="0" lang="es-ES" altLang="es-ES" sz="1600" b="0" i="0" u="none" strike="noStrike" cap="none" normalizeH="0" baseline="0" dirty="0">
+                <a:ln>
+                  <a:noFill/>
+                </a:ln>
+                <a:solidFill>
+                  <a:schemeClr val="tx1"/>
+                </a:solidFill>
+                <a:effectLst/>
+                <a:latin typeface="+mj-lt"/>
+              </a:rPr>
+              <a:t>: </a:t>
+            </a:r>
+            <a:r>
+              <a:rPr kumimoji="0" lang="es-ES" altLang="es-ES" sz="1600" b="1" i="0" u="none" strike="noStrike" cap="none" normalizeH="0" baseline="0" dirty="0">
+                <a:ln>
+                  <a:noFill/>
+                </a:ln>
+                <a:solidFill>
+                  <a:schemeClr val="tx1"/>
+                </a:solidFill>
+                <a:effectLst/>
+                <a:latin typeface="+mj-lt"/>
+              </a:rPr>
+              <a:t>0.37</a:t>
+            </a:r>
+            <a:r>
+              <a:rPr kumimoji="0" lang="es-ES" altLang="es-ES" sz="1600" b="0" i="0" u="none" strike="noStrike" cap="none" normalizeH="0" baseline="0" dirty="0">
+                <a:ln>
+                  <a:noFill/>
+                </a:ln>
+                <a:solidFill>
+                  <a:schemeClr val="tx1"/>
+                </a:solidFill>
+                <a:effectLst/>
+                <a:latin typeface="+mj-lt"/>
+              </a:rPr>
+              <a:t>.</a:t>
+            </a:r>
+          </a:p>
+          <a:p>
+            <a:pPr marL="0" marR="0" lvl="0" indent="0" algn="l" defTabSz="914400" rtl="0" eaLnBrk="0" fontAlgn="base" latinLnBrk="0" hangingPunct="0">
+              <a:lnSpc>
+                <a:spcPct val="100000"/>
+              </a:lnSpc>
+              <a:spcBef>
+                <a:spcPct val="0"/>
+              </a:spcBef>
+              <a:spcAft>
+                <a:spcPct val="0"/>
+              </a:spcAft>
+              <a:buClrTx/>
+              <a:buSzTx/>
+              <a:buFontTx/>
+              <a:buChar char="•"/>
+              <a:tabLst/>
+            </a:pPr>
+            <a:endParaRPr kumimoji="0" lang="es-ES" altLang="es-ES" sz="1600" b="0" i="0" u="none" strike="noStrike" cap="none" normalizeH="0" baseline="0" dirty="0">
+              <a:ln>
+                <a:noFill/>
+              </a:ln>
+              <a:solidFill>
+                <a:schemeClr val="tx1"/>
+              </a:solidFill>
+              <a:effectLst/>
+              <a:latin typeface="+mj-lt"/>
+            </a:endParaRPr>
+          </a:p>
+          <a:p>
+            <a:pPr marL="0" marR="0" lvl="0" indent="0" algn="l" defTabSz="914400" rtl="0" eaLnBrk="0" fontAlgn="base" latinLnBrk="0" hangingPunct="0">
+              <a:lnSpc>
+                <a:spcPct val="100000"/>
+              </a:lnSpc>
+              <a:spcBef>
+                <a:spcPct val="0"/>
+              </a:spcBef>
+              <a:spcAft>
+                <a:spcPct val="0"/>
+              </a:spcAft>
+              <a:buClrTx/>
+              <a:buSzTx/>
+              <a:buFontTx/>
+              <a:buChar char="•"/>
+              <a:tabLst/>
+            </a:pPr>
+            <a:r>
+              <a:rPr kumimoji="0" lang="es-ES" altLang="es-ES" sz="1600" b="1" i="0" u="none" strike="noStrike" cap="none" normalizeH="0" baseline="0" dirty="0">
+                <a:ln>
+                  <a:noFill/>
+                </a:ln>
+                <a:solidFill>
+                  <a:schemeClr val="tx1"/>
+                </a:solidFill>
+                <a:effectLst/>
+                <a:latin typeface="+mj-lt"/>
+              </a:rPr>
+              <a:t>Interpretaciones clave:</a:t>
+            </a:r>
+          </a:p>
+          <a:p>
+            <a:pPr marL="0" marR="0" lvl="0" indent="0" algn="l" defTabSz="914400" rtl="0" eaLnBrk="0" fontAlgn="base" latinLnBrk="0" hangingPunct="0">
+              <a:lnSpc>
+                <a:spcPct val="100000"/>
+              </a:lnSpc>
+              <a:spcBef>
+                <a:spcPct val="0"/>
+              </a:spcBef>
+              <a:spcAft>
+                <a:spcPct val="0"/>
+              </a:spcAft>
+              <a:buClrTx/>
+              <a:buSzTx/>
+              <a:buFontTx/>
+              <a:buChar char="•"/>
+              <a:tabLst/>
+            </a:pPr>
+            <a:endParaRPr kumimoji="0" lang="es-ES" altLang="es-ES" sz="1600" b="0" i="0" u="none" strike="noStrike" cap="none" normalizeH="0" baseline="0" dirty="0">
+              <a:ln>
+                <a:noFill/>
+              </a:ln>
+              <a:solidFill>
+                <a:schemeClr val="tx1"/>
+              </a:solidFill>
+              <a:effectLst/>
+              <a:latin typeface="+mj-lt"/>
+            </a:endParaRPr>
+          </a:p>
+          <a:p>
+            <a:pPr marL="0" marR="0" lvl="0" indent="0" algn="l" defTabSz="914400" rtl="0" eaLnBrk="0" fontAlgn="base" latinLnBrk="0" hangingPunct="0">
+              <a:lnSpc>
+                <a:spcPct val="100000"/>
+              </a:lnSpc>
+              <a:spcBef>
+                <a:spcPct val="0"/>
+              </a:spcBef>
+              <a:spcAft>
+                <a:spcPct val="0"/>
+              </a:spcAft>
+              <a:buClrTx/>
+              <a:buSzTx/>
+              <a:buFontTx/>
+              <a:buChar char="•"/>
+              <a:tabLst/>
+            </a:pPr>
+            <a:r>
+              <a:rPr kumimoji="0" lang="es-ES" altLang="es-ES" sz="1600" b="0" i="0" u="none" strike="noStrike" cap="none" normalizeH="0" baseline="0" dirty="0">
+                <a:ln>
+                  <a:noFill/>
+                </a:ln>
+                <a:solidFill>
+                  <a:schemeClr val="tx1"/>
+                </a:solidFill>
+                <a:effectLst/>
+                <a:latin typeface="+mj-lt"/>
+              </a:rPr>
+              <a:t>Los animes con alta puntuación tienden a tener más seguidores y mejor ranking.</a:t>
+            </a:r>
+          </a:p>
+          <a:p>
+            <a:pPr marL="0" marR="0" lvl="0" indent="0" algn="l" defTabSz="914400" rtl="0" eaLnBrk="0" fontAlgn="base" latinLnBrk="0" hangingPunct="0">
+              <a:lnSpc>
+                <a:spcPct val="100000"/>
+              </a:lnSpc>
+              <a:spcBef>
+                <a:spcPct val="0"/>
+              </a:spcBef>
+              <a:spcAft>
+                <a:spcPct val="0"/>
+              </a:spcAft>
+              <a:buClrTx/>
+              <a:buSzTx/>
+              <a:buFontTx/>
+              <a:buNone/>
+              <a:tabLst/>
+            </a:pPr>
+            <a:endParaRPr kumimoji="0" lang="es-ES" altLang="es-ES" sz="1800" b="0" i="0" u="none" strike="noStrike" cap="none" normalizeH="0" baseline="0" dirty="0">
+              <a:ln>
+                <a:noFill/>
+              </a:ln>
+              <a:solidFill>
+                <a:schemeClr val="tx1"/>
+              </a:solidFill>
+              <a:effectLst/>
+              <a:latin typeface="Arial" panose="020B0604020202020204" pitchFamily="34" charset="0"/>
+            </a:endParaRPr>
+          </a:p>
+        </p:txBody>
+      </p:sp>
+    </p:spTree>
+    <p:extLst>
+      <p:ext uri="{BB962C8B-B14F-4D97-AF65-F5344CB8AC3E}">
+        <p14:creationId xmlns:p14="http://schemas.microsoft.com/office/powerpoint/2010/main" val="965611475"/>
+      </p:ext>
+    </p:extLst>
+  </p:cSld>
+  <p:clrMapOvr>
+    <a:masterClrMapping/>
+  </p:clrMapOvr>
+</p:sld>
+</file>
+
+<file path=ppt/slides/slide7.xml><?xml version="1.0" encoding="utf-8"?>
 <p:sld xmlns:a="http://schemas.openxmlformats.org/drawingml/2006/main" xmlns:r="http://schemas.openxmlformats.org/officeDocument/2006/relationships" xmlns:p="http://schemas.openxmlformats.org/presentationml/2006/main">
   <p:cSld>
     <p:bg>
@@ -8587,322 +11181,6 @@
 </p:sld>
 </file>
 
-<file path=ppt/slides/slide6.xml><?xml version="1.0" encoding="utf-8"?>
-<p:sld xmlns:a="http://schemas.openxmlformats.org/drawingml/2006/main" xmlns:r="http://schemas.openxmlformats.org/officeDocument/2006/relationships" xmlns:p="http://schemas.openxmlformats.org/presentationml/2006/main">
-  <p:cSld>
-    <p:bg>
-      <p:bgPr>
-        <a:solidFill>
-          <a:schemeClr val="bg1"/>
-        </a:solidFill>
-        <a:effectLst/>
-      </p:bgPr>
-    </p:bg>
-    <p:spTree>
-      <p:nvGrpSpPr>
-        <p:cNvPr id="1" name=""/>
-        <p:cNvGrpSpPr/>
-        <p:nvPr/>
-      </p:nvGrpSpPr>
-      <p:grpSpPr>
-        <a:xfrm>
-          <a:off x="0" y="0"/>
-          <a:ext cx="0" cy="0"/>
-          <a:chOff x="0" y="0"/>
-          <a:chExt cx="0" cy="0"/>
-        </a:xfrm>
-      </p:grpSpPr>
-      <p:pic>
-        <p:nvPicPr>
-          <p:cNvPr id="5" name="Marcador de contenido 4" descr="Interfaz de usuario gráfica, Gráfico&#10;&#10;Descripción generada automáticamente">
-            <a:extLst>
-              <a:ext uri="{FF2B5EF4-FFF2-40B4-BE49-F238E27FC236}">
-                <a16:creationId xmlns:a16="http://schemas.microsoft.com/office/drawing/2014/main" id="{DC4EEB2B-B128-573D-55A1-C4158B5926F5}"/>
-              </a:ext>
-            </a:extLst>
-          </p:cNvPr>
-          <p:cNvPicPr>
-            <a:picLocks noGrp="1" noChangeAspect="1"/>
-          </p:cNvPicPr>
-          <p:nvPr>
-            <p:ph idx="1"/>
-          </p:nvPr>
-        </p:nvPicPr>
-        <p:blipFill>
-          <a:blip r:embed="rId2">
-            <a:extLst>
-              <a:ext uri="{28A0092B-C50C-407E-A947-70E740481C1C}">
-                <a14:useLocalDpi xmlns:a14="http://schemas.microsoft.com/office/drawing/2010/main" val="0"/>
-              </a:ext>
-            </a:extLst>
-          </a:blip>
-          <a:srcRect r="33690" b="1811"/>
-          <a:stretch/>
-        </p:blipFill>
-        <p:spPr>
-          <a:xfrm>
-            <a:off x="-6588" y="10"/>
-            <a:ext cx="8088954" cy="6790028"/>
-          </a:xfrm>
-          <a:prstGeom prst="rect">
-            <a:avLst/>
-          </a:prstGeom>
-        </p:spPr>
-      </p:pic>
-      <p:sp>
-        <p:nvSpPr>
-          <p:cNvPr id="6" name="CuadroTexto 5">
-            <a:extLst>
-              <a:ext uri="{FF2B5EF4-FFF2-40B4-BE49-F238E27FC236}">
-                <a16:creationId xmlns:a16="http://schemas.microsoft.com/office/drawing/2014/main" id="{BDB7F169-2977-D4C1-9C0B-AF74E4EA0460}"/>
-              </a:ext>
-            </a:extLst>
-          </p:cNvPr>
-          <p:cNvSpPr txBox="1"/>
-          <p:nvPr/>
-        </p:nvSpPr>
-        <p:spPr>
-          <a:xfrm>
-            <a:off x="8245098" y="550190"/>
-            <a:ext cx="3649851" cy="4247317"/>
-          </a:xfrm>
-          <a:prstGeom prst="rect">
-            <a:avLst/>
-          </a:prstGeom>
-          <a:noFill/>
-        </p:spPr>
-        <p:txBody>
-          <a:bodyPr wrap="square" rtlCol="0">
-            <a:spAutoFit/>
-          </a:bodyPr>
-          <a:lstStyle/>
-          <a:p>
-            <a:r>
-              <a:rPr lang="es-ES" b="1" dirty="0"/>
-              <a:t>Distribución de episodios : </a:t>
-            </a:r>
-          </a:p>
-          <a:p>
-            <a:endParaRPr lang="es-ES" b="1" dirty="0"/>
-          </a:p>
-          <a:p>
-            <a:r>
-              <a:rPr lang="es-ES" dirty="0"/>
-              <a:t>Los animes del tipo </a:t>
-            </a:r>
-            <a:r>
-              <a:rPr lang="es-ES" b="1" dirty="0"/>
-              <a:t>TV</a:t>
-            </a:r>
-            <a:r>
-              <a:rPr lang="es-ES" dirty="0"/>
-              <a:t> tienen mayor cantidad de episodios en promedio.</a:t>
-            </a:r>
-          </a:p>
-          <a:p>
-            <a:endParaRPr lang="es-ES" dirty="0"/>
-          </a:p>
-          <a:p>
-            <a:pPr>
-              <a:buFont typeface="Arial" panose="020B0604020202020204" pitchFamily="34" charset="0"/>
-              <a:buChar char="•"/>
-            </a:pPr>
-            <a:r>
-              <a:rPr lang="es-ES" b="1" dirty="0"/>
-              <a:t>Evolución histórica :</a:t>
-            </a:r>
-          </a:p>
-          <a:p>
-            <a:pPr>
-              <a:buFont typeface="Arial" panose="020B0604020202020204" pitchFamily="34" charset="0"/>
-              <a:buChar char="•"/>
-            </a:pPr>
-            <a:endParaRPr lang="es-ES" b="1" dirty="0"/>
-          </a:p>
-          <a:p>
-            <a:pPr>
-              <a:buFont typeface="Arial" panose="020B0604020202020204" pitchFamily="34" charset="0"/>
-              <a:buChar char="•"/>
-            </a:pPr>
-            <a:r>
-              <a:rPr lang="es-ES" dirty="0"/>
-              <a:t>Las </a:t>
-            </a:r>
-            <a:r>
-              <a:rPr lang="es-ES" b="1" dirty="0" err="1"/>
-              <a:t>Movies</a:t>
-            </a:r>
-            <a:r>
-              <a:rPr lang="es-ES" dirty="0"/>
-              <a:t> han sido populares desde los años 60.</a:t>
-            </a:r>
-          </a:p>
-          <a:p>
-            <a:pPr>
-              <a:buFont typeface="Arial" panose="020B0604020202020204" pitchFamily="34" charset="0"/>
-              <a:buChar char="•"/>
-            </a:pPr>
-            <a:r>
-              <a:rPr lang="es-ES" dirty="0"/>
-              <a:t>Incremento de </a:t>
-            </a:r>
-            <a:r>
-              <a:rPr lang="es-ES" b="1" dirty="0"/>
-              <a:t>OVA</a:t>
-            </a:r>
-            <a:r>
-              <a:rPr lang="es-ES" dirty="0"/>
-              <a:t> en los años 80.</a:t>
-            </a:r>
-          </a:p>
-          <a:p>
-            <a:pPr>
-              <a:buFont typeface="Arial" panose="020B0604020202020204" pitchFamily="34" charset="0"/>
-              <a:buChar char="•"/>
-            </a:pPr>
-            <a:r>
-              <a:rPr lang="es-ES" dirty="0"/>
-              <a:t>Crecimiento significativo de </a:t>
-            </a:r>
-            <a:r>
-              <a:rPr lang="es-ES" b="1" dirty="0"/>
-              <a:t>ONA</a:t>
-            </a:r>
-            <a:r>
-              <a:rPr lang="es-ES" dirty="0"/>
-              <a:t> a partir de 2020.</a:t>
-            </a:r>
-          </a:p>
-          <a:p>
-            <a:endParaRPr lang="es-ES" dirty="0"/>
-          </a:p>
-        </p:txBody>
-      </p:sp>
-    </p:spTree>
-    <p:extLst>
-      <p:ext uri="{BB962C8B-B14F-4D97-AF65-F5344CB8AC3E}">
-        <p14:creationId xmlns:p14="http://schemas.microsoft.com/office/powerpoint/2010/main" val="1161120949"/>
-      </p:ext>
-    </p:extLst>
-  </p:cSld>
-  <p:clrMapOvr>
-    <a:masterClrMapping/>
-  </p:clrMapOvr>
-</p:sld>
-</file>
-
-<file path=ppt/slides/slide7.xml><?xml version="1.0" encoding="utf-8"?>
-<p:sld xmlns:a="http://schemas.openxmlformats.org/drawingml/2006/main" xmlns:r="http://schemas.openxmlformats.org/officeDocument/2006/relationships" xmlns:p="http://schemas.openxmlformats.org/presentationml/2006/main">
-  <p:cSld>
-    <p:spTree>
-      <p:nvGrpSpPr>
-        <p:cNvPr id="1" name=""/>
-        <p:cNvGrpSpPr/>
-        <p:nvPr/>
-      </p:nvGrpSpPr>
-      <p:grpSpPr>
-        <a:xfrm>
-          <a:off x="0" y="0"/>
-          <a:ext cx="0" cy="0"/>
-          <a:chOff x="0" y="0"/>
-          <a:chExt cx="0" cy="0"/>
-        </a:xfrm>
-      </p:grpSpPr>
-      <p:sp>
-        <p:nvSpPr>
-          <p:cNvPr id="2" name="Título 1">
-            <a:extLst>
-              <a:ext uri="{FF2B5EF4-FFF2-40B4-BE49-F238E27FC236}">
-                <a16:creationId xmlns:a16="http://schemas.microsoft.com/office/drawing/2014/main" id="{658A8B55-EEB5-3040-050A-B8FB7C004719}"/>
-              </a:ext>
-            </a:extLst>
-          </p:cNvPr>
-          <p:cNvSpPr>
-            <a:spLocks noGrp="1"/>
-          </p:cNvSpPr>
-          <p:nvPr>
-            <p:ph type="title"/>
-          </p:nvPr>
-        </p:nvSpPr>
-        <p:spPr>
-          <a:xfrm>
-            <a:off x="1118286" y="365125"/>
-            <a:ext cx="10235514" cy="1325563"/>
-          </a:xfrm>
-        </p:spPr>
-        <p:txBody>
-          <a:bodyPr>
-            <a:normAutofit/>
-          </a:bodyPr>
-          <a:lstStyle/>
-          <a:p>
-            <a:pPr>
-              <a:lnSpc>
-                <a:spcPct val="100000"/>
-              </a:lnSpc>
-            </a:pPr>
-            <a:r>
-              <a:rPr lang="es-ES" sz="1600" dirty="0"/>
-              <a:t>Este contexto histórico es útil para interpretar los picos y valles en la producción de animes a lo largo </a:t>
-            </a:r>
-            <a:br>
-              <a:rPr lang="es-ES" sz="1600" dirty="0"/>
-            </a:br>
-            <a:r>
-              <a:rPr lang="es-ES" sz="1600" dirty="0"/>
-              <a:t>del tiempo, coincidiendo con la expansión del anime en mercados internacionales. </a:t>
-            </a:r>
-          </a:p>
-        </p:txBody>
-      </p:sp>
-      <p:pic>
-        <p:nvPicPr>
-          <p:cNvPr id="5" name="Marcador de contenido 4" descr="Imagen de la pantalla de un celular con letras&#10;&#10;Descripción generada automáticamente con confianza baja">
-            <a:extLst>
-              <a:ext uri="{FF2B5EF4-FFF2-40B4-BE49-F238E27FC236}">
-                <a16:creationId xmlns:a16="http://schemas.microsoft.com/office/drawing/2014/main" id="{7425AEED-39C6-9F0B-31A8-E7E849614CD0}"/>
-              </a:ext>
-            </a:extLst>
-          </p:cNvPr>
-          <p:cNvPicPr>
-            <a:picLocks noGrp="1" noChangeAspect="1"/>
-          </p:cNvPicPr>
-          <p:nvPr>
-            <p:ph idx="1"/>
-          </p:nvPr>
-        </p:nvPicPr>
-        <p:blipFill>
-          <a:blip r:embed="rId2">
-            <a:extLst>
-              <a:ext uri="{28A0092B-C50C-407E-A947-70E740481C1C}">
-                <a14:useLocalDpi xmlns:a14="http://schemas.microsoft.com/office/drawing/2010/main" val="0"/>
-              </a:ext>
-            </a:extLst>
-          </a:blip>
-          <a:stretch>
-            <a:fillRect/>
-          </a:stretch>
-        </p:blipFill>
-        <p:spPr>
-          <a:xfrm>
-            <a:off x="838200" y="1914027"/>
-            <a:ext cx="10515600" cy="4174534"/>
-          </a:xfrm>
-        </p:spPr>
-      </p:pic>
-    </p:spTree>
-    <p:extLst>
-      <p:ext uri="{BB962C8B-B14F-4D97-AF65-F5344CB8AC3E}">
-        <p14:creationId xmlns:p14="http://schemas.microsoft.com/office/powerpoint/2010/main" val="3840492153"/>
-      </p:ext>
-    </p:extLst>
-  </p:cSld>
-  <p:clrMapOvr>
-    <a:masterClrMapping/>
-  </p:clrMapOvr>
-</p:sld>
-</file>
-
 <file path=ppt/slides/slide8.xml><?xml version="1.0" encoding="utf-8"?>
 <p:sld xmlns:a="http://schemas.openxmlformats.org/drawingml/2006/main" xmlns:r="http://schemas.openxmlformats.org/officeDocument/2006/relationships" xmlns:p="http://schemas.openxmlformats.org/presentationml/2006/main">
   <p:cSld>
@@ -8928,52 +11206,379 @@
           <a:chExt cx="0" cy="0"/>
         </a:xfrm>
       </p:grpSpPr>
-      <p:sp>
-        <p:nvSpPr>
-          <p:cNvPr id="2" name="Título 1">
-            <a:extLst>
-              <a:ext uri="{FF2B5EF4-FFF2-40B4-BE49-F238E27FC236}">
-                <a16:creationId xmlns:a16="http://schemas.microsoft.com/office/drawing/2014/main" id="{F0AD2A95-FC5A-E232-0ECA-D19A648A368F}"/>
-              </a:ext>
-            </a:extLst>
-          </p:cNvPr>
-          <p:cNvSpPr>
-            <a:spLocks noGrp="1"/>
-          </p:cNvSpPr>
-          <p:nvPr>
-            <p:ph type="title"/>
+      <p:sp useBgFill="1">
+        <p:nvSpPr>
+          <p:cNvPr id="33" name="Rectangle 32">
+            <a:extLst>
+              <a:ext uri="{FF2B5EF4-FFF2-40B4-BE49-F238E27FC236}">
+                <a16:creationId xmlns:a16="http://schemas.microsoft.com/office/drawing/2014/main" id="{B712E947-0734-45F9-9C4F-41114EC3A33E}"/>
+              </a:ext>
+              <a:ext uri="{C183D7F6-B498-43B3-948B-1728B52AA6E4}">
+                <adec:decorative xmlns:adec="http://schemas.microsoft.com/office/drawing/2017/decorative" val="1"/>
+              </a:ext>
+            </a:extLst>
+          </p:cNvPr>
+          <p:cNvSpPr>
+            <a:spLocks noGrp="1" noRot="1" noChangeAspect="1" noMove="1" noResize="1" noEditPoints="1" noAdjustHandles="1" noChangeArrowheads="1" noChangeShapeType="1" noTextEdit="1"/>
+          </p:cNvSpPr>
+          <p:nvPr>
+            <p:extLst>
+              <p:ext uri="{386F3935-93C4-4BCD-93E2-E3B085C9AB24}">
+                <p16:designElem xmlns:p16="http://schemas.microsoft.com/office/powerpoint/2015/main" val="1"/>
+              </p:ext>
+            </p:extLst>
           </p:nvPr>
         </p:nvSpPr>
         <p:spPr>
           <a:xfrm>
-            <a:off x="6417733" y="490537"/>
-            <a:ext cx="5291663" cy="1628775"/>
+            <a:off x="14285" y="0"/>
+            <a:ext cx="12192000" cy="6858000"/>
+          </a:xfrm>
+          <a:prstGeom prst="rect">
+            <a:avLst/>
+          </a:prstGeom>
+          <a:ln w="12700" cap="flat" cmpd="sng" algn="ctr">
+            <a:noFill/>
+            <a:prstDash val="solid"/>
+            <a:miter lim="800000"/>
+          </a:ln>
+          <a:effectLst/>
+          <a:extLst>
+            <a:ext uri="{91240B29-F687-4F45-9708-019B960494DF}">
+              <a14:hiddenLine xmlns:a14="http://schemas.microsoft.com/office/drawing/2010/main" w="12700" cap="flat" cmpd="sng" algn="ctr">
+                <a:solidFill>
+                  <a:schemeClr val="accent1">
+                    <a:shade val="50000"/>
+                  </a:schemeClr>
+                </a:solidFill>
+                <a:prstDash val="solid"/>
+                <a:miter lim="800000"/>
+              </a14:hiddenLine>
+            </a:ext>
+          </a:extLst>
+        </p:spPr>
+        <p:style>
+          <a:lnRef idx="2">
+            <a:schemeClr val="accent1">
+              <a:shade val="50000"/>
+            </a:schemeClr>
+          </a:lnRef>
+          <a:fillRef idx="1">
+            <a:schemeClr val="accent1"/>
+          </a:fillRef>
+          <a:effectRef idx="0">
+            <a:schemeClr val="accent1"/>
+          </a:effectRef>
+          <a:fontRef idx="minor">
+            <a:schemeClr val="lt1"/>
+          </a:fontRef>
+        </p:style>
+        <p:txBody>
+          <a:bodyPr rtlCol="0" anchor="ctr"/>
+          <a:lstStyle/>
+          <a:p>
+            <a:pPr algn="ctr"/>
+            <a:endParaRPr lang="en-US"/>
+          </a:p>
+        </p:txBody>
+      </p:sp>
+      <p:grpSp>
+        <p:nvGrpSpPr>
+          <p:cNvPr id="35" name="Group 34">
+            <a:extLst>
+              <a:ext uri="{FF2B5EF4-FFF2-40B4-BE49-F238E27FC236}">
+                <a16:creationId xmlns:a16="http://schemas.microsoft.com/office/drawing/2014/main" id="{12B3290A-D3BF-4B87-B55B-FD9A98B49727}"/>
+              </a:ext>
+              <a:ext uri="{C183D7F6-B498-43B3-948B-1728B52AA6E4}">
+                <adec:decorative xmlns:adec="http://schemas.microsoft.com/office/drawing/2017/decorative" val="1"/>
+              </a:ext>
+            </a:extLst>
+          </p:cNvPr>
+          <p:cNvGrpSpPr>
+            <a:grpSpLocks noGrp="1" noUngrp="1" noRot="1" noChangeAspect="1" noMove="1" noResize="1"/>
+          </p:cNvGrpSpPr>
+          <p:nvPr>
+            <p:extLst>
+              <p:ext uri="{386F3935-93C4-4BCD-93E2-E3B085C9AB24}">
+                <p16:designElem xmlns:p16="http://schemas.microsoft.com/office/powerpoint/2015/main" val="1"/>
+              </p:ext>
+            </p:extLst>
+          </p:nvPr>
+        </p:nvGrpSpPr>
+        <p:grpSpPr>
+          <a:xfrm>
+            <a:off x="0" y="0"/>
+            <a:ext cx="12199030" cy="1576446"/>
+            <a:chOff x="0" y="0"/>
+            <a:chExt cx="12192002" cy="1576446"/>
+          </a:xfrm>
+        </p:grpSpPr>
+        <p:sp>
+          <p:nvSpPr>
+            <p:cNvPr id="36" name="Rectangle 35">
+              <a:extLst>
+                <a:ext uri="{FF2B5EF4-FFF2-40B4-BE49-F238E27FC236}">
+                  <a16:creationId xmlns:a16="http://schemas.microsoft.com/office/drawing/2014/main" id="{033A715A-0686-440A-8F40-441B42A6605C}"/>
+                </a:ext>
+                <a:ext uri="{C183D7F6-B498-43B3-948B-1728B52AA6E4}">
+                  <adec:decorative xmlns:adec="http://schemas.microsoft.com/office/drawing/2017/decorative" val="1"/>
+                </a:ext>
+              </a:extLst>
+            </p:cNvPr>
+            <p:cNvSpPr/>
+            <p:nvPr>
+              <p:extLst>
+                <p:ext uri="{386F3935-93C4-4BCD-93E2-E3B085C9AB24}">
+                  <p16:designElem xmlns:p16="http://schemas.microsoft.com/office/powerpoint/2015/main" val="1"/>
+                </p:ext>
+              </p:extLst>
+            </p:nvPr>
+          </p:nvSpPr>
+          <p:spPr>
+            <a:xfrm rot="10800000" flipH="1">
+              <a:off x="2" y="0"/>
+              <a:ext cx="12191998" cy="1575955"/>
+            </a:xfrm>
+            <a:prstGeom prst="rect">
+              <a:avLst/>
+            </a:prstGeom>
+            <a:gradFill>
+              <a:gsLst>
+                <a:gs pos="0">
+                  <a:srgbClr val="000000">
+                    <a:alpha val="96000"/>
+                  </a:srgbClr>
+                </a:gs>
+                <a:gs pos="100000">
+                  <a:schemeClr val="accent1">
+                    <a:lumMod val="75000"/>
+                  </a:schemeClr>
+                </a:gs>
+              </a:gsLst>
+              <a:lin ang="8400000" scaled="0"/>
+            </a:gradFill>
+            <a:ln>
+              <a:noFill/>
+            </a:ln>
+          </p:spPr>
+          <p:style>
+            <a:lnRef idx="2">
+              <a:schemeClr val="accent1">
+                <a:shade val="50000"/>
+              </a:schemeClr>
+            </a:lnRef>
+            <a:fillRef idx="1">
+              <a:schemeClr val="accent1"/>
+            </a:fillRef>
+            <a:effectRef idx="0">
+              <a:schemeClr val="accent1"/>
+            </a:effectRef>
+            <a:fontRef idx="minor">
+              <a:schemeClr val="lt1"/>
+            </a:fontRef>
+          </p:style>
+          <p:txBody>
+            <a:bodyPr rtlCol="0" anchor="ctr"/>
+            <a:lstStyle/>
+            <a:p>
+              <a:pPr algn="ctr"/>
+              <a:endParaRPr lang="en-US"/>
+            </a:p>
+          </p:txBody>
+        </p:sp>
+        <p:sp>
+          <p:nvSpPr>
+            <p:cNvPr id="37" name="Rectangle 36">
+              <a:extLst>
+                <a:ext uri="{FF2B5EF4-FFF2-40B4-BE49-F238E27FC236}">
+                  <a16:creationId xmlns:a16="http://schemas.microsoft.com/office/drawing/2014/main" id="{4761657F-19F2-425B-B7E9-0118CD13C334}"/>
+                </a:ext>
+                <a:ext uri="{C183D7F6-B498-43B3-948B-1728B52AA6E4}">
+                  <adec:decorative xmlns:adec="http://schemas.microsoft.com/office/drawing/2017/decorative" val="1"/>
+                </a:ext>
+              </a:extLst>
+            </p:cNvPr>
+            <p:cNvSpPr/>
+            <p:nvPr>
+              <p:extLst>
+                <p:ext uri="{386F3935-93C4-4BCD-93E2-E3B085C9AB24}">
+                  <p16:designElem xmlns:p16="http://schemas.microsoft.com/office/powerpoint/2015/main" val="1"/>
+                </p:ext>
+              </p:extLst>
+            </p:nvPr>
+          </p:nvSpPr>
+          <p:spPr>
+            <a:xfrm rot="16200000">
+              <a:off x="5307778" y="-5307778"/>
+              <a:ext cx="1576446" cy="12192002"/>
+            </a:xfrm>
+            <a:prstGeom prst="rect">
+              <a:avLst/>
+            </a:prstGeom>
+            <a:gradFill>
+              <a:gsLst>
+                <a:gs pos="45000">
+                  <a:schemeClr val="accent1">
+                    <a:alpha val="0"/>
+                  </a:schemeClr>
+                </a:gs>
+                <a:gs pos="99000">
+                  <a:srgbClr val="000000">
+                    <a:alpha val="74000"/>
+                  </a:srgbClr>
+                </a:gs>
+              </a:gsLst>
+              <a:lin ang="11400000" scaled="0"/>
+            </a:gradFill>
+            <a:ln>
+              <a:noFill/>
+            </a:ln>
+          </p:spPr>
+          <p:style>
+            <a:lnRef idx="2">
+              <a:schemeClr val="accent1">
+                <a:shade val="50000"/>
+              </a:schemeClr>
+            </a:lnRef>
+            <a:fillRef idx="1">
+              <a:schemeClr val="accent1"/>
+            </a:fillRef>
+            <a:effectRef idx="0">
+              <a:schemeClr val="accent1"/>
+            </a:effectRef>
+            <a:fontRef idx="minor">
+              <a:schemeClr val="lt1"/>
+            </a:fontRef>
+          </p:style>
+          <p:txBody>
+            <a:bodyPr rtlCol="0" anchor="ctr"/>
+            <a:lstStyle/>
+            <a:p>
+              <a:pPr algn="ctr"/>
+              <a:endParaRPr lang="en-US" dirty="0"/>
+            </a:p>
+          </p:txBody>
+        </p:sp>
+        <p:sp>
+          <p:nvSpPr>
+            <p:cNvPr id="38" name="Rectangle 37">
+              <a:extLst>
+                <a:ext uri="{FF2B5EF4-FFF2-40B4-BE49-F238E27FC236}">
+                  <a16:creationId xmlns:a16="http://schemas.microsoft.com/office/drawing/2014/main" id="{E27B6634-79D3-4EDD-A77A-1065D6F3A4F2}"/>
+                </a:ext>
+                <a:ext uri="{C183D7F6-B498-43B3-948B-1728B52AA6E4}">
+                  <adec:decorative xmlns:adec="http://schemas.microsoft.com/office/drawing/2017/decorative" val="1"/>
+                </a:ext>
+              </a:extLst>
+            </p:cNvPr>
+            <p:cNvSpPr/>
+            <p:nvPr>
+              <p:extLst>
+                <p:ext uri="{386F3935-93C4-4BCD-93E2-E3B085C9AB24}">
+                  <p16:designElem xmlns:p16="http://schemas.microsoft.com/office/powerpoint/2015/main" val="1"/>
+                </p:ext>
+              </p:extLst>
+            </p:nvPr>
+          </p:nvSpPr>
+          <p:spPr>
+            <a:xfrm>
+              <a:off x="3825434" y="0"/>
+              <a:ext cx="4303422" cy="1575461"/>
+            </a:xfrm>
+            <a:prstGeom prst="rect">
+              <a:avLst/>
+            </a:prstGeom>
+            <a:gradFill>
+              <a:gsLst>
+                <a:gs pos="0">
+                  <a:schemeClr val="accent1">
+                    <a:alpha val="17000"/>
+                  </a:schemeClr>
+                </a:gs>
+                <a:gs pos="74000">
+                  <a:schemeClr val="accent1">
+                    <a:lumMod val="50000"/>
+                    <a:alpha val="0"/>
+                  </a:schemeClr>
+                </a:gs>
+              </a:gsLst>
+              <a:lin ang="14400000" scaled="0"/>
+            </a:gradFill>
+            <a:ln>
+              <a:noFill/>
+            </a:ln>
+          </p:spPr>
+          <p:style>
+            <a:lnRef idx="2">
+              <a:schemeClr val="accent1">
+                <a:shade val="50000"/>
+              </a:schemeClr>
+            </a:lnRef>
+            <a:fillRef idx="1">
+              <a:schemeClr val="accent1"/>
+            </a:fillRef>
+            <a:effectRef idx="0">
+              <a:schemeClr val="accent1"/>
+            </a:effectRef>
+            <a:fontRef idx="minor">
+              <a:schemeClr val="lt1"/>
+            </a:fontRef>
+          </p:style>
+          <p:txBody>
+            <a:bodyPr rtlCol="0" anchor="ctr"/>
+            <a:lstStyle/>
+            <a:p>
+              <a:pPr algn="ctr"/>
+              <a:endParaRPr lang="en-US"/>
+            </a:p>
+          </p:txBody>
+        </p:sp>
+      </p:grpSp>
+      <p:sp>
+        <p:nvSpPr>
+          <p:cNvPr id="2" name="Título 1">
+            <a:extLst>
+              <a:ext uri="{FF2B5EF4-FFF2-40B4-BE49-F238E27FC236}">
+                <a16:creationId xmlns:a16="http://schemas.microsoft.com/office/drawing/2014/main" id="{8A51494F-7D80-720B-125E-BCDF84FC09A5}"/>
+              </a:ext>
+            </a:extLst>
+          </p:cNvPr>
+          <p:cNvSpPr>
+            <a:spLocks noGrp="1"/>
+          </p:cNvSpPr>
+          <p:nvPr>
+            <p:ph type="title"/>
+          </p:nvPr>
+        </p:nvSpPr>
+        <p:spPr>
+          <a:xfrm>
+            <a:off x="1371598" y="319314"/>
+            <a:ext cx="9477377" cy="1030515"/>
           </a:xfrm>
         </p:spPr>
         <p:txBody>
-          <a:bodyPr anchor="b">
+          <a:bodyPr anchor="ctr">
             <a:normAutofit/>
           </a:bodyPr>
           <a:lstStyle/>
           <a:p>
             <a:r>
-              <a:rPr lang="es-ES" sz="3700" dirty="0"/>
-              <a:t>Correlaciones :  </a:t>
-            </a:r>
-            <a:r>
-              <a:rPr lang="es-ES" sz="3700" i="1" dirty="0"/>
-              <a:t>Relaciones entre variables</a:t>
-            </a:r>
-            <a:endParaRPr lang="es-ES" sz="3700" dirty="0"/>
+              <a:rPr lang="es-ES" sz="4000">
+                <a:solidFill>
+                  <a:srgbClr val="FFFFFF"/>
+                </a:solidFill>
+              </a:rPr>
+              <a:t>Boxplot</a:t>
+            </a:r>
           </a:p>
         </p:txBody>
       </p:sp>
       <p:pic>
         <p:nvPicPr>
-          <p:cNvPr id="5" name="Marcador de contenido 4" descr="Gráfico&#10;&#10;Descripción generada automáticamente con confianza media">
-            <a:extLst>
-              <a:ext uri="{FF2B5EF4-FFF2-40B4-BE49-F238E27FC236}">
-                <a16:creationId xmlns:a16="http://schemas.microsoft.com/office/drawing/2014/main" id="{3DBF2EB2-F1C1-8E68-89AA-4FD589935A51}"/>
+          <p:cNvPr id="9" name="Imagen 8" descr="Gráfico, Gráfico de cajas y bigotes&#10;&#10;Descripción generada automáticamente">
+            <a:extLst>
+              <a:ext uri="{FF2B5EF4-FFF2-40B4-BE49-F238E27FC236}">
+                <a16:creationId xmlns:a16="http://schemas.microsoft.com/office/drawing/2014/main" id="{8BD0DF99-90A7-1D72-ABAE-9068BE8F8FFB}"/>
               </a:ext>
             </a:extLst>
           </p:cNvPr>
@@ -8990,548 +11595,121 @@
               </a:ext>
             </a:extLst>
           </a:blip>
-          <a:srcRect l="469" r="4694"/>
           <a:stretch/>
         </p:blipFill>
         <p:spPr>
           <a:xfrm>
-            <a:off x="2" y="1587"/>
-            <a:ext cx="6095999" cy="6856413"/>
-          </a:xfrm>
-          <a:custGeom>
-            <a:avLst/>
-            <a:gdLst/>
-            <a:ahLst/>
-            <a:cxnLst/>
-            <a:rect l="l" t="t" r="r" b="b"/>
-            <a:pathLst>
-              <a:path w="6649908" h="6856413">
-                <a:moveTo>
-                  <a:pt x="0" y="0"/>
-                </a:moveTo>
-                <a:lnTo>
-                  <a:pt x="6559859" y="0"/>
-                </a:lnTo>
-                <a:lnTo>
-                  <a:pt x="6572145" y="79394"/>
-                </a:lnTo>
-                <a:cubicBezTo>
-                  <a:pt x="6857782" y="2230562"/>
-                  <a:pt x="6243159" y="4473353"/>
-                  <a:pt x="6528796" y="6624522"/>
-                </a:cubicBezTo>
-                <a:lnTo>
-                  <a:pt x="6564680" y="6856413"/>
-                </a:lnTo>
-                <a:lnTo>
-                  <a:pt x="0" y="6856413"/>
-                </a:lnTo>
-                <a:close/>
-              </a:path>
-            </a:pathLst>
-          </a:custGeom>
-        </p:spPr>
-      </p:pic>
-      <p:sp>
-        <p:nvSpPr>
-          <p:cNvPr id="6" name="Rectangle 1">
-            <a:extLst>
-              <a:ext uri="{FF2B5EF4-FFF2-40B4-BE49-F238E27FC236}">
-                <a16:creationId xmlns:a16="http://schemas.microsoft.com/office/drawing/2014/main" id="{4C4EA64A-E9BA-1B9B-61C9-333F0A092752}"/>
-              </a:ext>
-            </a:extLst>
-          </p:cNvPr>
-          <p:cNvSpPr>
-            <a:spLocks noGrp="1" noChangeArrowheads="1"/>
-          </p:cNvSpPr>
-          <p:nvPr>
-            <p:ph idx="1"/>
-          </p:nvPr>
-        </p:nvSpPr>
-        <p:spPr bwMode="auto">
-          <a:xfrm>
-            <a:off x="6246722" y="2253999"/>
-            <a:ext cx="5462674" cy="3077766"/>
+            <a:off x="1371598" y="2075301"/>
+            <a:ext cx="4565251" cy="2567953"/>
           </a:xfrm>
           <a:prstGeom prst="rect">
             <a:avLst/>
           </a:prstGeom>
-          <a:noFill/>
-          <a:ln>
-            <a:noFill/>
-          </a:ln>
-          <a:effectLst/>
-          <a:extLst>
-            <a:ext uri="{909E8E84-426E-40DD-AFC4-6F175D3DCCD1}">
-              <a14:hiddenFill xmlns:a14="http://schemas.microsoft.com/office/drawing/2010/main">
-                <a:solidFill>
-                  <a:schemeClr val="accent1"/>
-                </a:solidFill>
-              </a14:hiddenFill>
-            </a:ext>
-            <a:ext uri="{91240B29-F687-4F45-9708-019B960494DF}">
-              <a14:hiddenLine xmlns:a14="http://schemas.microsoft.com/office/drawing/2010/main" w="9525">
-                <a:solidFill>
-                  <a:schemeClr val="tx1"/>
-                </a:solidFill>
-                <a:miter lim="800000"/>
-                <a:headEnd/>
-                <a:tailEnd/>
-              </a14:hiddenLine>
-            </a:ext>
-            <a:ext uri="{AF507438-7753-43E0-B8FC-AC1667EBCBE1}">
-              <a14:hiddenEffects xmlns:a14="http://schemas.microsoft.com/office/drawing/2010/main">
-                <a:effectLst>
-                  <a:outerShdw dist="35921" dir="2700000" algn="ctr" rotWithShape="0">
-                    <a:schemeClr val="bg2"/>
-                  </a:outerShdw>
-                </a:effectLst>
-              </a14:hiddenEffects>
-            </a:ext>
-          </a:extLst>
         </p:spPr>
-        <p:txBody>
-          <a:bodyPr vert="horz" wrap="square" lIns="91440" tIns="45720" rIns="91440" bIns="45720" numCol="1" anchor="ctr" anchorCtr="0" compatLnSpc="1">
-            <a:prstTxWarp prst="textNoShape">
-              <a:avLst/>
-            </a:prstTxWarp>
-            <a:spAutoFit/>
+      </p:pic>
+      <p:pic>
+        <p:nvPicPr>
+          <p:cNvPr id="7" name="Marcador de contenido 6" descr="Gráfico&#10;&#10;Descripción generada automáticamente">
+            <a:extLst>
+              <a:ext uri="{FF2B5EF4-FFF2-40B4-BE49-F238E27FC236}">
+                <a16:creationId xmlns:a16="http://schemas.microsoft.com/office/drawing/2014/main" id="{3959B08E-F56A-1C0A-0FF4-638232C0F305}"/>
+              </a:ext>
+            </a:extLst>
+          </p:cNvPr>
+          <p:cNvPicPr>
+            <a:picLocks noChangeAspect="1"/>
+          </p:cNvPicPr>
+          <p:nvPr/>
+        </p:nvPicPr>
+        <p:blipFill>
+          <a:blip r:embed="rId3">
+            <a:extLst>
+              <a:ext uri="{28A0092B-C50C-407E-A947-70E740481C1C}">
+                <a14:useLocalDpi xmlns:a14="http://schemas.microsoft.com/office/drawing/2010/main" val="0"/>
+              </a:ext>
+            </a:extLst>
+          </a:blip>
+          <a:stretch/>
+        </p:blipFill>
+        <p:spPr>
+          <a:xfrm>
+            <a:off x="6267671" y="2088963"/>
+            <a:ext cx="4600354" cy="2587699"/>
+          </a:xfrm>
+          <a:prstGeom prst="rect">
+            <a:avLst/>
+          </a:prstGeom>
+        </p:spPr>
+      </p:pic>
+      <p:sp>
+        <p:nvSpPr>
+          <p:cNvPr id="20" name="Content Placeholder 12">
+            <a:extLst>
+              <a:ext uri="{FF2B5EF4-FFF2-40B4-BE49-F238E27FC236}">
+                <a16:creationId xmlns:a16="http://schemas.microsoft.com/office/drawing/2014/main" id="{48AA5521-872E-B076-0B17-F6ED38AFC44D}"/>
+              </a:ext>
+            </a:extLst>
+          </p:cNvPr>
+          <p:cNvSpPr>
+            <a:spLocks noGrp="1"/>
+          </p:cNvSpPr>
+          <p:nvPr>
+            <p:ph idx="1"/>
+          </p:nvPr>
+        </p:nvSpPr>
+        <p:spPr>
+          <a:xfrm>
+            <a:off x="1371598" y="5070346"/>
+            <a:ext cx="9496427" cy="1385266"/>
+          </a:xfrm>
+        </p:spPr>
+        <p:txBody>
+          <a:bodyPr>
+            <a:normAutofit/>
           </a:bodyPr>
           <a:lstStyle/>
           <a:p>
-            <a:pPr marL="0" marR="0" lvl="0" indent="0" algn="l" defTabSz="914400" rtl="0" eaLnBrk="0" fontAlgn="base" latinLnBrk="0" hangingPunct="0">
-              <a:lnSpc>
-                <a:spcPct val="100000"/>
-              </a:lnSpc>
-              <a:spcBef>
-                <a:spcPct val="0"/>
-              </a:spcBef>
-              <a:spcAft>
-                <a:spcPct val="0"/>
-              </a:spcAft>
-              <a:buClrTx/>
-              <a:buSzTx/>
-              <a:buFontTx/>
-              <a:buChar char="•"/>
-              <a:tabLst/>
-            </a:pPr>
-            <a:r>
-              <a:rPr kumimoji="0" lang="es-ES" altLang="es-ES" sz="1600" b="1" i="0" u="none" strike="noStrike" cap="none" normalizeH="0" baseline="0" dirty="0">
-                <a:ln>
-                  <a:noFill/>
-                </a:ln>
-                <a:solidFill>
-                  <a:schemeClr val="tx1"/>
-                </a:solidFill>
+            <a:r>
+              <a:rPr lang="es-ES" sz="1500" b="0" dirty="0">
                 <a:effectLst/>
                 <a:latin typeface="+mj-lt"/>
               </a:rPr>
-              <a:t>Tabla de correlación:</a:t>
-            </a:r>
-          </a:p>
-          <a:p>
-            <a:pPr marL="0" marR="0" lvl="0" indent="0" algn="l" defTabSz="914400" rtl="0" eaLnBrk="0" fontAlgn="base" latinLnBrk="0" hangingPunct="0">
-              <a:lnSpc>
-                <a:spcPct val="100000"/>
-              </a:lnSpc>
-              <a:spcBef>
-                <a:spcPct val="0"/>
-              </a:spcBef>
-              <a:spcAft>
-                <a:spcPct val="0"/>
-              </a:spcAft>
-              <a:buClrTx/>
-              <a:buSzTx/>
-              <a:buFontTx/>
-              <a:buChar char="•"/>
-              <a:tabLst/>
-            </a:pPr>
-            <a:endParaRPr kumimoji="0" lang="es-ES" altLang="es-ES" sz="1600" b="0" i="0" u="none" strike="noStrike" cap="none" normalizeH="0" baseline="0" dirty="0">
-              <a:ln>
-                <a:noFill/>
-              </a:ln>
-              <a:solidFill>
-                <a:schemeClr val="tx1"/>
-              </a:solidFill>
-              <a:effectLst/>
+              <a:t> La distribución de Score parece estar centrada en valores moderados, con pocas calificaciones extremadamente bajas o extremadamente altas. Esto puede indicar que la mayoría de los elementos son "aceptables" a "buenos", y las calificaciones extremas son menos comunes.</a:t>
+            </a:r>
+            <a:endParaRPr lang="es-ES" sz="1500" dirty="0">
               <a:latin typeface="+mj-lt"/>
             </a:endParaRPr>
           </a:p>
           <a:p>
-            <a:pPr marL="0" marR="0" lvl="0" indent="0" algn="l" defTabSz="914400" rtl="0" eaLnBrk="0" fontAlgn="base" latinLnBrk="0" hangingPunct="0">
-              <a:lnSpc>
-                <a:spcPct val="100000"/>
-              </a:lnSpc>
-              <a:spcBef>
-                <a:spcPct val="0"/>
-              </a:spcBef>
-              <a:spcAft>
-                <a:spcPct val="0"/>
-              </a:spcAft>
-              <a:buClrTx/>
-              <a:buSzTx/>
-              <a:buFontTx/>
-              <a:buChar char="•"/>
-              <a:tabLst/>
-            </a:pPr>
-            <a:r>
-              <a:rPr kumimoji="0" lang="es-ES" altLang="es-ES" sz="1600" b="0" i="0" u="none" strike="noStrike" cap="none" normalizeH="0" baseline="0" dirty="0">
-                <a:ln>
-                  <a:noFill/>
-                </a:ln>
-                <a:solidFill>
-                  <a:schemeClr val="tx1"/>
-                </a:solidFill>
+            <a:r>
+              <a:rPr lang="es-ES" sz="1500" dirty="0" err="1">
+                <a:latin typeface="+mj-lt"/>
+              </a:rPr>
+              <a:t>Date_int</a:t>
+            </a:r>
+            <a:r>
+              <a:rPr lang="es-ES" sz="1500" dirty="0">
+                <a:latin typeface="+mj-lt"/>
+              </a:rPr>
+              <a:t> : </a:t>
+            </a:r>
+            <a:r>
+              <a:rPr lang="es-ES" sz="1500" b="0" dirty="0">
                 <a:effectLst/>
                 <a:latin typeface="+mj-lt"/>
               </a:rPr>
-              <a:t>Correlación entre Score y </a:t>
-            </a:r>
-            <a:r>
-              <a:rPr kumimoji="0" lang="es-ES" altLang="es-ES" sz="1600" b="0" i="0" u="none" strike="noStrike" cap="none" normalizeH="0" baseline="0" dirty="0" err="1">
-                <a:ln>
-                  <a:noFill/>
-                </a:ln>
-                <a:solidFill>
-                  <a:schemeClr val="tx1"/>
-                </a:solidFill>
-                <a:effectLst/>
-                <a:latin typeface="+mj-lt"/>
-              </a:rPr>
-              <a:t>members</a:t>
-            </a:r>
-            <a:r>
-              <a:rPr kumimoji="0" lang="es-ES" altLang="es-ES" sz="1600" b="0" i="0" u="none" strike="noStrike" cap="none" normalizeH="0" baseline="0" dirty="0">
-                <a:ln>
-                  <a:noFill/>
-                </a:ln>
-                <a:solidFill>
-                  <a:schemeClr val="tx1"/>
-                </a:solidFill>
-                <a:effectLst/>
-                <a:latin typeface="+mj-lt"/>
-              </a:rPr>
-              <a:t>: </a:t>
-            </a:r>
-            <a:r>
-              <a:rPr kumimoji="0" lang="es-ES" altLang="es-ES" sz="1600" b="1" i="0" u="none" strike="noStrike" cap="none" normalizeH="0" baseline="0" dirty="0">
-                <a:ln>
-                  <a:noFill/>
-                </a:ln>
-                <a:solidFill>
-                  <a:schemeClr val="tx1"/>
-                </a:solidFill>
-                <a:effectLst/>
-                <a:latin typeface="+mj-lt"/>
-              </a:rPr>
-              <a:t>0.41</a:t>
-            </a:r>
-            <a:r>
-              <a:rPr kumimoji="0" lang="es-ES" altLang="es-ES" sz="1600" b="0" i="0" u="none" strike="noStrike" cap="none" normalizeH="0" baseline="0" dirty="0">
-                <a:ln>
-                  <a:noFill/>
-                </a:ln>
-                <a:solidFill>
-                  <a:schemeClr val="tx1"/>
-                </a:solidFill>
-                <a:effectLst/>
-                <a:latin typeface="+mj-lt"/>
-              </a:rPr>
-              <a:t> (relación positiva).</a:t>
-            </a:r>
-          </a:p>
-          <a:p>
-            <a:pPr marL="0" marR="0" lvl="0" indent="0" algn="l" defTabSz="914400" rtl="0" eaLnBrk="0" fontAlgn="base" latinLnBrk="0" hangingPunct="0">
-              <a:lnSpc>
-                <a:spcPct val="100000"/>
-              </a:lnSpc>
-              <a:spcBef>
-                <a:spcPct val="0"/>
-              </a:spcBef>
-              <a:spcAft>
-                <a:spcPct val="0"/>
-              </a:spcAft>
-              <a:buClrTx/>
-              <a:buSzTx/>
-              <a:buFontTx/>
-              <a:buChar char="•"/>
-              <a:tabLst/>
-            </a:pPr>
-            <a:r>
-              <a:rPr kumimoji="0" lang="es-ES" altLang="es-ES" sz="1600" b="0" i="0" u="none" strike="noStrike" cap="none" normalizeH="0" baseline="0" dirty="0">
-                <a:ln>
-                  <a:noFill/>
-                </a:ln>
-                <a:solidFill>
-                  <a:schemeClr val="tx1"/>
-                </a:solidFill>
-                <a:effectLst/>
-                <a:latin typeface="+mj-lt"/>
-              </a:rPr>
-              <a:t>Correlación negativa alta entre Rank y Score: </a:t>
-            </a:r>
-            <a:r>
-              <a:rPr kumimoji="0" lang="es-ES" altLang="es-ES" sz="1600" b="1" i="0" u="none" strike="noStrike" cap="none" normalizeH="0" baseline="0" dirty="0">
-                <a:ln>
-                  <a:noFill/>
-                </a:ln>
-                <a:solidFill>
-                  <a:schemeClr val="tx1"/>
-                </a:solidFill>
-                <a:effectLst/>
-                <a:latin typeface="+mj-lt"/>
-              </a:rPr>
-              <a:t>-0.97</a:t>
-            </a:r>
-            <a:r>
-              <a:rPr kumimoji="0" lang="es-ES" altLang="es-ES" sz="1600" b="0" i="0" u="none" strike="noStrike" cap="none" normalizeH="0" baseline="0" dirty="0">
-                <a:ln>
-                  <a:noFill/>
-                </a:ln>
-                <a:solidFill>
-                  <a:schemeClr val="tx1"/>
-                </a:solidFill>
-                <a:effectLst/>
-                <a:latin typeface="+mj-lt"/>
-              </a:rPr>
-              <a:t> (mejor puntuación, mejor ranking).</a:t>
-            </a:r>
-          </a:p>
-          <a:p>
-            <a:pPr marL="0" marR="0" lvl="0" indent="0" algn="l" defTabSz="914400" rtl="0" eaLnBrk="0" fontAlgn="base" latinLnBrk="0" hangingPunct="0">
-              <a:lnSpc>
-                <a:spcPct val="100000"/>
-              </a:lnSpc>
-              <a:spcBef>
-                <a:spcPct val="0"/>
-              </a:spcBef>
-              <a:spcAft>
-                <a:spcPct val="0"/>
-              </a:spcAft>
-              <a:buClrTx/>
-              <a:buSzTx/>
-              <a:buFontTx/>
-              <a:buChar char="•"/>
-              <a:tabLst/>
-            </a:pPr>
-            <a:r>
-              <a:rPr kumimoji="0" lang="es-ES" altLang="es-ES" sz="1600" b="0" i="0" u="none" strike="noStrike" cap="none" normalizeH="0" baseline="0" dirty="0">
-                <a:ln>
-                  <a:noFill/>
-                </a:ln>
-                <a:solidFill>
-                  <a:schemeClr val="tx1"/>
-                </a:solidFill>
-                <a:effectLst/>
-                <a:latin typeface="+mj-lt"/>
-              </a:rPr>
-              <a:t>Relación moderada entre rating y </a:t>
-            </a:r>
-            <a:r>
-              <a:rPr kumimoji="0" lang="es-ES" altLang="es-ES" sz="1600" b="0" i="0" u="none" strike="noStrike" cap="none" normalizeH="0" baseline="0" dirty="0" err="1">
-                <a:ln>
-                  <a:noFill/>
-                </a:ln>
-                <a:solidFill>
-                  <a:schemeClr val="tx1"/>
-                </a:solidFill>
-                <a:effectLst/>
-                <a:latin typeface="+mj-lt"/>
-              </a:rPr>
-              <a:t>members</a:t>
-            </a:r>
-            <a:r>
-              <a:rPr kumimoji="0" lang="es-ES" altLang="es-ES" sz="1600" b="0" i="0" u="none" strike="noStrike" cap="none" normalizeH="0" baseline="0" dirty="0">
-                <a:ln>
-                  <a:noFill/>
-                </a:ln>
-                <a:solidFill>
-                  <a:schemeClr val="tx1"/>
-                </a:solidFill>
-                <a:effectLst/>
-                <a:latin typeface="+mj-lt"/>
-              </a:rPr>
-              <a:t>: </a:t>
-            </a:r>
-            <a:r>
-              <a:rPr kumimoji="0" lang="es-ES" altLang="es-ES" sz="1600" b="1" i="0" u="none" strike="noStrike" cap="none" normalizeH="0" baseline="0" dirty="0">
-                <a:ln>
-                  <a:noFill/>
-                </a:ln>
-                <a:solidFill>
-                  <a:schemeClr val="tx1"/>
-                </a:solidFill>
-                <a:effectLst/>
-                <a:latin typeface="+mj-lt"/>
-              </a:rPr>
-              <a:t>0.37</a:t>
-            </a:r>
-            <a:r>
-              <a:rPr kumimoji="0" lang="es-ES" altLang="es-ES" sz="1600" b="0" i="0" u="none" strike="noStrike" cap="none" normalizeH="0" baseline="0" dirty="0">
-                <a:ln>
-                  <a:noFill/>
-                </a:ln>
-                <a:solidFill>
-                  <a:schemeClr val="tx1"/>
-                </a:solidFill>
-                <a:effectLst/>
-                <a:latin typeface="+mj-lt"/>
-              </a:rPr>
-              <a:t>.</a:t>
-            </a:r>
-          </a:p>
-          <a:p>
-            <a:pPr marL="0" marR="0" lvl="0" indent="0" algn="l" defTabSz="914400" rtl="0" eaLnBrk="0" fontAlgn="base" latinLnBrk="0" hangingPunct="0">
-              <a:lnSpc>
-                <a:spcPct val="100000"/>
-              </a:lnSpc>
-              <a:spcBef>
-                <a:spcPct val="0"/>
-              </a:spcBef>
-              <a:spcAft>
-                <a:spcPct val="0"/>
-              </a:spcAft>
-              <a:buClrTx/>
-              <a:buSzTx/>
-              <a:buFontTx/>
-              <a:buChar char="•"/>
-              <a:tabLst/>
-            </a:pPr>
-            <a:endParaRPr kumimoji="0" lang="es-ES" altLang="es-ES" sz="1600" b="0" i="0" u="none" strike="noStrike" cap="none" normalizeH="0" baseline="0" dirty="0">
-              <a:ln>
-                <a:noFill/>
-              </a:ln>
-              <a:solidFill>
-                <a:schemeClr val="tx1"/>
-              </a:solidFill>
-              <a:effectLst/>
-              <a:latin typeface="+mj-lt"/>
-            </a:endParaRPr>
-          </a:p>
-          <a:p>
-            <a:pPr marL="0" marR="0" lvl="0" indent="0" algn="l" defTabSz="914400" rtl="0" eaLnBrk="0" fontAlgn="base" latinLnBrk="0" hangingPunct="0">
-              <a:lnSpc>
-                <a:spcPct val="100000"/>
-              </a:lnSpc>
-              <a:spcBef>
-                <a:spcPct val="0"/>
-              </a:spcBef>
-              <a:spcAft>
-                <a:spcPct val="0"/>
-              </a:spcAft>
-              <a:buClrTx/>
-              <a:buSzTx/>
-              <a:buFontTx/>
-              <a:buChar char="•"/>
-              <a:tabLst/>
-            </a:pPr>
-            <a:r>
-              <a:rPr kumimoji="0" lang="es-ES" altLang="es-ES" sz="1600" b="1" i="0" u="none" strike="noStrike" cap="none" normalizeH="0" baseline="0" dirty="0">
-                <a:ln>
-                  <a:noFill/>
-                </a:ln>
-                <a:solidFill>
-                  <a:schemeClr val="tx1"/>
-                </a:solidFill>
-                <a:effectLst/>
-                <a:latin typeface="+mj-lt"/>
-              </a:rPr>
-              <a:t>Interpretaciones clave:</a:t>
-            </a:r>
-          </a:p>
-          <a:p>
-            <a:pPr marL="0" marR="0" lvl="0" indent="0" algn="l" defTabSz="914400" rtl="0" eaLnBrk="0" fontAlgn="base" latinLnBrk="0" hangingPunct="0">
-              <a:lnSpc>
-                <a:spcPct val="100000"/>
-              </a:lnSpc>
-              <a:spcBef>
-                <a:spcPct val="0"/>
-              </a:spcBef>
-              <a:spcAft>
-                <a:spcPct val="0"/>
-              </a:spcAft>
-              <a:buClrTx/>
-              <a:buSzTx/>
-              <a:buFontTx/>
-              <a:buChar char="•"/>
-              <a:tabLst/>
-            </a:pPr>
-            <a:endParaRPr kumimoji="0" lang="es-ES" altLang="es-ES" sz="1600" b="0" i="0" u="none" strike="noStrike" cap="none" normalizeH="0" baseline="0" dirty="0">
-              <a:ln>
-                <a:noFill/>
-              </a:ln>
-              <a:solidFill>
-                <a:schemeClr val="tx1"/>
-              </a:solidFill>
-              <a:effectLst/>
-              <a:latin typeface="+mj-lt"/>
-            </a:endParaRPr>
-          </a:p>
-          <a:p>
-            <a:pPr marL="0" marR="0" lvl="0" indent="0" algn="l" defTabSz="914400" rtl="0" eaLnBrk="0" fontAlgn="base" latinLnBrk="0" hangingPunct="0">
-              <a:lnSpc>
-                <a:spcPct val="100000"/>
-              </a:lnSpc>
-              <a:spcBef>
-                <a:spcPct val="0"/>
-              </a:spcBef>
-              <a:spcAft>
-                <a:spcPct val="0"/>
-              </a:spcAft>
-              <a:buClrTx/>
-              <a:buSzTx/>
-              <a:buFontTx/>
-              <a:buChar char="•"/>
-              <a:tabLst/>
-            </a:pPr>
-            <a:r>
-              <a:rPr kumimoji="0" lang="es-ES" altLang="es-ES" sz="1600" b="0" i="0" u="none" strike="noStrike" cap="none" normalizeH="0" baseline="0" dirty="0">
-                <a:ln>
-                  <a:noFill/>
-                </a:ln>
-                <a:solidFill>
-                  <a:schemeClr val="tx1"/>
-                </a:solidFill>
-                <a:effectLst/>
-                <a:latin typeface="+mj-lt"/>
-              </a:rPr>
-              <a:t>Los animes con alta puntuación tienden a tener más seguidores y mejor ranking.</a:t>
-            </a:r>
-          </a:p>
-          <a:p>
-            <a:pPr marL="0" marR="0" lvl="0" indent="0" algn="l" defTabSz="914400" rtl="0" eaLnBrk="0" fontAlgn="base" latinLnBrk="0" hangingPunct="0">
-              <a:lnSpc>
-                <a:spcPct val="100000"/>
-              </a:lnSpc>
-              <a:spcBef>
-                <a:spcPct val="0"/>
-              </a:spcBef>
-              <a:spcAft>
-                <a:spcPct val="0"/>
-              </a:spcAft>
-              <a:buClrTx/>
-              <a:buSzTx/>
-              <a:buFontTx/>
-              <a:buNone/>
-              <a:tabLst/>
-            </a:pPr>
-            <a:endParaRPr kumimoji="0" lang="es-ES" altLang="es-ES" sz="1800" b="0" i="0" u="none" strike="noStrike" cap="none" normalizeH="0" baseline="0" dirty="0">
-              <a:ln>
-                <a:noFill/>
-              </a:ln>
-              <a:solidFill>
-                <a:schemeClr val="tx1"/>
-              </a:solidFill>
-              <a:effectLst/>
-              <a:latin typeface="Arial" panose="020B0604020202020204" pitchFamily="34" charset="0"/>
-            </a:endParaRPr>
+              <a:t>Este análisis refleja que los datos están concentrados mayormente entre 1994 y 2012, con pocos registros fuera de ese rango. Los valores atípicos antes de 1970 podrían requerir verificación adicional.</a:t>
+            </a:r>
+          </a:p>
+          <a:p>
+            <a:endParaRPr lang="en-US" sz="2000" dirty="0"/>
           </a:p>
         </p:txBody>
       </p:sp>
     </p:spTree>
     <p:extLst>
       <p:ext uri="{BB962C8B-B14F-4D97-AF65-F5344CB8AC3E}">
-        <p14:creationId xmlns:p14="http://schemas.microsoft.com/office/powerpoint/2010/main" val="965611475"/>
+        <p14:creationId xmlns:p14="http://schemas.microsoft.com/office/powerpoint/2010/main" val="3495160690"/>
       </p:ext>
     </p:extLst>
   </p:cSld>
@@ -9568,10 +11746,10 @@
       </p:grpSpPr>
       <p:sp useBgFill="1">
         <p:nvSpPr>
-          <p:cNvPr id="37" name="Rectangle 31">
-            <a:extLst>
-              <a:ext uri="{FF2B5EF4-FFF2-40B4-BE49-F238E27FC236}">
-                <a16:creationId xmlns:a16="http://schemas.microsoft.com/office/drawing/2014/main" id="{0D7B6173-1D58-48E2-83CF-37350F315F75}"/>
+          <p:cNvPr id="12" name="Rectangle 11">
+            <a:extLst>
+              <a:ext uri="{FF2B5EF4-FFF2-40B4-BE49-F238E27FC236}">
+                <a16:creationId xmlns:a16="http://schemas.microsoft.com/office/drawing/2014/main" id="{2151139A-886F-4B97-8815-729AD3831BBD}"/>
               </a:ext>
               <a:ext uri="{C183D7F6-B498-43B3-948B-1728B52AA6E4}">
                 <adec:decorative xmlns:adec="http://schemas.microsoft.com/office/drawing/2017/decorative" val="1"/>
@@ -9591,12 +11769,103 @@
         </p:nvSpPr>
         <p:spPr>
           <a:xfrm>
-            <a:off x="0" y="-1"/>
-            <a:ext cx="12188952" cy="6858000"/>
+            <a:off x="0" y="0"/>
+            <a:ext cx="12192000" cy="6858000"/>
           </a:xfrm>
           <a:prstGeom prst="rect">
             <a:avLst/>
           </a:prstGeom>
+          <a:ln w="12700" cap="flat" cmpd="sng" algn="ctr">
+            <a:noFill/>
+            <a:prstDash val="solid"/>
+            <a:miter lim="800000"/>
+          </a:ln>
+          <a:effectLst/>
+          <a:extLst>
+            <a:ext uri="{91240B29-F687-4F45-9708-019B960494DF}">
+              <a14:hiddenLine xmlns:a14="http://schemas.microsoft.com/office/drawing/2010/main" w="12700" cap="flat" cmpd="sng" algn="ctr">
+                <a:solidFill>
+                  <a:schemeClr val="accent1">
+                    <a:shade val="50000"/>
+                  </a:schemeClr>
+                </a:solidFill>
+                <a:prstDash val="solid"/>
+                <a:miter lim="800000"/>
+              </a14:hiddenLine>
+            </a:ext>
+          </a:extLst>
+        </p:spPr>
+        <p:style>
+          <a:lnRef idx="2">
+            <a:schemeClr val="accent1">
+              <a:shade val="50000"/>
+            </a:schemeClr>
+          </a:lnRef>
+          <a:fillRef idx="1">
+            <a:schemeClr val="accent1"/>
+          </a:fillRef>
+          <a:effectRef idx="0">
+            <a:schemeClr val="accent1"/>
+          </a:effectRef>
+          <a:fontRef idx="minor">
+            <a:schemeClr val="lt1"/>
+          </a:fontRef>
+        </p:style>
+        <p:txBody>
+          <a:bodyPr rtlCol="0" anchor="ctr"/>
+          <a:lstStyle/>
+          <a:p>
+            <a:pPr algn="ctr"/>
+            <a:endParaRPr lang="en-US" sz="2000"/>
+          </a:p>
+        </p:txBody>
+      </p:sp>
+      <p:sp>
+        <p:nvSpPr>
+          <p:cNvPr id="14" name="Rectangle 13">
+            <a:extLst>
+              <a:ext uri="{FF2B5EF4-FFF2-40B4-BE49-F238E27FC236}">
+                <a16:creationId xmlns:a16="http://schemas.microsoft.com/office/drawing/2014/main" id="{AB5E08C4-8CDD-4623-A5B8-E998C6DEE3B7}"/>
+              </a:ext>
+              <a:ext uri="{C183D7F6-B498-43B3-948B-1728B52AA6E4}">
+                <adec:decorative xmlns:adec="http://schemas.microsoft.com/office/drawing/2017/decorative" val="1"/>
+              </a:ext>
+            </a:extLst>
+          </p:cNvPr>
+          <p:cNvSpPr>
+            <a:spLocks noGrp="1" noRot="1" noChangeAspect="1" noMove="1" noResize="1" noEditPoints="1" noAdjustHandles="1" noChangeArrowheads="1" noChangeShapeType="1" noTextEdit="1"/>
+          </p:cNvSpPr>
+          <p:nvPr>
+            <p:extLst>
+              <p:ext uri="{386F3935-93C4-4BCD-93E2-E3B085C9AB24}">
+                <p16:designElem xmlns:p16="http://schemas.microsoft.com/office/powerpoint/2015/main" val="1"/>
+              </p:ext>
+            </p:extLst>
+          </p:nvPr>
+        </p:nvSpPr>
+        <p:spPr>
+          <a:xfrm flipH="1">
+            <a:off x="2" y="492"/>
+            <a:ext cx="12191998" cy="1575955"/>
+          </a:xfrm>
+          <a:prstGeom prst="rect">
+            <a:avLst/>
+          </a:prstGeom>
+          <a:gradFill>
+            <a:gsLst>
+              <a:gs pos="0">
+                <a:schemeClr val="accent1">
+                  <a:lumMod val="50000"/>
+                </a:schemeClr>
+              </a:gs>
+              <a:gs pos="100000">
+                <a:schemeClr val="accent1">
+                  <a:lumMod val="75000"/>
+                </a:schemeClr>
+              </a:gs>
+            </a:gsLst>
+            <a:lin ang="8400000" scaled="0"/>
+          </a:gradFill>
           <a:ln>
             <a:noFill/>
           </a:ln>
@@ -9628,10 +11897,10 @@
       </p:sp>
       <p:sp>
         <p:nvSpPr>
-          <p:cNvPr id="39" name="Rectangle 33">
-            <a:extLst>
-              <a:ext uri="{FF2B5EF4-FFF2-40B4-BE49-F238E27FC236}">
-                <a16:creationId xmlns:a16="http://schemas.microsoft.com/office/drawing/2014/main" id="{2F36CA75-CFBF-4844-B719-8FE9EBADA9AF}"/>
+          <p:cNvPr id="16" name="Rectangle 15">
+            <a:extLst>
+              <a:ext uri="{FF2B5EF4-FFF2-40B4-BE49-F238E27FC236}">
+                <a16:creationId xmlns:a16="http://schemas.microsoft.com/office/drawing/2014/main" id="{15F33878-D502-4FFA-8ACE-F2AECDB2A23F}"/>
               </a:ext>
               <a:ext uri="{C183D7F6-B498-43B3-948B-1728B52AA6E4}">
                 <adec:decorative xmlns:adec="http://schemas.microsoft.com/office/drawing/2017/decorative" val="1"/>
@@ -9650,18 +11919,29 @@
           </p:nvPr>
         </p:nvSpPr>
         <p:spPr>
-          <a:xfrm>
-            <a:off x="0" y="0"/>
-            <a:ext cx="12188952" cy="6858000"/>
+          <a:xfrm rot="10800000" flipH="1">
+            <a:off x="8128857" y="35"/>
+            <a:ext cx="4063143" cy="1576412"/>
           </a:xfrm>
           <a:prstGeom prst="rect">
             <a:avLst/>
           </a:prstGeom>
-          <a:solidFill>
-            <a:schemeClr val="bg2">
-              <a:alpha val="50000"/>
-            </a:schemeClr>
-          </a:solidFill>
+          <a:gradFill>
+            <a:gsLst>
+              <a:gs pos="19000">
+                <a:schemeClr val="accent1">
+                  <a:lumMod val="50000"/>
+                  <a:alpha val="68000"/>
+                </a:schemeClr>
+              </a:gs>
+              <a:gs pos="100000">
+                <a:schemeClr val="accent1">
+                  <a:alpha val="79000"/>
+                </a:schemeClr>
+              </a:gs>
+            </a:gsLst>
+            <a:lin ang="19200000" scaled="0"/>
+          </a:gradFill>
           <a:ln>
             <a:noFill/>
           </a:ln>
@@ -9687,16 +11967,16 @@
           <a:lstStyle/>
           <a:p>
             <a:pPr algn="ctr"/>
-            <a:endParaRPr lang="en-US" dirty="0"/>
+            <a:endParaRPr lang="en-US"/>
           </a:p>
         </p:txBody>
       </p:sp>
       <p:sp>
         <p:nvSpPr>
-          <p:cNvPr id="36" name="Rectangle 35">
-            <a:extLst>
-              <a:ext uri="{FF2B5EF4-FFF2-40B4-BE49-F238E27FC236}">
-                <a16:creationId xmlns:a16="http://schemas.microsoft.com/office/drawing/2014/main" id="{3D4A84B9-E564-4DD0-97F8-DBF1C460C28A}"/>
+          <p:cNvPr id="18" name="Rectangle 17">
+            <a:extLst>
+              <a:ext uri="{FF2B5EF4-FFF2-40B4-BE49-F238E27FC236}">
+                <a16:creationId xmlns:a16="http://schemas.microsoft.com/office/drawing/2014/main" id="{D3539FEE-81D3-4406-802E-60B20B16F4F6}"/>
               </a:ext>
               <a:ext uri="{C183D7F6-B498-43B3-948B-1728B52AA6E4}">
                 <adec:decorative xmlns:adec="http://schemas.microsoft.com/office/drawing/2017/decorative" val="1"/>
@@ -9715,16 +11995,28 @@
           </p:nvPr>
         </p:nvSpPr>
         <p:spPr>
-          <a:xfrm>
-            <a:off x="0" y="0"/>
-            <a:ext cx="12188952" cy="6858000"/>
+          <a:xfrm rot="5400000">
+            <a:off x="5307778" y="-5307777"/>
+            <a:ext cx="1576446" cy="12192001"/>
           </a:xfrm>
           <a:prstGeom prst="rect">
             <a:avLst/>
           </a:prstGeom>
-          <a:solidFill>
-            <a:srgbClr val="000000"/>
-          </a:solidFill>
+          <a:gradFill>
+            <a:gsLst>
+              <a:gs pos="16000">
+                <a:srgbClr val="000000">
+                  <a:alpha val="0"/>
+                </a:srgbClr>
+              </a:gs>
+              <a:gs pos="99000">
+                <a:srgbClr val="000000">
+                  <a:alpha val="87000"/>
+                </a:srgbClr>
+              </a:gs>
+            </a:gsLst>
+            <a:lin ang="11400000" scaled="0"/>
+          </a:gradFill>
           <a:ln>
             <a:noFill/>
           </a:ln>
@@ -9750,25 +12042,25 @@
           <a:lstStyle/>
           <a:p>
             <a:pPr algn="ctr"/>
-            <a:endParaRPr lang="en-US"/>
-          </a:p>
-        </p:txBody>
-      </p:sp>
-      <p:pic>
-        <p:nvPicPr>
-          <p:cNvPr id="38" name="Picture 37">
-            <a:extLst>
-              <a:ext uri="{FF2B5EF4-FFF2-40B4-BE49-F238E27FC236}">
-                <a16:creationId xmlns:a16="http://schemas.microsoft.com/office/drawing/2014/main" id="{4A599609-F5C2-4A0B-A992-913F814A631A}"/>
+            <a:endParaRPr lang="en-US" dirty="0"/>
+          </a:p>
+        </p:txBody>
+      </p:sp>
+      <p:sp>
+        <p:nvSpPr>
+          <p:cNvPr id="20" name="Rectangle 19">
+            <a:extLst>
+              <a:ext uri="{FF2B5EF4-FFF2-40B4-BE49-F238E27FC236}">
+                <a16:creationId xmlns:a16="http://schemas.microsoft.com/office/drawing/2014/main" id="{DC701763-729E-462F-A5A8-E0DEFEB1E2E4}"/>
               </a:ext>
               <a:ext uri="{C183D7F6-B498-43B3-948B-1728B52AA6E4}">
                 <adec:decorative xmlns:adec="http://schemas.microsoft.com/office/drawing/2017/decorative" val="1"/>
               </a:ext>
             </a:extLst>
           </p:cNvPr>
-          <p:cNvPicPr>
-            <a:picLocks noGrp="1" noRot="1" noChangeAspect="1" noMove="1" noResize="1" noEditPoints="1" noAdjustHandles="1" noChangeArrowheads="1" noChangeShapeType="1" noCrop="1"/>
-          </p:cNvPicPr>
+          <p:cNvSpPr>
+            <a:spLocks noGrp="1" noRot="1" noChangeAspect="1" noMove="1" noResize="1" noEditPoints="1" noAdjustHandles="1" noChangeArrowheads="1" noChangeShapeType="1" noTextEdit="1"/>
+          </p:cNvSpPr>
           <p:nvPr>
             <p:extLst>
               <p:ext uri="{386F3935-93C4-4BCD-93E2-E3B085C9AB24}">
@@ -9776,66 +12068,31 @@
               </p:ext>
             </p:extLst>
           </p:nvPr>
-        </p:nvPicPr>
-        <p:blipFill>
-          <a:blip r:embed="rId2">
-            <a:alphaModFix amt="40000"/>
-            <a:extLst>
-              <a:ext uri="{28A0092B-C50C-407E-A947-70E740481C1C}">
-                <a14:useLocalDpi xmlns:a14="http://schemas.microsoft.com/office/drawing/2010/main" val="0"/>
-              </a:ext>
-            </a:extLst>
-          </a:blip>
-          <a:stretch>
-            <a:fillRect/>
-          </a:stretch>
-        </p:blipFill>
+        </p:nvSpPr>
         <p:spPr>
           <a:xfrm>
-            <a:off x="5414" y="0"/>
-            <a:ext cx="12181172" cy="6858000"/>
+            <a:off x="3825434" y="986"/>
+            <a:ext cx="4303422" cy="1575461"/>
           </a:xfrm>
           <a:prstGeom prst="rect">
             <a:avLst/>
           </a:prstGeom>
-        </p:spPr>
-      </p:pic>
-      <p:sp>
-        <p:nvSpPr>
-          <p:cNvPr id="40" name="Rectangle 39">
-            <a:extLst>
-              <a:ext uri="{FF2B5EF4-FFF2-40B4-BE49-F238E27FC236}">
-                <a16:creationId xmlns:a16="http://schemas.microsoft.com/office/drawing/2014/main" id="{102382E0-0A09-46AE-B955-B911CAFE7F00}"/>
-              </a:ext>
-              <a:ext uri="{C183D7F6-B498-43B3-948B-1728B52AA6E4}">
-                <adec:decorative xmlns:adec="http://schemas.microsoft.com/office/drawing/2017/decorative" val="1"/>
-              </a:ext>
-            </a:extLst>
-          </p:cNvPr>
-          <p:cNvSpPr>
-            <a:spLocks noGrp="1" noRot="1" noChangeAspect="1" noMove="1" noResize="1" noEditPoints="1" noAdjustHandles="1" noChangeArrowheads="1" noChangeShapeType="1" noTextEdit="1"/>
-          </p:cNvSpPr>
-          <p:nvPr>
-            <p:extLst>
-              <p:ext uri="{386F3935-93C4-4BCD-93E2-E3B085C9AB24}">
-                <p16:designElem xmlns:p16="http://schemas.microsoft.com/office/powerpoint/2015/main" val="1"/>
-              </p:ext>
-            </p:extLst>
-          </p:nvPr>
-        </p:nvSpPr>
-        <p:spPr>
-          <a:xfrm>
-            <a:off x="0" y="0"/>
-            <a:ext cx="12188952" cy="6858000"/>
-          </a:xfrm>
-          <a:prstGeom prst="rect">
-            <a:avLst/>
-          </a:prstGeom>
-          <a:solidFill>
-            <a:schemeClr val="accent1">
-              <a:alpha val="20000"/>
-            </a:schemeClr>
-          </a:solidFill>
+          <a:gradFill>
+            <a:gsLst>
+              <a:gs pos="0">
+                <a:schemeClr val="accent1">
+                  <a:alpha val="17000"/>
+                </a:schemeClr>
+              </a:gs>
+              <a:gs pos="74000">
+                <a:schemeClr val="accent1">
+                  <a:lumMod val="50000"/>
+                  <a:alpha val="0"/>
+                </a:schemeClr>
+              </a:gs>
+            </a:gsLst>
+            <a:lin ang="14400000" scaled="0"/>
+          </a:gradFill>
           <a:ln>
             <a:noFill/>
           </a:ln>
@@ -9861,171 +12118,63 @@
           <a:lstStyle/>
           <a:p>
             <a:pPr algn="ctr"/>
-            <a:endParaRPr lang="en-US" dirty="0"/>
+            <a:endParaRPr lang="en-US"/>
           </a:p>
         </p:txBody>
       </p:sp>
       <p:sp>
         <p:nvSpPr>
-          <p:cNvPr id="42" name="Rectangle 41">
-            <a:extLst>
-              <a:ext uri="{FF2B5EF4-FFF2-40B4-BE49-F238E27FC236}">
-                <a16:creationId xmlns:a16="http://schemas.microsoft.com/office/drawing/2014/main" id="{7DE75D4A-0965-4973-BE75-DECCAC9A9614}"/>
-              </a:ext>
-              <a:ext uri="{C183D7F6-B498-43B3-948B-1728B52AA6E4}">
-                <adec:decorative xmlns:adec="http://schemas.microsoft.com/office/drawing/2017/decorative" val="1"/>
-              </a:ext>
-            </a:extLst>
-          </p:cNvPr>
-          <p:cNvSpPr>
-            <a:spLocks noGrp="1" noRot="1" noChangeAspect="1" noMove="1" noResize="1" noEditPoints="1" noAdjustHandles="1" noChangeArrowheads="1" noChangeShapeType="1" noTextEdit="1"/>
-          </p:cNvSpPr>
-          <p:nvPr>
-            <p:extLst>
-              <p:ext uri="{386F3935-93C4-4BCD-93E2-E3B085C9AB24}">
-                <p16:designElem xmlns:p16="http://schemas.microsoft.com/office/powerpoint/2015/main" val="1"/>
-              </p:ext>
-            </p:extLst>
-          </p:nvPr>
-        </p:nvSpPr>
-        <p:spPr bwMode="white">
+          <p:cNvPr id="2" name="Título 1">
+            <a:extLst>
+              <a:ext uri="{FF2B5EF4-FFF2-40B4-BE49-F238E27FC236}">
+                <a16:creationId xmlns:a16="http://schemas.microsoft.com/office/drawing/2014/main" id="{A89F760F-6D9E-3A17-26E7-920D90403CAC}"/>
+              </a:ext>
+            </a:extLst>
+          </p:cNvPr>
+          <p:cNvSpPr>
+            <a:spLocks noGrp="1"/>
+          </p:cNvSpPr>
+          <p:nvPr>
+            <p:ph type="title"/>
+          </p:nvPr>
+        </p:nvSpPr>
+        <p:spPr>
           <a:xfrm>
-            <a:off x="1524" y="0"/>
-            <a:ext cx="12188952" cy="6858000"/>
+            <a:off x="699714" y="353160"/>
+            <a:ext cx="7091300" cy="898581"/>
           </a:xfrm>
-          <a:prstGeom prst="rect">
-            <a:avLst/>
-          </a:prstGeom>
-          <a:noFill/>
-          <a:ln>
-            <a:noFill/>
-          </a:ln>
         </p:spPr>
-        <p:style>
-          <a:lnRef idx="2">
-            <a:schemeClr val="accent1">
-              <a:shade val="50000"/>
-            </a:schemeClr>
-          </a:lnRef>
-          <a:fillRef idx="1">
-            <a:schemeClr val="accent1"/>
-          </a:fillRef>
-          <a:effectRef idx="0">
-            <a:schemeClr val="accent1"/>
-          </a:effectRef>
-          <a:fontRef idx="minor">
-            <a:schemeClr val="lt1"/>
-          </a:fontRef>
-        </p:style>
-        <p:txBody>
-          <a:bodyPr rtlCol="0" anchor="ctr"/>
-          <a:lstStyle>
-            <a:defPPr>
-              <a:defRPr lang="en-US"/>
-            </a:defPPr>
-            <a:lvl1pPr marL="0" algn="l" defTabSz="914400" rtl="0" eaLnBrk="1" latinLnBrk="0" hangingPunct="1">
-              <a:defRPr sz="1800" kern="1200">
+        <p:txBody>
+          <a:bodyPr vert="horz" lIns="91440" tIns="45720" rIns="91440" bIns="45720" rtlCol="0" anchor="ctr">
+            <a:normAutofit/>
+          </a:bodyPr>
+          <a:lstStyle/>
+          <a:p>
+            <a:r>
+              <a:rPr lang="en-US" sz="4000" dirty="0" err="1">
                 <a:solidFill>
-                  <a:schemeClr val="lt1"/>
+                  <a:srgbClr val="FFFFFF"/>
                 </a:solidFill>
-                <a:latin typeface="+mn-lt"/>
-                <a:ea typeface="+mn-ea"/>
-                <a:cs typeface="+mn-cs"/>
-              </a:defRPr>
-            </a:lvl1pPr>
-            <a:lvl2pPr marL="457200" algn="l" defTabSz="914400" rtl="0" eaLnBrk="1" latinLnBrk="0" hangingPunct="1">
-              <a:defRPr sz="1800" kern="1200">
+              </a:rPr>
+              <a:t>Conteo</a:t>
+            </a:r>
+            <a:r>
+              <a:rPr lang="en-US" sz="4000" dirty="0">
                 <a:solidFill>
-                  <a:schemeClr val="lt1"/>
+                  <a:srgbClr val="FFFFFF"/>
                 </a:solidFill>
-                <a:latin typeface="+mn-lt"/>
-                <a:ea typeface="+mn-ea"/>
-                <a:cs typeface="+mn-cs"/>
-              </a:defRPr>
-            </a:lvl2pPr>
-            <a:lvl3pPr marL="914400" algn="l" defTabSz="914400" rtl="0" eaLnBrk="1" latinLnBrk="0" hangingPunct="1">
-              <a:defRPr sz="1800" kern="1200">
-                <a:solidFill>
-                  <a:schemeClr val="lt1"/>
-                </a:solidFill>
-                <a:latin typeface="+mn-lt"/>
-                <a:ea typeface="+mn-ea"/>
-                <a:cs typeface="+mn-cs"/>
-              </a:defRPr>
-            </a:lvl3pPr>
-            <a:lvl4pPr marL="1371600" algn="l" defTabSz="914400" rtl="0" eaLnBrk="1" latinLnBrk="0" hangingPunct="1">
-              <a:defRPr sz="1800" kern="1200">
-                <a:solidFill>
-                  <a:schemeClr val="lt1"/>
-                </a:solidFill>
-                <a:latin typeface="+mn-lt"/>
-                <a:ea typeface="+mn-ea"/>
-                <a:cs typeface="+mn-cs"/>
-              </a:defRPr>
-            </a:lvl4pPr>
-            <a:lvl5pPr marL="1828800" algn="l" defTabSz="914400" rtl="0" eaLnBrk="1" latinLnBrk="0" hangingPunct="1">
-              <a:defRPr sz="1800" kern="1200">
-                <a:solidFill>
-                  <a:schemeClr val="lt1"/>
-                </a:solidFill>
-                <a:latin typeface="+mn-lt"/>
-                <a:ea typeface="+mn-ea"/>
-                <a:cs typeface="+mn-cs"/>
-              </a:defRPr>
-            </a:lvl5pPr>
-            <a:lvl6pPr marL="2286000" algn="l" defTabSz="914400" rtl="0" eaLnBrk="1" latinLnBrk="0" hangingPunct="1">
-              <a:defRPr sz="1800" kern="1200">
-                <a:solidFill>
-                  <a:schemeClr val="lt1"/>
-                </a:solidFill>
-                <a:latin typeface="+mn-lt"/>
-                <a:ea typeface="+mn-ea"/>
-                <a:cs typeface="+mn-cs"/>
-              </a:defRPr>
-            </a:lvl6pPr>
-            <a:lvl7pPr marL="2743200" algn="l" defTabSz="914400" rtl="0" eaLnBrk="1" latinLnBrk="0" hangingPunct="1">
-              <a:defRPr sz="1800" kern="1200">
-                <a:solidFill>
-                  <a:schemeClr val="lt1"/>
-                </a:solidFill>
-                <a:latin typeface="+mn-lt"/>
-                <a:ea typeface="+mn-ea"/>
-                <a:cs typeface="+mn-cs"/>
-              </a:defRPr>
-            </a:lvl7pPr>
-            <a:lvl8pPr marL="3200400" algn="l" defTabSz="914400" rtl="0" eaLnBrk="1" latinLnBrk="0" hangingPunct="1">
-              <a:defRPr sz="1800" kern="1200">
-                <a:solidFill>
-                  <a:schemeClr val="lt1"/>
-                </a:solidFill>
-                <a:latin typeface="+mn-lt"/>
-                <a:ea typeface="+mn-ea"/>
-                <a:cs typeface="+mn-cs"/>
-              </a:defRPr>
-            </a:lvl8pPr>
-            <a:lvl9pPr marL="3657600" algn="l" defTabSz="914400" rtl="0" eaLnBrk="1" latinLnBrk="0" hangingPunct="1">
-              <a:defRPr sz="1800" kern="1200">
-                <a:solidFill>
-                  <a:schemeClr val="lt1"/>
-                </a:solidFill>
-                <a:latin typeface="+mn-lt"/>
-                <a:ea typeface="+mn-ea"/>
-                <a:cs typeface="+mn-cs"/>
-              </a:defRPr>
-            </a:lvl9pPr>
-          </a:lstStyle>
-          <a:p>
-            <a:pPr algn="ctr"/>
-            <a:endParaRPr lang="en-US"/>
+              </a:rPr>
+              <a:t> de Variables</a:t>
+            </a:r>
           </a:p>
         </p:txBody>
       </p:sp>
       <p:pic>
         <p:nvPicPr>
-          <p:cNvPr id="6" name="Imagen 5" descr="Forma, Cuadrado&#10;&#10;Descripción generada automáticamente">
-            <a:extLst>
-              <a:ext uri="{FF2B5EF4-FFF2-40B4-BE49-F238E27FC236}">
-                <a16:creationId xmlns:a16="http://schemas.microsoft.com/office/drawing/2014/main" id="{5A604D94-7901-A93C-F702-616567ED5D51}"/>
+          <p:cNvPr id="7" name="Imagen 6" descr="Gráfico, Gráfico de barras&#10;&#10;Descripción generada automáticamente">
+            <a:extLst>
+              <a:ext uri="{FF2B5EF4-FFF2-40B4-BE49-F238E27FC236}">
+                <a16:creationId xmlns:a16="http://schemas.microsoft.com/office/drawing/2014/main" id="{E3EAD88B-FFC4-9D7A-6D7C-F4D283E5EE82}"/>
               </a:ext>
             </a:extLst>
           </p:cNvPr>
@@ -10035,21 +12184,21 @@
           <p:nvPr/>
         </p:nvPicPr>
         <p:blipFill>
-          <a:blip r:embed="rId3">
-            <a:alphaModFix amt="60000"/>
+          <a:blip r:embed="rId2">
             <a:extLst>
               <a:ext uri="{28A0092B-C50C-407E-A947-70E740481C1C}">
                 <a14:useLocalDpi xmlns:a14="http://schemas.microsoft.com/office/drawing/2010/main" val="0"/>
               </a:ext>
             </a:extLst>
           </a:blip>
-          <a:srcRect r="50000"/>
-          <a:stretch/>
+          <a:stretch>
+            <a:fillRect/>
+          </a:stretch>
         </p:blipFill>
         <p:spPr>
           <a:xfrm>
-            <a:off x="20" y="10"/>
-            <a:ext cx="6095980" cy="6857990"/>
+            <a:off x="715748" y="2185534"/>
+            <a:ext cx="5131088" cy="3989421"/>
           </a:xfrm>
           <a:prstGeom prst="rect">
             <a:avLst/>
@@ -10058,362 +12207,46 @@
       </p:pic>
       <p:pic>
         <p:nvPicPr>
-          <p:cNvPr id="8" name="Imagen 7" descr="Interfaz de usuario gráfica&#10;&#10;Descripción generada automáticamente">
-            <a:extLst>
-              <a:ext uri="{FF2B5EF4-FFF2-40B4-BE49-F238E27FC236}">
-                <a16:creationId xmlns:a16="http://schemas.microsoft.com/office/drawing/2014/main" id="{A0EF4E03-1DFD-8238-2108-14AA6F3DFE72}"/>
+          <p:cNvPr id="5" name="Marcador de contenido 4" descr="Gráfico, Gráfico de barras&#10;&#10;Descripción generada automáticamente">
+            <a:extLst>
+              <a:ext uri="{FF2B5EF4-FFF2-40B4-BE49-F238E27FC236}">
+                <a16:creationId xmlns:a16="http://schemas.microsoft.com/office/drawing/2014/main" id="{45DE0569-5A14-F2E4-8DC3-063867B81F97}"/>
               </a:ext>
             </a:extLst>
           </p:cNvPr>
           <p:cNvPicPr>
-            <a:picLocks noChangeAspect="1"/>
+            <a:picLocks noGrp="1" noChangeAspect="1"/>
           </p:cNvPicPr>
-          <p:nvPr/>
+          <p:nvPr>
+            <p:ph idx="1"/>
+          </p:nvPr>
         </p:nvPicPr>
         <p:blipFill>
-          <a:blip r:embed="rId4">
-            <a:alphaModFix amt="60000"/>
+          <a:blip r:embed="rId3">
             <a:extLst>
               <a:ext uri="{28A0092B-C50C-407E-A947-70E740481C1C}">
                 <a14:useLocalDpi xmlns:a14="http://schemas.microsoft.com/office/drawing/2010/main" val="0"/>
               </a:ext>
             </a:extLst>
           </a:blip>
-          <a:srcRect l="39427" r="10573"/>
-          <a:stretch/>
+          <a:stretch>
+            <a:fillRect/>
+          </a:stretch>
         </p:blipFill>
         <p:spPr>
           <a:xfrm>
-            <a:off x="6096000" y="10"/>
-            <a:ext cx="6096000" cy="6857990"/>
+            <a:off x="6345165" y="2217815"/>
+            <a:ext cx="4981720" cy="3997831"/>
           </a:xfrm>
           <a:prstGeom prst="rect">
             <a:avLst/>
           </a:prstGeom>
         </p:spPr>
       </p:pic>
-      <p:sp>
-        <p:nvSpPr>
-          <p:cNvPr id="2" name="Título 1">
-            <a:extLst>
-              <a:ext uri="{FF2B5EF4-FFF2-40B4-BE49-F238E27FC236}">
-                <a16:creationId xmlns:a16="http://schemas.microsoft.com/office/drawing/2014/main" id="{50F9927C-AB51-1BE6-19F9-E892B62F2BC7}"/>
-              </a:ext>
-            </a:extLst>
-          </p:cNvPr>
-          <p:cNvSpPr>
-            <a:spLocks noGrp="1"/>
-          </p:cNvSpPr>
-          <p:nvPr>
-            <p:ph type="title"/>
-          </p:nvPr>
-        </p:nvSpPr>
-        <p:spPr>
-          <a:xfrm>
-            <a:off x="1191965" y="552807"/>
-            <a:ext cx="9801854" cy="2790331"/>
-          </a:xfrm>
-        </p:spPr>
-        <p:txBody>
-          <a:bodyPr anchor="b">
-            <a:normAutofit/>
-          </a:bodyPr>
-          <a:lstStyle/>
-          <a:p>
-            <a:pPr algn="ctr"/>
-            <a:r>
-              <a:rPr lang="es-ES" sz="4800">
-                <a:solidFill>
-                  <a:srgbClr val="FFFFFF"/>
-                </a:solidFill>
-              </a:rPr>
-              <a:t>Conclusiones principales</a:t>
-            </a:r>
-          </a:p>
-        </p:txBody>
-      </p:sp>
-      <p:sp>
-        <p:nvSpPr>
-          <p:cNvPr id="4" name="Rectangle 1">
-            <a:extLst>
-              <a:ext uri="{FF2B5EF4-FFF2-40B4-BE49-F238E27FC236}">
-                <a16:creationId xmlns:a16="http://schemas.microsoft.com/office/drawing/2014/main" id="{14C60FAE-7E3E-992A-6F82-4198ED0FB865}"/>
-              </a:ext>
-            </a:extLst>
-          </p:cNvPr>
-          <p:cNvSpPr>
-            <a:spLocks noGrp="1" noChangeArrowheads="1"/>
-          </p:cNvSpPr>
-          <p:nvPr>
-            <p:ph idx="1"/>
-          </p:nvPr>
-        </p:nvSpPr>
-        <p:spPr bwMode="auto">
-          <a:xfrm>
-            <a:off x="1191966" y="3510476"/>
-            <a:ext cx="9801854" cy="2614231"/>
-          </a:xfrm>
-          <a:prstGeom prst="rect">
-            <a:avLst/>
-          </a:prstGeom>
-          <a:extLst>
-            <a:ext uri="{909E8E84-426E-40DD-AFC4-6F175D3DCCD1}">
-              <a14:hiddenFill xmlns:a14="http://schemas.microsoft.com/office/drawing/2010/main">
-                <a:solidFill>
-                  <a:schemeClr val="accent1"/>
-                </a:solidFill>
-              </a14:hiddenFill>
-            </a:ext>
-            <a:ext uri="{91240B29-F687-4F45-9708-019B960494DF}">
-              <a14:hiddenLine xmlns:a14="http://schemas.microsoft.com/office/drawing/2010/main" w="9525">
-                <a:solidFill>
-                  <a:schemeClr val="tx1"/>
-                </a:solidFill>
-                <a:miter lim="800000"/>
-                <a:headEnd/>
-                <a:tailEnd/>
-              </a14:hiddenLine>
-            </a:ext>
-            <a:ext uri="{AF507438-7753-43E0-B8FC-AC1667EBCBE1}">
-              <a14:hiddenEffects xmlns:a14="http://schemas.microsoft.com/office/drawing/2010/main">
-                <a:effectLst>
-                  <a:outerShdw dist="35921" dir="2700000" algn="ctr" rotWithShape="0">
-                    <a:schemeClr val="bg2"/>
-                  </a:outerShdw>
-                </a:effectLst>
-              </a14:hiddenEffects>
-            </a:ext>
-          </a:extLst>
-        </p:spPr>
-        <p:txBody>
-          <a:bodyPr vert="horz" lIns="91440" tIns="45720" rIns="91440" bIns="45720" numCol="1" anchor="t" anchorCtr="0" compatLnSpc="1">
-            <a:prstTxWarp prst="textNoShape">
-              <a:avLst/>
-            </a:prstTxWarp>
-            <a:normAutofit/>
-          </a:bodyPr>
-          <a:lstStyle/>
-          <a:p>
-            <a:pPr marL="0" marR="0" lvl="0" indent="0" algn="ctr" defTabSz="914400" rtl="0" eaLnBrk="0" fontAlgn="base" latinLnBrk="0" hangingPunct="0">
-              <a:spcBef>
-                <a:spcPct val="0"/>
-              </a:spcBef>
-              <a:spcAft>
-                <a:spcPts val="600"/>
-              </a:spcAft>
-              <a:buClrTx/>
-              <a:buSzTx/>
-              <a:buFontTx/>
-              <a:buNone/>
-              <a:tabLst/>
-            </a:pPr>
-            <a:endParaRPr kumimoji="0" lang="es-ES" altLang="es-ES" sz="1800" b="0" i="0" u="none" strike="noStrike" cap="none" normalizeH="0" baseline="0">
-              <a:ln>
-                <a:noFill/>
-              </a:ln>
-              <a:solidFill>
-                <a:srgbClr val="FFFFFF"/>
-              </a:solidFill>
-              <a:effectLst/>
-              <a:latin typeface="+mj-lt"/>
-            </a:endParaRPr>
-          </a:p>
-          <a:p>
-            <a:pPr marL="0" marR="0" lvl="0" indent="0" algn="ctr" defTabSz="914400" rtl="0" eaLnBrk="0" fontAlgn="base" latinLnBrk="0" hangingPunct="0">
-              <a:spcBef>
-                <a:spcPct val="0"/>
-              </a:spcBef>
-              <a:spcAft>
-                <a:spcPts val="600"/>
-              </a:spcAft>
-              <a:buClrTx/>
-              <a:buSzTx/>
-              <a:buFontTx/>
-              <a:buChar char="•"/>
-              <a:tabLst/>
-            </a:pPr>
-            <a:r>
-              <a:rPr kumimoji="0" lang="es-ES" altLang="es-ES" sz="1800" b="0" i="0" u="none" strike="noStrike" cap="none" normalizeH="0" baseline="0">
-                <a:ln>
-                  <a:noFill/>
-                </a:ln>
-                <a:solidFill>
-                  <a:srgbClr val="FFFFFF"/>
-                </a:solidFill>
-                <a:effectLst/>
-                <a:latin typeface="+mj-lt"/>
-              </a:rPr>
-              <a:t>Los animes del tipo </a:t>
-            </a:r>
-            <a:r>
-              <a:rPr kumimoji="0" lang="es-ES" altLang="es-ES" sz="1800" b="1" i="0" u="none" strike="noStrike" cap="none" normalizeH="0" baseline="0">
-                <a:ln>
-                  <a:noFill/>
-                </a:ln>
-                <a:solidFill>
-                  <a:srgbClr val="FFFFFF"/>
-                </a:solidFill>
-                <a:effectLst/>
-                <a:latin typeface="+mj-lt"/>
-              </a:rPr>
-              <a:t>TV</a:t>
-            </a:r>
-            <a:r>
-              <a:rPr kumimoji="0" lang="es-ES" altLang="es-ES" sz="1800" b="0" i="0" u="none" strike="noStrike" cap="none" normalizeH="0" baseline="0">
-                <a:ln>
-                  <a:noFill/>
-                </a:ln>
-                <a:solidFill>
-                  <a:srgbClr val="FFFFFF"/>
-                </a:solidFill>
-                <a:effectLst/>
-                <a:latin typeface="+mj-lt"/>
-              </a:rPr>
-              <a:t> dominan en número de episodios, siendo el formato más visto.</a:t>
-            </a:r>
-          </a:p>
-          <a:p>
-            <a:pPr marL="0" marR="0" lvl="0" indent="0" algn="ctr" defTabSz="914400" rtl="0" eaLnBrk="0" fontAlgn="base" latinLnBrk="0" hangingPunct="0">
-              <a:spcBef>
-                <a:spcPct val="0"/>
-              </a:spcBef>
-              <a:spcAft>
-                <a:spcPts val="600"/>
-              </a:spcAft>
-              <a:buClrTx/>
-              <a:buSzTx/>
-              <a:buFontTx/>
-              <a:buChar char="•"/>
-              <a:tabLst/>
-            </a:pPr>
-            <a:r>
-              <a:rPr kumimoji="0" lang="es-ES" altLang="es-ES" sz="1800" b="0" i="0" u="none" strike="noStrike" cap="none" normalizeH="0" baseline="0">
-                <a:ln>
-                  <a:noFill/>
-                </a:ln>
-                <a:solidFill>
-                  <a:srgbClr val="FFFFFF"/>
-                </a:solidFill>
-                <a:effectLst/>
-                <a:latin typeface="+mj-lt"/>
-              </a:rPr>
-              <a:t>Las </a:t>
-            </a:r>
-            <a:r>
-              <a:rPr kumimoji="0" lang="es-ES" altLang="es-ES" sz="1800" b="1" i="0" u="none" strike="noStrike" cap="none" normalizeH="0" baseline="0">
-                <a:ln>
-                  <a:noFill/>
-                </a:ln>
-                <a:solidFill>
-                  <a:srgbClr val="FFFFFF"/>
-                </a:solidFill>
-                <a:effectLst/>
-                <a:latin typeface="+mj-lt"/>
-              </a:rPr>
-              <a:t>Movies</a:t>
-            </a:r>
-            <a:r>
-              <a:rPr kumimoji="0" lang="es-ES" altLang="es-ES" sz="1800" b="0" i="0" u="none" strike="noStrike" cap="none" normalizeH="0" baseline="0">
-                <a:ln>
-                  <a:noFill/>
-                </a:ln>
-                <a:solidFill>
-                  <a:srgbClr val="FFFFFF"/>
-                </a:solidFill>
-                <a:effectLst/>
-                <a:latin typeface="+mj-lt"/>
-              </a:rPr>
-              <a:t> son populares de manera consistente en todos los periodos analizados.</a:t>
-            </a:r>
-          </a:p>
-          <a:p>
-            <a:pPr marL="0" marR="0" lvl="0" indent="0" algn="ctr" defTabSz="914400" rtl="0" eaLnBrk="0" fontAlgn="base" latinLnBrk="0" hangingPunct="0">
-              <a:spcBef>
-                <a:spcPct val="0"/>
-              </a:spcBef>
-              <a:spcAft>
-                <a:spcPts val="600"/>
-              </a:spcAft>
-              <a:buClrTx/>
-              <a:buSzTx/>
-              <a:buFontTx/>
-              <a:buChar char="•"/>
-              <a:tabLst/>
-            </a:pPr>
-            <a:r>
-              <a:rPr kumimoji="0" lang="es-ES" altLang="es-ES" sz="1800" b="0" i="0" u="none" strike="noStrike" cap="none" normalizeH="0" baseline="0">
-                <a:ln>
-                  <a:noFill/>
-                </a:ln>
-                <a:solidFill>
-                  <a:srgbClr val="FFFFFF"/>
-                </a:solidFill>
-                <a:effectLst/>
-                <a:latin typeface="+mj-lt"/>
-              </a:rPr>
-              <a:t>La relación positiva entre rating y members sugiere que la calidad percibida por los usuarios impacta directamente en la popularidad.</a:t>
-            </a:r>
-          </a:p>
-          <a:p>
-            <a:pPr marL="0" marR="0" lvl="0" indent="0" algn="ctr" defTabSz="914400" rtl="0" eaLnBrk="0" fontAlgn="base" latinLnBrk="0" hangingPunct="0">
-              <a:spcBef>
-                <a:spcPct val="0"/>
-              </a:spcBef>
-              <a:spcAft>
-                <a:spcPts val="600"/>
-              </a:spcAft>
-              <a:buClrTx/>
-              <a:buSzTx/>
-              <a:buFontTx/>
-              <a:buChar char="•"/>
-              <a:tabLst/>
-            </a:pPr>
-            <a:r>
-              <a:rPr kumimoji="0" lang="es-ES" altLang="es-ES" sz="1800" b="0" i="0" u="none" strike="noStrike" cap="none" normalizeH="0" baseline="0">
-                <a:ln>
-                  <a:noFill/>
-                </a:ln>
-                <a:solidFill>
-                  <a:srgbClr val="FFFFFF"/>
-                </a:solidFill>
-                <a:effectLst/>
-                <a:latin typeface="+mj-lt"/>
-              </a:rPr>
-              <a:t>Los cambios en la industria han dado lugar a formatos más modernos como los </a:t>
-            </a:r>
-            <a:r>
-              <a:rPr kumimoji="0" lang="es-ES" altLang="es-ES" sz="1800" b="1" i="0" u="none" strike="noStrike" cap="none" normalizeH="0" baseline="0">
-                <a:ln>
-                  <a:noFill/>
-                </a:ln>
-                <a:solidFill>
-                  <a:srgbClr val="FFFFFF"/>
-                </a:solidFill>
-                <a:effectLst/>
-                <a:latin typeface="+mj-lt"/>
-              </a:rPr>
-              <a:t>ONA</a:t>
-            </a:r>
-            <a:r>
-              <a:rPr kumimoji="0" lang="es-ES" altLang="es-ES" sz="1800" b="0" i="0" u="none" strike="noStrike" cap="none" normalizeH="0" baseline="0">
-                <a:ln>
-                  <a:noFill/>
-                </a:ln>
-                <a:solidFill>
-                  <a:srgbClr val="FFFFFF"/>
-                </a:solidFill>
-                <a:effectLst/>
-                <a:latin typeface="+mj-lt"/>
-              </a:rPr>
-              <a:t>, que muestran un crecimiento significativo en la última década. </a:t>
-            </a:r>
-          </a:p>
-        </p:txBody>
-      </p:sp>
     </p:spTree>
     <p:extLst>
       <p:ext uri="{BB962C8B-B14F-4D97-AF65-F5344CB8AC3E}">
-        <p14:creationId xmlns:p14="http://schemas.microsoft.com/office/powerpoint/2010/main" val="3127890402"/>
+        <p14:creationId xmlns:p14="http://schemas.microsoft.com/office/powerpoint/2010/main" val="1294780758"/>
       </p:ext>
     </p:extLst>
   </p:cSld>
